--- a/presentations/Analiza Danych Przestrzennych 03.pptx
+++ b/presentations/Analiza Danych Przestrzennych 03.pptx
@@ -210,7 +210,7 @@
   </p:defaultTextStyle>
   <p:extLst>
     <p:ext uri="{EFAFB233-063F-42B5-8137-9DF3F51BA10A}">
-      <p15:sldGuideLst xmlns:p15="http://schemas.microsoft.com/office/powerpoint/2012/main">
+      <p15:sldGuideLst xmlns:p15="http://schemas.microsoft.com/office/powerpoint/2012/main" xmlns="">
         <p15:guide id="1" orient="horz" pos="3954" userDrawn="1">
           <p15:clr>
             <a:srgbClr val="A4A3A4"/>
@@ -249,7 +249,7 @@
       </p15:sldGuideLst>
     </p:ext>
     <p:ext uri="{2D200454-40CA-4A62-9FC3-DE9A4176ACB9}">
-      <p15:notesGuideLst xmlns:p15="http://schemas.microsoft.com/office/powerpoint/2012/main">
+      <p15:notesGuideLst xmlns:p15="http://schemas.microsoft.com/office/powerpoint/2012/main" xmlns="">
         <p15:guide id="1" orient="horz" pos="3079">
           <p15:clr>
             <a:srgbClr val="A4A3A4"/>
@@ -294,7 +294,7 @@
     </p:spTree>
     <p:extLst>
       <p:ext uri="{BB962C8B-B14F-4D97-AF65-F5344CB8AC3E}">
-        <p14:creationId xmlns:p14="http://schemas.microsoft.com/office/powerpoint/2010/main" val="336708072"/>
+        <p14:creationId xmlns:p14="http://schemas.microsoft.com/office/powerpoint/2010/main" xmlns="" val="336708072"/>
       </p:ext>
     </p:extLst>
   </p:cSld>
@@ -357,12 +357,12 @@
           <a:effectLst/>
           <a:extLst>
             <a:ext uri="{909E8E84-426E-40DD-AFC4-6F175D3DCCD1}">
-              <a14:hiddenFill xmlns:a14="http://schemas.microsoft.com/office/drawing/2010/main">
+              <a14:hiddenFill xmlns:a14="http://schemas.microsoft.com/office/drawing/2010/main" xmlns="">
                 <a:noFill/>
               </a14:hiddenFill>
             </a:ext>
             <a:ext uri="{AF507438-7753-43E0-B8FC-AC1667EBCBE1}">
-              <a14:hiddenEffects xmlns:a14="http://schemas.microsoft.com/office/drawing/2010/main">
+              <a14:hiddenEffects xmlns:a14="http://schemas.microsoft.com/office/drawing/2010/main" xmlns="">
                 <a:effectLst>
                   <a:outerShdw dist="35921" dir="2700000" algn="ctr" rotWithShape="0">
                     <a:srgbClr val="808080"/>
@@ -371,7 +371,7 @@
               </a14:hiddenEffects>
             </a:ext>
             <a:ext uri="{53640926-AAD7-44D8-BBD7-CCE9431645EC}">
-              <a14:shadowObscured xmlns:a14="http://schemas.microsoft.com/office/drawing/2010/main" val="1"/>
+              <a14:shadowObscured xmlns:a14="http://schemas.microsoft.com/office/drawing/2010/main" xmlns="" val="1"/>
             </a:ext>
           </a:extLst>
         </p:spPr>
@@ -401,14 +401,14 @@
           <a:effectLst/>
           <a:extLst>
             <a:ext uri="{909E8E84-426E-40DD-AFC4-6F175D3DCCD1}">
-              <a14:hiddenFill xmlns:a14="http://schemas.microsoft.com/office/drawing/2010/main">
+              <a14:hiddenFill xmlns:a14="http://schemas.microsoft.com/office/drawing/2010/main" xmlns="">
                 <a:solidFill>
                   <a:schemeClr val="accent1"/>
                 </a:solidFill>
               </a14:hiddenFill>
             </a:ext>
             <a:ext uri="{91240B29-F687-4F45-9708-019B960494DF}">
-              <a14:hiddenLine xmlns:a14="http://schemas.microsoft.com/office/drawing/2010/main" w="12700">
+              <a14:hiddenLine xmlns:a14="http://schemas.microsoft.com/office/drawing/2010/main" xmlns="" w="12700">
                 <a:solidFill>
                   <a:schemeClr val="tx1"/>
                 </a:solidFill>
@@ -418,7 +418,7 @@
               </a14:hiddenLine>
             </a:ext>
             <a:ext uri="{AF507438-7753-43E0-B8FC-AC1667EBCBE1}">
-              <a14:hiddenEffects xmlns:a14="http://schemas.microsoft.com/office/drawing/2010/main">
+              <a14:hiddenEffects xmlns:a14="http://schemas.microsoft.com/office/drawing/2010/main" xmlns="">
                 <a:effectLst>
                   <a:outerShdw dist="35921" dir="2700000" algn="ctr" rotWithShape="0">
                     <a:schemeClr val="bg2"/>
@@ -475,7 +475,7 @@
     </p:spTree>
     <p:extLst>
       <p:ext uri="{BB962C8B-B14F-4D97-AF65-F5344CB8AC3E}">
-        <p14:creationId xmlns:p14="http://schemas.microsoft.com/office/powerpoint/2010/main" val="2987078035"/>
+        <p14:creationId xmlns:p14="http://schemas.microsoft.com/office/powerpoint/2010/main" xmlns="" val="2987078035"/>
       </p:ext>
     </p:extLst>
   </p:cSld>
@@ -666,14 +666,14 @@
             <a:effectLst/>
             <a:extLst>
               <a:ext uri="{909E8E84-426E-40DD-AFC4-6F175D3DCCD1}">
-                <a14:hiddenFill xmlns:a14="http://schemas.microsoft.com/office/drawing/2010/main">
+                <a14:hiddenFill xmlns:a14="http://schemas.microsoft.com/office/drawing/2010/main" xmlns="">
                   <a:solidFill>
                     <a:schemeClr val="accent1"/>
                   </a:solidFill>
                 </a14:hiddenFill>
               </a:ext>
               <a:ext uri="{AF507438-7753-43E0-B8FC-AC1667EBCBE1}">
-                <a14:hiddenEffects xmlns:a14="http://schemas.microsoft.com/office/drawing/2010/main">
+                <a14:hiddenEffects xmlns:a14="http://schemas.microsoft.com/office/drawing/2010/main" xmlns="">
                   <a:effectLst>
                     <a:outerShdw dist="35921" dir="2700000" algn="ctr" rotWithShape="0">
                       <a:schemeClr val="bg2"/>
@@ -720,14 +720,14 @@
             <a:effectLst/>
             <a:extLst>
               <a:ext uri="{909E8E84-426E-40DD-AFC4-6F175D3DCCD1}">
-                <a14:hiddenFill xmlns:a14="http://schemas.microsoft.com/office/drawing/2010/main">
+                <a14:hiddenFill xmlns:a14="http://schemas.microsoft.com/office/drawing/2010/main" xmlns="">
                   <a:solidFill>
                     <a:schemeClr val="accent1"/>
                   </a:solidFill>
                 </a14:hiddenFill>
               </a:ext>
               <a:ext uri="{AF507438-7753-43E0-B8FC-AC1667EBCBE1}">
-                <a14:hiddenEffects xmlns:a14="http://schemas.microsoft.com/office/drawing/2010/main">
+                <a14:hiddenEffects xmlns:a14="http://schemas.microsoft.com/office/drawing/2010/main" xmlns="">
                   <a:effectLst>
                     <a:outerShdw dist="35921" dir="2700000" algn="ctr" rotWithShape="0">
                       <a:schemeClr val="bg2"/>
@@ -775,12 +775,12 @@
           <a:effectLst/>
           <a:extLst>
             <a:ext uri="{909E8E84-426E-40DD-AFC4-6F175D3DCCD1}">
-              <a14:hiddenFill xmlns:a14="http://schemas.microsoft.com/office/drawing/2010/main">
+              <a14:hiddenFill xmlns:a14="http://schemas.microsoft.com/office/drawing/2010/main" xmlns="">
                 <a:noFill/>
               </a14:hiddenFill>
             </a:ext>
             <a:ext uri="{AF507438-7753-43E0-B8FC-AC1667EBCBE1}">
-              <a14:hiddenEffects xmlns:a14="http://schemas.microsoft.com/office/drawing/2010/main">
+              <a14:hiddenEffects xmlns:a14="http://schemas.microsoft.com/office/drawing/2010/main" xmlns="">
                 <a:effectLst>
                   <a:outerShdw dist="35921" dir="2700000" algn="ctr" rotWithShape="0">
                     <a:schemeClr val="bg2"/>
@@ -895,7 +895,7 @@
           <a:effectLst/>
           <a:extLst>
             <a:ext uri="{91240B29-F687-4F45-9708-019B960494DF}">
-              <a14:hiddenLine xmlns:a14="http://schemas.microsoft.com/office/drawing/2010/main" w="12700">
+              <a14:hiddenLine xmlns:a14="http://schemas.microsoft.com/office/drawing/2010/main" xmlns="" w="12700">
                 <a:solidFill>
                   <a:schemeClr val="tx1"/>
                 </a:solidFill>
@@ -905,7 +905,7 @@
               </a14:hiddenLine>
             </a:ext>
             <a:ext uri="{AF507438-7753-43E0-B8FC-AC1667EBCBE1}">
-              <a14:hiddenEffects xmlns:a14="http://schemas.microsoft.com/office/drawing/2010/main">
+              <a14:hiddenEffects xmlns:a14="http://schemas.microsoft.com/office/drawing/2010/main" xmlns="">
                 <a:effectLst>
                   <a:outerShdw dist="35921" dir="2700000" algn="ctr" rotWithShape="0">
                     <a:schemeClr val="bg2"/>
@@ -936,7 +936,7 @@
           <a:blip r:embed="rId3" cstate="print">
             <a:extLst>
               <a:ext uri="{28A0092B-C50C-407E-A947-70E740481C1C}">
-                <a14:useLocalDpi xmlns:a14="http://schemas.microsoft.com/office/drawing/2010/main" val="0"/>
+                <a14:useLocalDpi xmlns:a14="http://schemas.microsoft.com/office/drawing/2010/main" xmlns="" val="0"/>
               </a:ext>
             </a:extLst>
           </a:blip>
@@ -1127,7 +1127,7 @@
     </p:spTree>
     <p:extLst>
       <p:ext uri="{BB962C8B-B14F-4D97-AF65-F5344CB8AC3E}">
-        <p14:creationId xmlns:p14="http://schemas.microsoft.com/office/powerpoint/2010/main" val="3434305802"/>
+        <p14:creationId xmlns:p14="http://schemas.microsoft.com/office/powerpoint/2010/main" xmlns="" val="3434305802"/>
       </p:ext>
     </p:extLst>
   </p:cSld>
@@ -1305,7 +1305,7 @@
     </p:spTree>
     <p:extLst>
       <p:ext uri="{BB962C8B-B14F-4D97-AF65-F5344CB8AC3E}">
-        <p14:creationId xmlns:p14="http://schemas.microsoft.com/office/powerpoint/2010/main" val="2403179784"/>
+        <p14:creationId xmlns:p14="http://schemas.microsoft.com/office/powerpoint/2010/main" xmlns="" val="2403179784"/>
       </p:ext>
     </p:extLst>
   </p:cSld>
@@ -1473,7 +1473,7 @@
     </p:spTree>
     <p:extLst>
       <p:ext uri="{BB962C8B-B14F-4D97-AF65-F5344CB8AC3E}">
-        <p14:creationId xmlns:p14="http://schemas.microsoft.com/office/powerpoint/2010/main" val="1030910282"/>
+        <p14:creationId xmlns:p14="http://schemas.microsoft.com/office/powerpoint/2010/main" xmlns="" val="1030910282"/>
       </p:ext>
     </p:extLst>
   </p:cSld>
@@ -1670,7 +1670,7 @@
     </p:spTree>
     <p:extLst>
       <p:ext uri="{BB962C8B-B14F-4D97-AF65-F5344CB8AC3E}">
-        <p14:creationId xmlns:p14="http://schemas.microsoft.com/office/powerpoint/2010/main" val="3014093662"/>
+        <p14:creationId xmlns:p14="http://schemas.microsoft.com/office/powerpoint/2010/main" xmlns="" val="3014093662"/>
       </p:ext>
     </p:extLst>
   </p:cSld>
@@ -1963,7 +1963,7 @@
     </p:spTree>
     <p:extLst>
       <p:ext uri="{BB962C8B-B14F-4D97-AF65-F5344CB8AC3E}">
-        <p14:creationId xmlns:p14="http://schemas.microsoft.com/office/powerpoint/2010/main" val="3199254434"/>
+        <p14:creationId xmlns:p14="http://schemas.microsoft.com/office/powerpoint/2010/main" xmlns="" val="3199254434"/>
       </p:ext>
     </p:extLst>
   </p:cSld>
@@ -2395,7 +2395,7 @@
     </p:spTree>
     <p:extLst>
       <p:ext uri="{BB962C8B-B14F-4D97-AF65-F5344CB8AC3E}">
-        <p14:creationId xmlns:p14="http://schemas.microsoft.com/office/powerpoint/2010/main" val="646752584"/>
+        <p14:creationId xmlns:p14="http://schemas.microsoft.com/office/powerpoint/2010/main" xmlns="" val="646752584"/>
       </p:ext>
     </p:extLst>
   </p:cSld>
@@ -2518,7 +2518,7 @@
     </p:spTree>
     <p:extLst>
       <p:ext uri="{BB962C8B-B14F-4D97-AF65-F5344CB8AC3E}">
-        <p14:creationId xmlns:p14="http://schemas.microsoft.com/office/powerpoint/2010/main" val="2165105945"/>
+        <p14:creationId xmlns:p14="http://schemas.microsoft.com/office/powerpoint/2010/main" xmlns="" val="2165105945"/>
       </p:ext>
     </p:extLst>
   </p:cSld>
@@ -2611,7 +2611,7 @@
     </p:spTree>
     <p:extLst>
       <p:ext uri="{BB962C8B-B14F-4D97-AF65-F5344CB8AC3E}">
-        <p14:creationId xmlns:p14="http://schemas.microsoft.com/office/powerpoint/2010/main" val="68146732"/>
+        <p14:creationId xmlns:p14="http://schemas.microsoft.com/office/powerpoint/2010/main" xmlns="" val="68146732"/>
       </p:ext>
     </p:extLst>
   </p:cSld>
@@ -2893,7 +2893,7 @@
     </p:spTree>
     <p:extLst>
       <p:ext uri="{BB962C8B-B14F-4D97-AF65-F5344CB8AC3E}">
-        <p14:creationId xmlns:p14="http://schemas.microsoft.com/office/powerpoint/2010/main" val="969089675"/>
+        <p14:creationId xmlns:p14="http://schemas.microsoft.com/office/powerpoint/2010/main" xmlns="" val="969089675"/>
       </p:ext>
     </p:extLst>
   </p:cSld>
@@ -3149,7 +3149,7 @@
     </p:spTree>
     <p:extLst>
       <p:ext uri="{BB962C8B-B14F-4D97-AF65-F5344CB8AC3E}">
-        <p14:creationId xmlns:p14="http://schemas.microsoft.com/office/powerpoint/2010/main" val="2873135354"/>
+        <p14:creationId xmlns:p14="http://schemas.microsoft.com/office/powerpoint/2010/main" xmlns="" val="2873135354"/>
       </p:ext>
     </p:extLst>
   </p:cSld>
@@ -3209,14 +3209,14 @@
           <a:effectLst/>
           <a:extLst>
             <a:ext uri="{909E8E84-426E-40DD-AFC4-6F175D3DCCD1}">
-              <a14:hiddenFill xmlns:a14="http://schemas.microsoft.com/office/drawing/2010/main">
+              <a14:hiddenFill xmlns:a14="http://schemas.microsoft.com/office/drawing/2010/main" xmlns="">
                 <a:solidFill>
                   <a:schemeClr val="accent1"/>
                 </a:solidFill>
               </a14:hiddenFill>
             </a:ext>
             <a:ext uri="{91240B29-F687-4F45-9708-019B960494DF}">
-              <a14:hiddenLine xmlns:a14="http://schemas.microsoft.com/office/drawing/2010/main" w="9525">
+              <a14:hiddenLine xmlns:a14="http://schemas.microsoft.com/office/drawing/2010/main" xmlns="" w="9525">
                 <a:solidFill>
                   <a:schemeClr val="tx1"/>
                 </a:solidFill>
@@ -3226,7 +3226,7 @@
               </a14:hiddenLine>
             </a:ext>
             <a:ext uri="{AF507438-7753-43E0-B8FC-AC1667EBCBE1}">
-              <a14:hiddenEffects xmlns:a14="http://schemas.microsoft.com/office/drawing/2010/main">
+              <a14:hiddenEffects xmlns:a14="http://schemas.microsoft.com/office/drawing/2010/main" xmlns="">
                 <a:effectLst>
                   <a:outerShdw dist="35921" dir="2700000" algn="ctr" rotWithShape="0">
                     <a:schemeClr val="bg2"/>
@@ -3280,14 +3280,14 @@
           <a:effectLst/>
           <a:extLst>
             <a:ext uri="{909E8E84-426E-40DD-AFC4-6F175D3DCCD1}">
-              <a14:hiddenFill xmlns:a14="http://schemas.microsoft.com/office/drawing/2010/main">
+              <a14:hiddenFill xmlns:a14="http://schemas.microsoft.com/office/drawing/2010/main" xmlns="">
                 <a:solidFill>
                   <a:schemeClr val="accent1"/>
                 </a:solidFill>
               </a14:hiddenFill>
             </a:ext>
             <a:ext uri="{91240B29-F687-4F45-9708-019B960494DF}">
-              <a14:hiddenLine xmlns:a14="http://schemas.microsoft.com/office/drawing/2010/main" w="9525">
+              <a14:hiddenLine xmlns:a14="http://schemas.microsoft.com/office/drawing/2010/main" xmlns="" w="9525">
                 <a:solidFill>
                   <a:schemeClr val="tx1"/>
                 </a:solidFill>
@@ -3297,7 +3297,7 @@
               </a14:hiddenLine>
             </a:ext>
             <a:ext uri="{AF507438-7753-43E0-B8FC-AC1667EBCBE1}">
-              <a14:hiddenEffects xmlns:a14="http://schemas.microsoft.com/office/drawing/2010/main">
+              <a14:hiddenEffects xmlns:a14="http://schemas.microsoft.com/office/drawing/2010/main" xmlns="">
                 <a:effectLst>
                   <a:outerShdw dist="35921" dir="2700000" algn="ctr" rotWithShape="0">
                     <a:schemeClr val="bg2"/>
@@ -3356,14 +3356,14 @@
           <a:effectLst/>
           <a:extLst>
             <a:ext uri="{909E8E84-426E-40DD-AFC4-6F175D3DCCD1}">
-              <a14:hiddenFill xmlns:a14="http://schemas.microsoft.com/office/drawing/2010/main">
+              <a14:hiddenFill xmlns:a14="http://schemas.microsoft.com/office/drawing/2010/main" xmlns="">
                 <a:solidFill>
                   <a:schemeClr val="accent1"/>
                 </a:solidFill>
               </a14:hiddenFill>
             </a:ext>
             <a:ext uri="{91240B29-F687-4F45-9708-019B960494DF}">
-              <a14:hiddenLine xmlns:a14="http://schemas.microsoft.com/office/drawing/2010/main" w="12700">
+              <a14:hiddenLine xmlns:a14="http://schemas.microsoft.com/office/drawing/2010/main" xmlns="" w="12700">
                 <a:solidFill>
                   <a:schemeClr val="tx1"/>
                 </a:solidFill>
@@ -3373,7 +3373,7 @@
               </a14:hiddenLine>
             </a:ext>
             <a:ext uri="{AF507438-7753-43E0-B8FC-AC1667EBCBE1}">
-              <a14:hiddenEffects xmlns:a14="http://schemas.microsoft.com/office/drawing/2010/main">
+              <a14:hiddenEffects xmlns:a14="http://schemas.microsoft.com/office/drawing/2010/main" xmlns="">
                 <a:effectLst>
                   <a:outerShdw dist="35921" dir="2700000" algn="ctr" rotWithShape="0">
                     <a:schemeClr val="bg2"/>
@@ -3424,14 +3424,14 @@
           <a:effectLst/>
           <a:extLst>
             <a:ext uri="{909E8E84-426E-40DD-AFC4-6F175D3DCCD1}">
-              <a14:hiddenFill xmlns:a14="http://schemas.microsoft.com/office/drawing/2010/main">
+              <a14:hiddenFill xmlns:a14="http://schemas.microsoft.com/office/drawing/2010/main" xmlns="">
                 <a:solidFill>
                   <a:schemeClr val="accent1"/>
                 </a:solidFill>
               </a14:hiddenFill>
             </a:ext>
             <a:ext uri="{91240B29-F687-4F45-9708-019B960494DF}">
-              <a14:hiddenLine xmlns:a14="http://schemas.microsoft.com/office/drawing/2010/main" w="12700">
+              <a14:hiddenLine xmlns:a14="http://schemas.microsoft.com/office/drawing/2010/main" xmlns="" w="12700">
                 <a:solidFill>
                   <a:schemeClr val="tx1"/>
                 </a:solidFill>
@@ -3441,7 +3441,7 @@
               </a14:hiddenLine>
             </a:ext>
             <a:ext uri="{AF507438-7753-43E0-B8FC-AC1667EBCBE1}">
-              <a14:hiddenEffects xmlns:a14="http://schemas.microsoft.com/office/drawing/2010/main">
+              <a14:hiddenEffects xmlns:a14="http://schemas.microsoft.com/office/drawing/2010/main" xmlns="">
                 <a:effectLst>
                   <a:outerShdw dist="35921" dir="2700000" algn="ctr" rotWithShape="0">
                     <a:schemeClr val="bg2"/>
@@ -3539,14 +3539,14 @@
             <a:effectLst/>
             <a:extLst>
               <a:ext uri="{909E8E84-426E-40DD-AFC4-6F175D3DCCD1}">
-                <a14:hiddenFill xmlns:a14="http://schemas.microsoft.com/office/drawing/2010/main">
+                <a14:hiddenFill xmlns:a14="http://schemas.microsoft.com/office/drawing/2010/main" xmlns="">
                   <a:solidFill>
                     <a:schemeClr val="accent1"/>
                   </a:solidFill>
                 </a14:hiddenFill>
               </a:ext>
               <a:ext uri="{AF507438-7753-43E0-B8FC-AC1667EBCBE1}">
-                <a14:hiddenEffects xmlns:a14="http://schemas.microsoft.com/office/drawing/2010/main">
+                <a14:hiddenEffects xmlns:a14="http://schemas.microsoft.com/office/drawing/2010/main" xmlns="">
                   <a:effectLst>
                     <a:outerShdw dist="35921" dir="2700000" algn="ctr" rotWithShape="0">
                       <a:schemeClr val="bg2"/>
@@ -3593,14 +3593,14 @@
             <a:effectLst/>
             <a:extLst>
               <a:ext uri="{909E8E84-426E-40DD-AFC4-6F175D3DCCD1}">
-                <a14:hiddenFill xmlns:a14="http://schemas.microsoft.com/office/drawing/2010/main">
+                <a14:hiddenFill xmlns:a14="http://schemas.microsoft.com/office/drawing/2010/main" xmlns="">
                   <a:solidFill>
                     <a:schemeClr val="accent1"/>
                   </a:solidFill>
                 </a14:hiddenFill>
               </a:ext>
               <a:ext uri="{AF507438-7753-43E0-B8FC-AC1667EBCBE1}">
-                <a14:hiddenEffects xmlns:a14="http://schemas.microsoft.com/office/drawing/2010/main">
+                <a14:hiddenEffects xmlns:a14="http://schemas.microsoft.com/office/drawing/2010/main" xmlns="">
                   <a:effectLst>
                     <a:outerShdw dist="35921" dir="2700000" algn="ctr" rotWithShape="0">
                       <a:schemeClr val="bg2"/>
@@ -3647,14 +3647,14 @@
             <a:effectLst/>
             <a:extLst>
               <a:ext uri="{909E8E84-426E-40DD-AFC4-6F175D3DCCD1}">
-                <a14:hiddenFill xmlns:a14="http://schemas.microsoft.com/office/drawing/2010/main">
+                <a14:hiddenFill xmlns:a14="http://schemas.microsoft.com/office/drawing/2010/main" xmlns="">
                   <a:solidFill>
                     <a:schemeClr val="accent1"/>
                   </a:solidFill>
                 </a14:hiddenFill>
               </a:ext>
               <a:ext uri="{AF507438-7753-43E0-B8FC-AC1667EBCBE1}">
-                <a14:hiddenEffects xmlns:a14="http://schemas.microsoft.com/office/drawing/2010/main">
+                <a14:hiddenEffects xmlns:a14="http://schemas.microsoft.com/office/drawing/2010/main" xmlns="">
                   <a:effectLst>
                     <a:outerShdw dist="35921" dir="2700000" algn="ctr" rotWithShape="0">
                       <a:schemeClr val="bg2"/>
@@ -3699,7 +3699,7 @@
           <a:effectLst/>
           <a:extLst>
             <a:ext uri="{91240B29-F687-4F45-9708-019B960494DF}">
-              <a14:hiddenLine xmlns:a14="http://schemas.microsoft.com/office/drawing/2010/main" w="12700">
+              <a14:hiddenLine xmlns:a14="http://schemas.microsoft.com/office/drawing/2010/main" xmlns="" w="12700">
                 <a:solidFill>
                   <a:schemeClr val="tx1"/>
                 </a:solidFill>
@@ -3709,7 +3709,7 @@
               </a14:hiddenLine>
             </a:ext>
             <a:ext uri="{AF507438-7753-43E0-B8FC-AC1667EBCBE1}">
-              <a14:hiddenEffects xmlns:a14="http://schemas.microsoft.com/office/drawing/2010/main">
+              <a14:hiddenEffects xmlns:a14="http://schemas.microsoft.com/office/drawing/2010/main" xmlns="">
                 <a:effectLst>
                   <a:outerShdw dist="35921" dir="2700000" algn="ctr" rotWithShape="0">
                     <a:schemeClr val="bg2"/>
@@ -3744,7 +3744,7 @@
           <a:blip r:embed="rId13" cstate="print">
             <a:extLst>
               <a:ext uri="{28A0092B-C50C-407E-A947-70E740481C1C}">
-                <a14:useLocalDpi xmlns:a14="http://schemas.microsoft.com/office/drawing/2010/main" val="0"/>
+                <a14:useLocalDpi xmlns:a14="http://schemas.microsoft.com/office/drawing/2010/main" xmlns="" val="0"/>
               </a:ext>
             </a:extLst>
           </a:blip>
@@ -4185,7 +4185,7 @@
           <a:blip r:embed="rId3" r:link="rId4" cstate="print">
             <a:extLst>
               <a:ext uri="{28A0092B-C50C-407E-A947-70E740481C1C}">
-                <a14:useLocalDpi xmlns:a14="http://schemas.microsoft.com/office/drawing/2010/main" val="0"/>
+                <a14:useLocalDpi xmlns:a14="http://schemas.microsoft.com/office/drawing/2010/main" xmlns="" val="0"/>
               </a:ext>
             </a:extLst>
           </a:blip>
@@ -4230,14 +4230,14 @@
           <a:effectLst/>
           <a:extLst>
             <a:ext uri="{909E8E84-426E-40DD-AFC4-6F175D3DCCD1}">
-              <a14:hiddenFill xmlns:a14="http://schemas.microsoft.com/office/drawing/2010/main">
+              <a14:hiddenFill xmlns:a14="http://schemas.microsoft.com/office/drawing/2010/main" xmlns="">
                 <a:solidFill>
                   <a:schemeClr val="accent1"/>
                 </a:solidFill>
               </a14:hiddenFill>
             </a:ext>
             <a:ext uri="{91240B29-F687-4F45-9708-019B960494DF}">
-              <a14:hiddenLine xmlns:a14="http://schemas.microsoft.com/office/drawing/2010/main" w="12700">
+              <a14:hiddenLine xmlns:a14="http://schemas.microsoft.com/office/drawing/2010/main" xmlns="" w="12700">
                 <a:solidFill>
                   <a:schemeClr val="tx1"/>
                 </a:solidFill>
@@ -4247,7 +4247,7 @@
               </a14:hiddenLine>
             </a:ext>
             <a:ext uri="{AF507438-7753-43E0-B8FC-AC1667EBCBE1}">
-              <a14:hiddenEffects xmlns:a14="http://schemas.microsoft.com/office/drawing/2010/main">
+              <a14:hiddenEffects xmlns:a14="http://schemas.microsoft.com/office/drawing/2010/main" xmlns="">
                 <a:effectLst>
                   <a:outerShdw dist="35921" dir="2700000" algn="ctr" rotWithShape="0">
                     <a:schemeClr val="bg2"/>
@@ -4292,14 +4292,14 @@
           <a:effectLst/>
           <a:extLst>
             <a:ext uri="{909E8E84-426E-40DD-AFC4-6F175D3DCCD1}">
-              <a14:hiddenFill xmlns:a14="http://schemas.microsoft.com/office/drawing/2010/main">
+              <a14:hiddenFill xmlns:a14="http://schemas.microsoft.com/office/drawing/2010/main" xmlns="">
                 <a:solidFill>
                   <a:schemeClr val="accent1"/>
                 </a:solidFill>
               </a14:hiddenFill>
             </a:ext>
             <a:ext uri="{91240B29-F687-4F45-9708-019B960494DF}">
-              <a14:hiddenLine xmlns:a14="http://schemas.microsoft.com/office/drawing/2010/main" w="12700">
+              <a14:hiddenLine xmlns:a14="http://schemas.microsoft.com/office/drawing/2010/main" xmlns="" w="12700">
                 <a:solidFill>
                   <a:schemeClr val="tx1"/>
                 </a:solidFill>
@@ -4309,7 +4309,7 @@
               </a14:hiddenLine>
             </a:ext>
             <a:ext uri="{AF507438-7753-43E0-B8FC-AC1667EBCBE1}">
-              <a14:hiddenEffects xmlns:a14="http://schemas.microsoft.com/office/drawing/2010/main">
+              <a14:hiddenEffects xmlns:a14="http://schemas.microsoft.com/office/drawing/2010/main" xmlns="">
                 <a:effectLst>
                   <a:outerShdw dist="35921" dir="2700000" algn="ctr" rotWithShape="0">
                     <a:schemeClr val="bg2"/>
@@ -4506,14 +4506,14 @@
           <a:effectLst/>
           <a:extLst>
             <a:ext uri="{909E8E84-426E-40DD-AFC4-6F175D3DCCD1}">
-              <a14:hiddenFill xmlns:a14="http://schemas.microsoft.com/office/drawing/2010/main">
+              <a14:hiddenFill xmlns:a14="http://schemas.microsoft.com/office/drawing/2010/main" xmlns="">
                 <a:solidFill>
                   <a:schemeClr val="accent1"/>
                 </a:solidFill>
               </a14:hiddenFill>
             </a:ext>
             <a:ext uri="{91240B29-F687-4F45-9708-019B960494DF}">
-              <a14:hiddenLine xmlns:a14="http://schemas.microsoft.com/office/drawing/2010/main" w="12700">
+              <a14:hiddenLine xmlns:a14="http://schemas.microsoft.com/office/drawing/2010/main" xmlns="" w="12700">
                 <a:solidFill>
                   <a:schemeClr val="tx1"/>
                 </a:solidFill>
@@ -4523,7 +4523,7 @@
               </a14:hiddenLine>
             </a:ext>
             <a:ext uri="{AF507438-7753-43E0-B8FC-AC1667EBCBE1}">
-              <a14:hiddenEffects xmlns:a14="http://schemas.microsoft.com/office/drawing/2010/main">
+              <a14:hiddenEffects xmlns:a14="http://schemas.microsoft.com/office/drawing/2010/main" xmlns="">
                 <a:effectLst>
                   <a:outerShdw dist="35921" dir="2700000" algn="ctr" rotWithShape="0">
                     <a:schemeClr val="bg2"/>
@@ -4706,7 +4706,7 @@
     </p:spTree>
     <p:extLst>
       <p:ext uri="{BB962C8B-B14F-4D97-AF65-F5344CB8AC3E}">
-        <p14:creationId xmlns:p14="http://schemas.microsoft.com/office/powerpoint/2010/main" val="2574341192"/>
+        <p14:creationId xmlns:p14="http://schemas.microsoft.com/office/powerpoint/2010/main" xmlns="" val="2574341192"/>
       </p:ext>
     </p:extLst>
   </p:cSld>
@@ -4840,7 +4840,7 @@
     </p:spTree>
     <p:extLst>
       <p:ext uri="{BB962C8B-B14F-4D97-AF65-F5344CB8AC3E}">
-        <p14:creationId xmlns:p14="http://schemas.microsoft.com/office/powerpoint/2010/main" val="3624982585"/>
+        <p14:creationId xmlns:p14="http://schemas.microsoft.com/office/powerpoint/2010/main" xmlns="" val="3624982585"/>
       </p:ext>
     </p:extLst>
   </p:cSld>
@@ -5079,7 +5079,7 @@
     </p:spTree>
     <p:extLst>
       <p:ext uri="{BB962C8B-B14F-4D97-AF65-F5344CB8AC3E}">
-        <p14:creationId xmlns:p14="http://schemas.microsoft.com/office/powerpoint/2010/main" val="3967260992"/>
+        <p14:creationId xmlns:p14="http://schemas.microsoft.com/office/powerpoint/2010/main" xmlns="" val="3967260992"/>
       </p:ext>
     </p:extLst>
   </p:cSld>
@@ -5196,7 +5196,7 @@
     </p:spTree>
     <p:extLst>
       <p:ext uri="{BB962C8B-B14F-4D97-AF65-F5344CB8AC3E}">
-        <p14:creationId xmlns:p14="http://schemas.microsoft.com/office/powerpoint/2010/main" val="3993751614"/>
+        <p14:creationId xmlns:p14="http://schemas.microsoft.com/office/powerpoint/2010/main" xmlns="" val="3993751614"/>
       </p:ext>
     </p:extLst>
   </p:cSld>
@@ -5483,7 +5483,7 @@
     </p:spTree>
     <p:extLst>
       <p:ext uri="{BB962C8B-B14F-4D97-AF65-F5344CB8AC3E}">
-        <p14:creationId xmlns:p14="http://schemas.microsoft.com/office/powerpoint/2010/main" val="3316828387"/>
+        <p14:creationId xmlns:p14="http://schemas.microsoft.com/office/powerpoint/2010/main" xmlns="" val="3316828387"/>
       </p:ext>
     </p:extLst>
   </p:cSld>
@@ -5897,7 +5897,7 @@
     </p:spTree>
     <p:extLst>
       <p:ext uri="{BB962C8B-B14F-4D97-AF65-F5344CB8AC3E}">
-        <p14:creationId xmlns:p14="http://schemas.microsoft.com/office/powerpoint/2010/main" val="1696545770"/>
+        <p14:creationId xmlns:p14="http://schemas.microsoft.com/office/powerpoint/2010/main" xmlns="" val="1696545770"/>
       </p:ext>
     </p:extLst>
   </p:cSld>
@@ -6245,7 +6245,7 @@
     </p:spTree>
     <p:extLst>
       <p:ext uri="{BB962C8B-B14F-4D97-AF65-F5344CB8AC3E}">
-        <p14:creationId xmlns:p14="http://schemas.microsoft.com/office/powerpoint/2010/main" val="2343973479"/>
+        <p14:creationId xmlns:p14="http://schemas.microsoft.com/office/powerpoint/2010/main" xmlns="" val="2343973479"/>
       </p:ext>
     </p:extLst>
   </p:cSld>
@@ -6723,7 +6723,7 @@
     </p:spTree>
     <p:extLst>
       <p:ext uri="{BB962C8B-B14F-4D97-AF65-F5344CB8AC3E}">
-        <p14:creationId xmlns:p14="http://schemas.microsoft.com/office/powerpoint/2010/main" val="1268240787"/>
+        <p14:creationId xmlns:p14="http://schemas.microsoft.com/office/powerpoint/2010/main" xmlns="" val="1268240787"/>
       </p:ext>
     </p:extLst>
   </p:cSld>
@@ -7506,7 +7506,7 @@
     </p:spTree>
     <p:extLst>
       <p:ext uri="{BB962C8B-B14F-4D97-AF65-F5344CB8AC3E}">
-        <p14:creationId xmlns:p14="http://schemas.microsoft.com/office/powerpoint/2010/main" val="223212426"/>
+        <p14:creationId xmlns:p14="http://schemas.microsoft.com/office/powerpoint/2010/main" xmlns="" val="223212426"/>
       </p:ext>
     </p:extLst>
   </p:cSld>
@@ -7587,7 +7587,7 @@
     </p:spTree>
     <p:extLst>
       <p:ext uri="{BB962C8B-B14F-4D97-AF65-F5344CB8AC3E}">
-        <p14:creationId xmlns:p14="http://schemas.microsoft.com/office/powerpoint/2010/main" val="876250042"/>
+        <p14:creationId xmlns:p14="http://schemas.microsoft.com/office/powerpoint/2010/main" xmlns="" val="876250042"/>
       </p:ext>
     </p:extLst>
   </p:cSld>
@@ -7724,7 +7724,7 @@
     </p:spTree>
     <p:extLst>
       <p:ext uri="{BB962C8B-B14F-4D97-AF65-F5344CB8AC3E}">
-        <p14:creationId xmlns:p14="http://schemas.microsoft.com/office/powerpoint/2010/main" val="2307994212"/>
+        <p14:creationId xmlns:p14="http://schemas.microsoft.com/office/powerpoint/2010/main" xmlns="" val="2307994212"/>
       </p:ext>
     </p:extLst>
   </p:cSld>
@@ -8838,10 +8838,19 @@
               <a:rPr sz="1800" dirty="0">
                 <a:latin typeface="Courier"/>
               </a:rPr>
-              <a:t> =</a:t>
-            </a:r>
-            <a:r>
-              <a:rPr sz="1800" dirty="0">
+              <a:t> </a:t>
+            </a:r>
+            <a:r>
+              <a:rPr lang="pl-PL" sz="1800" spc="-1" dirty="0" smtClean="0">
+                <a:solidFill>
+                  <a:srgbClr val="000000"/>
+                </a:solidFill>
+                <a:latin typeface="Courier New"/>
+              </a:rPr>
+              <a:t>&lt;-</a:t>
+            </a:r>
+            <a:r>
+              <a:rPr sz="1800" dirty="0" smtClean="0">
                 <a:solidFill>
                   <a:srgbClr val="4070A0"/>
                 </a:solidFill>
@@ -9030,10 +9039,19 @@
               <a:rPr sz="1800" dirty="0">
                 <a:latin typeface="Courier"/>
               </a:rPr>
-              <a:t>map_nz1 =</a:t>
-            </a:r>
-            <a:r>
-              <a:rPr sz="1800" dirty="0">
+              <a:t>map_nz1 </a:t>
+            </a:r>
+            <a:r>
+              <a:rPr lang="pl-PL" sz="1800" spc="-1" dirty="0" smtClean="0">
+                <a:solidFill>
+                  <a:srgbClr val="000000"/>
+                </a:solidFill>
+                <a:latin typeface="Courier New"/>
+              </a:rPr>
+              <a:t>&lt;-</a:t>
+            </a:r>
+            <a:r>
+              <a:rPr sz="1800" dirty="0" smtClean="0">
                 <a:solidFill>
                   <a:srgbClr val="4070A0"/>
                 </a:solidFill>
@@ -9292,10 +9310,19 @@
               <a:rPr sz="1800" dirty="0">
                 <a:latin typeface="Courier"/>
               </a:rPr>
-              <a:t> =</a:t>
-            </a:r>
-            <a:r>
-              <a:rPr sz="1800" dirty="0">
+              <a:t> </a:t>
+            </a:r>
+            <a:r>
+              <a:rPr lang="pl-PL" sz="1800" spc="-1" dirty="0" smtClean="0">
+                <a:solidFill>
+                  <a:srgbClr val="000000"/>
+                </a:solidFill>
+                <a:latin typeface="Courier New"/>
+              </a:rPr>
+              <a:t>&lt;-</a:t>
+            </a:r>
+            <a:r>
+              <a:rPr sz="1800" dirty="0" smtClean="0">
                 <a:solidFill>
                   <a:srgbClr val="4070A0"/>
                 </a:solidFill>
@@ -9349,13 +9376,77 @@
               <a:t> </a:t>
             </a:r>
             <a:r>
+              <a:rPr sz="1800" b="1" dirty="0" err="1" smtClean="0">
+                <a:solidFill>
+                  <a:srgbClr val="007020"/>
+                </a:solidFill>
+                <a:latin typeface="Courier"/>
+              </a:rPr>
+              <a:t>st_buffer</a:t>
+            </a:r>
+            <a:r>
+              <a:rPr sz="1800" dirty="0" smtClean="0">
+                <a:latin typeface="Courier"/>
+              </a:rPr>
+              <a:t>(</a:t>
+            </a:r>
+            <a:r>
+              <a:rPr sz="1800" dirty="0" smtClean="0">
+                <a:solidFill>
+                  <a:srgbClr val="40A070"/>
+                </a:solidFill>
+                <a:latin typeface="Courier"/>
+              </a:rPr>
+              <a:t>22200</a:t>
+            </a:r>
+            <a:r>
+              <a:rPr sz="1800" dirty="0">
+                <a:latin typeface="Courier"/>
+              </a:rPr>
+              <a:t>) </a:t>
+            </a:r>
+            <a:r>
+              <a:rPr sz="1800" dirty="0">
+                <a:solidFill>
+                  <a:srgbClr val="666666"/>
+                </a:solidFill>
+                <a:latin typeface="Courier"/>
+              </a:rPr>
+              <a:t>%&gt;%</a:t>
+            </a:r>
+            <a:r>
+              <a:rPr sz="1800" dirty="0">
+                <a:solidFill>
+                  <a:srgbClr val="4070A0"/>
+                </a:solidFill>
+                <a:latin typeface="Courier"/>
+              </a:rPr>
+              <a:t> </a:t>
+            </a:r>
+            <a:r>
+              <a:rPr dirty="0"/>
+              <a:t/>
+            </a:r>
+            <a:br>
+              <a:rPr dirty="0"/>
+            </a:br>
+            <a:r>
+              <a:rPr sz="1800" dirty="0">
+                <a:solidFill>
+                  <a:srgbClr val="4070A0"/>
+                </a:solidFill>
+                <a:latin typeface="Courier"/>
+              </a:rPr>
+              <a:t>  </a:t>
+            </a:r>
+            <a:r>
               <a:rPr sz="1800" b="1" dirty="0" err="1">
                 <a:solidFill>
                   <a:srgbClr val="007020"/>
                 </a:solidFill>
                 <a:latin typeface="Courier"/>
               </a:rPr>
-              <a:t>st_buffer</a:t>
+              <a:t>st_cast</a:t>
             </a:r>
             <a:r>
               <a:rPr sz="1800" dirty="0">
@@ -9366,26 +9457,17 @@
             <a:r>
               <a:rPr sz="1800" dirty="0">
                 <a:solidFill>
-                  <a:srgbClr val="40A070"/>
-                </a:solidFill>
-                <a:latin typeface="Courier"/>
-              </a:rPr>
-              <a:t>22200</a:t>
-            </a:r>
-            <a:r>
-              <a:rPr sz="1800" dirty="0">
-                <a:latin typeface="Courier"/>
-              </a:rPr>
-              <a:t>) </a:t>
-            </a:r>
-            <a:r>
-              <a:rPr sz="1800" dirty="0">
-                <a:solidFill>
-                  <a:srgbClr val="666666"/>
-                </a:solidFill>
-                <a:latin typeface="Courier"/>
-              </a:rPr>
-              <a:t>%&gt;%</a:t>
+                  <a:srgbClr val="902000"/>
+                </a:solidFill>
+                <a:latin typeface="Courier"/>
+              </a:rPr>
+              <a:t>to =</a:t>
+            </a:r>
+            <a:r>
+              <a:rPr sz="1800" dirty="0">
+                <a:latin typeface="Courier"/>
+              </a:rPr>
+              <a:t> </a:t>
             </a:r>
             <a:r>
               <a:rPr sz="1800" dirty="0">
@@ -9394,7 +9476,13 @@
                 </a:solidFill>
                 <a:latin typeface="Courier"/>
               </a:rPr>
-              <a:t> </a:t>
+              <a:t>"LINESTRING"</a:t>
+            </a:r>
+            <a:r>
+              <a:rPr sz="1800" dirty="0">
+                <a:latin typeface="Courier"/>
+              </a:rPr>
+              <a:t>)</a:t>
             </a:r>
             <a:r>
               <a:rPr dirty="0"/>
@@ -9405,82 +9493,45 @@
             </a:br>
             <a:r>
               <a:rPr sz="1800" dirty="0">
+                <a:latin typeface="Courier"/>
+              </a:rPr>
+              <a:t>map_nz2 </a:t>
+            </a:r>
+            <a:r>
+              <a:rPr lang="pl-PL" sz="1800" dirty="0" smtClean="0">
+                <a:latin typeface="Courier"/>
+              </a:rPr>
+              <a:t> </a:t>
+            </a:r>
+            <a:r>
+              <a:rPr lang="pl-PL" sz="1800" spc="-1" dirty="0" smtClean="0">
+                <a:solidFill>
+                  <a:srgbClr val="000000"/>
+                </a:solidFill>
+                <a:latin typeface="Courier New"/>
+              </a:rPr>
+              <a:t>&lt;-</a:t>
+            </a:r>
+            <a:r>
+              <a:rPr sz="1800" dirty="0" smtClean="0">
                 <a:solidFill>
                   <a:srgbClr val="4070A0"/>
                 </a:solidFill>
                 <a:latin typeface="Courier"/>
               </a:rPr>
-              <a:t>  </a:t>
-            </a:r>
-            <a:r>
-              <a:rPr sz="1800" b="1" dirty="0" err="1">
-                <a:solidFill>
-                  <a:srgbClr val="007020"/>
-                </a:solidFill>
-                <a:latin typeface="Courier"/>
-              </a:rPr>
-              <a:t>st_cast</a:t>
-            </a:r>
-            <a:r>
-              <a:rPr sz="1800" dirty="0">
-                <a:latin typeface="Courier"/>
-              </a:rPr>
-              <a:t>(</a:t>
-            </a:r>
-            <a:r>
-              <a:rPr sz="1800" dirty="0">
-                <a:solidFill>
-                  <a:srgbClr val="902000"/>
-                </a:solidFill>
-                <a:latin typeface="Courier"/>
-              </a:rPr>
-              <a:t>to =</a:t>
-            </a:r>
-            <a:r>
-              <a:rPr sz="1800" dirty="0">
-                <a:latin typeface="Courier"/>
-              </a:rPr>
-              <a:t> </a:t>
-            </a:r>
-            <a:r>
-              <a:rPr sz="1800" dirty="0">
+              <a:t> </a:t>
+            </a:r>
+            <a:r>
+              <a:rPr lang="pl-PL" sz="1800" dirty="0" smtClean="0">
                 <a:solidFill>
                   <a:srgbClr val="4070A0"/>
                 </a:solidFill>
                 <a:latin typeface="Courier"/>
               </a:rPr>
-              <a:t>"LINESTRING"</a:t>
-            </a:r>
-            <a:r>
-              <a:rPr sz="1800" dirty="0">
-                <a:latin typeface="Courier"/>
-              </a:rPr>
-              <a:t>)</a:t>
-            </a:r>
-            <a:r>
-              <a:rPr dirty="0"/>
-              <a:t/>
-            </a:r>
-            <a:br>
-              <a:rPr dirty="0"/>
-            </a:br>
-            <a:r>
-              <a:rPr sz="1800" dirty="0">
-                <a:latin typeface="Courier"/>
-              </a:rPr>
-              <a:t>map_nz2 =</a:t>
-            </a:r>
-            <a:r>
-              <a:rPr sz="1800" dirty="0">
-                <a:solidFill>
-                  <a:srgbClr val="4070A0"/>
-                </a:solidFill>
-                <a:latin typeface="Courier"/>
-              </a:rPr>
-              <a:t> </a:t>
-            </a:r>
-            <a:r>
-              <a:rPr sz="1800" dirty="0">
+              <a:t> </a:t>
+            </a:r>
+            <a:r>
+              <a:rPr sz="1800" dirty="0" smtClean="0">
                 <a:latin typeface="Courier"/>
               </a:rPr>
               <a:t>map_nz1 </a:t>
@@ -9658,10 +9709,19 @@
               <a:rPr sz="1800" dirty="0">
                 <a:latin typeface="Courier"/>
               </a:rPr>
-              <a:t>map_nz3 =</a:t>
-            </a:r>
-            <a:r>
-              <a:rPr sz="1800" dirty="0">
+              <a:t>map_nz3 </a:t>
+            </a:r>
+            <a:r>
+              <a:rPr lang="pl-PL" sz="1800" spc="-1" dirty="0" smtClean="0">
+                <a:solidFill>
+                  <a:srgbClr val="000000"/>
+                </a:solidFill>
+                <a:latin typeface="Courier New"/>
+              </a:rPr>
+              <a:t>&lt;-</a:t>
+            </a:r>
+            <a:r>
+              <a:rPr sz="1800" dirty="0" smtClean="0">
                 <a:solidFill>
                   <a:srgbClr val="4070A0"/>
                 </a:solidFill>
@@ -9916,7 +9976,7 @@
     </p:spTree>
     <p:extLst>
       <p:ext uri="{BB962C8B-B14F-4D97-AF65-F5344CB8AC3E}">
-        <p14:creationId xmlns:p14="http://schemas.microsoft.com/office/powerpoint/2010/main" val="3500869530"/>
+        <p14:creationId xmlns:p14="http://schemas.microsoft.com/office/powerpoint/2010/main" xmlns="" val="3500869530"/>
       </p:ext>
     </p:extLst>
   </p:cSld>
@@ -10401,14 +10461,14 @@
           <a:effectLst/>
           <a:extLst>
             <a:ext uri="{909E8E84-426E-40DD-AFC4-6F175D3DCCD1}">
-              <a14:hiddenFill xmlns:a14="http://schemas.microsoft.com/office/drawing/2010/main">
+              <a14:hiddenFill xmlns:a14="http://schemas.microsoft.com/office/drawing/2010/main" xmlns="">
                 <a:solidFill>
                   <a:schemeClr val="accent1"/>
                 </a:solidFill>
               </a14:hiddenFill>
             </a:ext>
             <a:ext uri="{91240B29-F687-4F45-9708-019B960494DF}">
-              <a14:hiddenLine xmlns:a14="http://schemas.microsoft.com/office/drawing/2010/main" w="12700">
+              <a14:hiddenLine xmlns:a14="http://schemas.microsoft.com/office/drawing/2010/main" xmlns="" w="12700">
                 <a:solidFill>
                   <a:schemeClr val="tx1"/>
                 </a:solidFill>
@@ -10418,7 +10478,7 @@
               </a14:hiddenLine>
             </a:ext>
             <a:ext uri="{AF507438-7753-43E0-B8FC-AC1667EBCBE1}">
-              <a14:hiddenEffects xmlns:a14="http://schemas.microsoft.com/office/drawing/2010/main">
+              <a14:hiddenEffects xmlns:a14="http://schemas.microsoft.com/office/drawing/2010/main" xmlns="">
                 <a:effectLst>
                   <a:outerShdw dist="35921" dir="2700000" algn="ctr" rotWithShape="0">
                     <a:schemeClr val="bg2"/>
@@ -10754,7 +10814,7 @@
     </p:spTree>
     <p:extLst>
       <p:ext uri="{BB962C8B-B14F-4D97-AF65-F5344CB8AC3E}">
-        <p14:creationId xmlns:p14="http://schemas.microsoft.com/office/powerpoint/2010/main" val="2330259260"/>
+        <p14:creationId xmlns:p14="http://schemas.microsoft.com/office/powerpoint/2010/main" xmlns="" val="2330259260"/>
       </p:ext>
     </p:extLst>
   </p:cSld>
@@ -10832,13 +10892,28 @@
               <a:buNone/>
             </a:pPr>
             <a:r>
-              <a:rPr sz="1800">
-                <a:latin typeface="Courier"/>
-              </a:rPr>
-              <a:t>ma1 =</a:t>
-            </a:r>
-            <a:r>
-              <a:rPr sz="1800">
+              <a:rPr lang="pl-PL" sz="1800" dirty="0" smtClean="0">
+                <a:latin typeface="Courier"/>
+              </a:rPr>
+              <a:t>m</a:t>
+            </a:r>
+            <a:r>
+              <a:rPr sz="1800" dirty="0" smtClean="0">
+                <a:latin typeface="Courier"/>
+              </a:rPr>
+              <a:t>a1 </a:t>
+            </a:r>
+            <a:r>
+              <a:rPr lang="pl-PL" sz="1800" spc="-1" dirty="0" smtClean="0">
+                <a:solidFill>
+                  <a:srgbClr val="000000"/>
+                </a:solidFill>
+                <a:latin typeface="Courier New"/>
+              </a:rPr>
+              <a:t>&lt;-</a:t>
+            </a:r>
+            <a:r>
+              <a:rPr sz="1800" dirty="0" smtClean="0">
                 <a:solidFill>
                   <a:srgbClr val="4070A0"/>
                 </a:solidFill>
@@ -10847,7 +10922,7 @@
               <a:t> </a:t>
             </a:r>
             <a:r>
-              <a:rPr sz="1800" b="1">
+              <a:rPr sz="1800" b="1" dirty="0" err="1">
                 <a:solidFill>
                   <a:srgbClr val="007020"/>
                 </a:solidFill>
@@ -10856,13 +10931,25 @@
               <a:t>tm_shape</a:t>
             </a:r>
             <a:r>
-              <a:rPr sz="1800">
-                <a:latin typeface="Courier"/>
-              </a:rPr>
-              <a:t>(nz) </a:t>
-            </a:r>
-            <a:r>
-              <a:rPr sz="1800">
+              <a:rPr sz="1800" dirty="0">
+                <a:latin typeface="Courier"/>
+              </a:rPr>
+              <a:t>(</a:t>
+            </a:r>
+            <a:r>
+              <a:rPr sz="1800" dirty="0" err="1">
+                <a:latin typeface="Courier"/>
+              </a:rPr>
+              <a:t>nz</a:t>
+            </a:r>
+            <a:r>
+              <a:rPr sz="1800" dirty="0">
+                <a:latin typeface="Courier"/>
+              </a:rPr>
+              <a:t>) </a:t>
+            </a:r>
+            <a:r>
+              <a:rPr sz="1800" dirty="0">
                 <a:solidFill>
                   <a:srgbClr val="666666"/>
                 </a:solidFill>
@@ -10871,7 +10958,7 @@
               <a:t>+</a:t>
             </a:r>
             <a:r>
-              <a:rPr sz="1800">
+              <a:rPr sz="1800" dirty="0">
                 <a:solidFill>
                   <a:srgbClr val="4070A0"/>
                 </a:solidFill>
@@ -10880,7 +10967,7 @@
               <a:t> </a:t>
             </a:r>
             <a:r>
-              <a:rPr sz="1800" b="1">
+              <a:rPr sz="1800" b="1" dirty="0" err="1">
                 <a:solidFill>
                   <a:srgbClr val="007020"/>
                 </a:solidFill>
@@ -10889,28 +10976,37 @@
               <a:t>tm_fill</a:t>
             </a:r>
             <a:r>
-              <a:rPr sz="1800">
+              <a:rPr sz="1800" dirty="0">
                 <a:latin typeface="Courier"/>
               </a:rPr>
               <a:t>(</a:t>
             </a:r>
             <a:r>
-              <a:rPr sz="1800">
+              <a:rPr sz="1800" dirty="0" err="1">
                 <a:solidFill>
                   <a:srgbClr val="902000"/>
                 </a:solidFill>
                 <a:latin typeface="Courier"/>
               </a:rPr>
-              <a:t>col =</a:t>
-            </a:r>
-            <a:r>
-              <a:rPr sz="1800">
-                <a:latin typeface="Courier"/>
-              </a:rPr>
-              <a:t> </a:t>
-            </a:r>
-            <a:r>
-              <a:rPr sz="1800">
+              <a:t>col</a:t>
+            </a:r>
+            <a:r>
+              <a:rPr sz="1800" dirty="0">
+                <a:solidFill>
+                  <a:srgbClr val="902000"/>
+                </a:solidFill>
+                <a:latin typeface="Courier"/>
+              </a:rPr>
+              <a:t> =</a:t>
+            </a:r>
+            <a:r>
+              <a:rPr sz="1800" dirty="0">
+                <a:latin typeface="Courier"/>
+              </a:rPr>
+              <a:t> </a:t>
+            </a:r>
+            <a:r>
+              <a:rPr sz="1800" dirty="0">
                 <a:solidFill>
                   <a:srgbClr val="4070A0"/>
                 </a:solidFill>
@@ -10919,23 +11015,35 @@
               <a:t>"red"</a:t>
             </a:r>
             <a:r>
-              <a:rPr sz="1800">
+              <a:rPr sz="1800" dirty="0">
                 <a:latin typeface="Courier"/>
               </a:rPr>
               <a:t>)</a:t>
             </a:r>
             <a:r>
+              <a:rPr dirty="0"/>
               <a:t/>
             </a:r>
-            <a:br/>
-            <a:r>
-              <a:rPr sz="1800">
-                <a:latin typeface="Courier"/>
-              </a:rPr>
-              <a:t>ma2 =</a:t>
-            </a:r>
-            <a:r>
-              <a:rPr sz="1800">
+            <a:br>
+              <a:rPr dirty="0"/>
+            </a:br>
+            <a:r>
+              <a:rPr sz="1800" dirty="0">
+                <a:latin typeface="Courier"/>
+              </a:rPr>
+              <a:t>ma2 </a:t>
+            </a:r>
+            <a:r>
+              <a:rPr lang="pl-PL" sz="1800" spc="-1" dirty="0" smtClean="0">
+                <a:solidFill>
+                  <a:srgbClr val="000000"/>
+                </a:solidFill>
+                <a:latin typeface="Courier New"/>
+              </a:rPr>
+              <a:t>&lt;-</a:t>
+            </a:r>
+            <a:r>
+              <a:rPr sz="1800" dirty="0" smtClean="0">
                 <a:solidFill>
                   <a:srgbClr val="4070A0"/>
                 </a:solidFill>
@@ -10944,7 +11052,7 @@
               <a:t> </a:t>
             </a:r>
             <a:r>
-              <a:rPr sz="1800" b="1">
+              <a:rPr sz="1800" b="1" dirty="0" err="1">
                 <a:solidFill>
                   <a:srgbClr val="007020"/>
                 </a:solidFill>
@@ -10953,13 +11061,25 @@
               <a:t>tm_shape</a:t>
             </a:r>
             <a:r>
-              <a:rPr sz="1800">
-                <a:latin typeface="Courier"/>
-              </a:rPr>
-              <a:t>(nz) </a:t>
-            </a:r>
-            <a:r>
-              <a:rPr sz="1800">
+              <a:rPr sz="1800" dirty="0">
+                <a:latin typeface="Courier"/>
+              </a:rPr>
+              <a:t>(</a:t>
+            </a:r>
+            <a:r>
+              <a:rPr sz="1800" dirty="0" err="1">
+                <a:latin typeface="Courier"/>
+              </a:rPr>
+              <a:t>nz</a:t>
+            </a:r>
+            <a:r>
+              <a:rPr sz="1800" dirty="0">
+                <a:latin typeface="Courier"/>
+              </a:rPr>
+              <a:t>) </a:t>
+            </a:r>
+            <a:r>
+              <a:rPr sz="1800" dirty="0">
                 <a:solidFill>
                   <a:srgbClr val="666666"/>
                 </a:solidFill>
@@ -10968,7 +11088,7 @@
               <a:t>+</a:t>
             </a:r>
             <a:r>
-              <a:rPr sz="1800">
+              <a:rPr sz="1800" dirty="0">
                 <a:solidFill>
                   <a:srgbClr val="4070A0"/>
                 </a:solidFill>
@@ -10977,7 +11097,7 @@
               <a:t> </a:t>
             </a:r>
             <a:r>
-              <a:rPr sz="1800" b="1">
+              <a:rPr sz="1800" b="1" dirty="0" err="1">
                 <a:solidFill>
                   <a:srgbClr val="007020"/>
                 </a:solidFill>
@@ -10986,28 +11106,37 @@
               <a:t>tm_fill</a:t>
             </a:r>
             <a:r>
-              <a:rPr sz="1800">
+              <a:rPr sz="1800" dirty="0">
                 <a:latin typeface="Courier"/>
               </a:rPr>
               <a:t>(</a:t>
             </a:r>
             <a:r>
-              <a:rPr sz="1800">
+              <a:rPr sz="1800" dirty="0" err="1">
                 <a:solidFill>
                   <a:srgbClr val="902000"/>
                 </a:solidFill>
                 <a:latin typeface="Courier"/>
               </a:rPr>
-              <a:t>col =</a:t>
-            </a:r>
-            <a:r>
-              <a:rPr sz="1800">
-                <a:latin typeface="Courier"/>
-              </a:rPr>
-              <a:t> </a:t>
-            </a:r>
-            <a:r>
-              <a:rPr sz="1800">
+              <a:t>col</a:t>
+            </a:r>
+            <a:r>
+              <a:rPr sz="1800" dirty="0">
+                <a:solidFill>
+                  <a:srgbClr val="902000"/>
+                </a:solidFill>
+                <a:latin typeface="Courier"/>
+              </a:rPr>
+              <a:t> =</a:t>
+            </a:r>
+            <a:r>
+              <a:rPr sz="1800" dirty="0">
+                <a:latin typeface="Courier"/>
+              </a:rPr>
+              <a:t> </a:t>
+            </a:r>
+            <a:r>
+              <a:rPr sz="1800" dirty="0">
                 <a:solidFill>
                   <a:srgbClr val="4070A0"/>
                 </a:solidFill>
@@ -11016,13 +11145,13 @@
               <a:t>"red"</a:t>
             </a:r>
             <a:r>
-              <a:rPr sz="1800">
+              <a:rPr sz="1800" dirty="0">
                 <a:latin typeface="Courier"/>
               </a:rPr>
               <a:t>, </a:t>
             </a:r>
             <a:r>
-              <a:rPr sz="1800">
+              <a:rPr sz="1800" dirty="0">
                 <a:solidFill>
                   <a:srgbClr val="902000"/>
                 </a:solidFill>
@@ -11031,13 +11160,13 @@
               <a:t>alpha =</a:t>
             </a:r>
             <a:r>
-              <a:rPr sz="1800">
-                <a:latin typeface="Courier"/>
-              </a:rPr>
-              <a:t> </a:t>
-            </a:r>
-            <a:r>
-              <a:rPr sz="1800">
+              <a:rPr sz="1800" dirty="0">
+                <a:latin typeface="Courier"/>
+              </a:rPr>
+              <a:t> </a:t>
+            </a:r>
+            <a:r>
+              <a:rPr sz="1800" dirty="0">
                 <a:solidFill>
                   <a:srgbClr val="40A070"/>
                 </a:solidFill>
@@ -11046,23 +11175,35 @@
               <a:t>0.3</a:t>
             </a:r>
             <a:r>
-              <a:rPr sz="1800">
+              <a:rPr sz="1800" dirty="0">
                 <a:latin typeface="Courier"/>
               </a:rPr>
               <a:t>)</a:t>
             </a:r>
             <a:r>
+              <a:rPr dirty="0"/>
               <a:t/>
             </a:r>
-            <a:br/>
-            <a:r>
-              <a:rPr sz="1800">
-                <a:latin typeface="Courier"/>
-              </a:rPr>
-              <a:t>ma3 =</a:t>
-            </a:r>
-            <a:r>
-              <a:rPr sz="1800">
+            <a:br>
+              <a:rPr dirty="0"/>
+            </a:br>
+            <a:r>
+              <a:rPr sz="1800" dirty="0">
+                <a:latin typeface="Courier"/>
+              </a:rPr>
+              <a:t>ma3 </a:t>
+            </a:r>
+            <a:r>
+              <a:rPr lang="pl-PL" sz="1800" spc="-1" dirty="0" smtClean="0">
+                <a:solidFill>
+                  <a:srgbClr val="000000"/>
+                </a:solidFill>
+                <a:latin typeface="Courier New"/>
+              </a:rPr>
+              <a:t>&lt;-</a:t>
+            </a:r>
+            <a:r>
+              <a:rPr sz="1800" dirty="0" smtClean="0">
                 <a:solidFill>
                   <a:srgbClr val="4070A0"/>
                 </a:solidFill>
@@ -11071,7 +11212,7 @@
               <a:t> </a:t>
             </a:r>
             <a:r>
-              <a:rPr sz="1800" b="1">
+              <a:rPr sz="1800" b="1" dirty="0" err="1">
                 <a:solidFill>
                   <a:srgbClr val="007020"/>
                 </a:solidFill>
@@ -11080,13 +11221,25 @@
               <a:t>tm_shape</a:t>
             </a:r>
             <a:r>
-              <a:rPr sz="1800">
-                <a:latin typeface="Courier"/>
-              </a:rPr>
-              <a:t>(nz) </a:t>
-            </a:r>
-            <a:r>
-              <a:rPr sz="1800">
+              <a:rPr sz="1800" dirty="0">
+                <a:latin typeface="Courier"/>
+              </a:rPr>
+              <a:t>(</a:t>
+            </a:r>
+            <a:r>
+              <a:rPr sz="1800" dirty="0" err="1">
+                <a:latin typeface="Courier"/>
+              </a:rPr>
+              <a:t>nz</a:t>
+            </a:r>
+            <a:r>
+              <a:rPr sz="1800" dirty="0">
+                <a:latin typeface="Courier"/>
+              </a:rPr>
+              <a:t>) </a:t>
+            </a:r>
+            <a:r>
+              <a:rPr sz="1800" dirty="0">
                 <a:solidFill>
                   <a:srgbClr val="666666"/>
                 </a:solidFill>
@@ -11095,7 +11248,7 @@
               <a:t>+</a:t>
             </a:r>
             <a:r>
-              <a:rPr sz="1800">
+              <a:rPr sz="1800" dirty="0">
                 <a:solidFill>
                   <a:srgbClr val="4070A0"/>
                 </a:solidFill>
@@ -11104,7 +11257,7 @@
               <a:t> </a:t>
             </a:r>
             <a:r>
-              <a:rPr sz="1800" b="1">
+              <a:rPr sz="1800" b="1" dirty="0" err="1">
                 <a:solidFill>
                   <a:srgbClr val="007020"/>
                 </a:solidFill>
@@ -11113,28 +11266,37 @@
               <a:t>tm_borders</a:t>
             </a:r>
             <a:r>
-              <a:rPr sz="1800">
+              <a:rPr sz="1800" dirty="0">
                 <a:latin typeface="Courier"/>
               </a:rPr>
               <a:t>(</a:t>
             </a:r>
             <a:r>
-              <a:rPr sz="1800">
+              <a:rPr sz="1800" dirty="0" err="1">
                 <a:solidFill>
                   <a:srgbClr val="902000"/>
                 </a:solidFill>
                 <a:latin typeface="Courier"/>
               </a:rPr>
-              <a:t>col =</a:t>
-            </a:r>
-            <a:r>
-              <a:rPr sz="1800">
-                <a:latin typeface="Courier"/>
-              </a:rPr>
-              <a:t> </a:t>
-            </a:r>
-            <a:r>
-              <a:rPr sz="1800">
+              <a:t>col</a:t>
+            </a:r>
+            <a:r>
+              <a:rPr sz="1800" dirty="0">
+                <a:solidFill>
+                  <a:srgbClr val="902000"/>
+                </a:solidFill>
+                <a:latin typeface="Courier"/>
+              </a:rPr>
+              <a:t> =</a:t>
+            </a:r>
+            <a:r>
+              <a:rPr sz="1800" dirty="0">
+                <a:latin typeface="Courier"/>
+              </a:rPr>
+              <a:t> </a:t>
+            </a:r>
+            <a:r>
+              <a:rPr sz="1800" dirty="0">
                 <a:solidFill>
                   <a:srgbClr val="4070A0"/>
                 </a:solidFill>
@@ -11143,23 +11305,35 @@
               <a:t>"blue"</a:t>
             </a:r>
             <a:r>
-              <a:rPr sz="1800">
+              <a:rPr sz="1800" dirty="0">
                 <a:latin typeface="Courier"/>
               </a:rPr>
               <a:t>)</a:t>
             </a:r>
             <a:r>
+              <a:rPr dirty="0"/>
               <a:t/>
             </a:r>
-            <a:br/>
-            <a:r>
-              <a:rPr sz="1800">
-                <a:latin typeface="Courier"/>
-              </a:rPr>
-              <a:t>ma4 =</a:t>
-            </a:r>
-            <a:r>
-              <a:rPr sz="1800">
+            <a:br>
+              <a:rPr dirty="0"/>
+            </a:br>
+            <a:r>
+              <a:rPr sz="1800" dirty="0">
+                <a:latin typeface="Courier"/>
+              </a:rPr>
+              <a:t>ma4 </a:t>
+            </a:r>
+            <a:r>
+              <a:rPr lang="pl-PL" sz="1800" spc="-1" dirty="0" smtClean="0">
+                <a:solidFill>
+                  <a:srgbClr val="000000"/>
+                </a:solidFill>
+                <a:latin typeface="Courier New"/>
+              </a:rPr>
+              <a:t>&lt;-</a:t>
+            </a:r>
+            <a:r>
+              <a:rPr sz="1800" dirty="0" smtClean="0">
                 <a:solidFill>
                   <a:srgbClr val="4070A0"/>
                 </a:solidFill>
@@ -11168,7 +11342,7 @@
               <a:t> </a:t>
             </a:r>
             <a:r>
-              <a:rPr sz="1800" b="1">
+              <a:rPr sz="1800" b="1" dirty="0" err="1">
                 <a:solidFill>
                   <a:srgbClr val="007020"/>
                 </a:solidFill>
@@ -11177,13 +11351,25 @@
               <a:t>tm_shape</a:t>
             </a:r>
             <a:r>
-              <a:rPr sz="1800">
-                <a:latin typeface="Courier"/>
-              </a:rPr>
-              <a:t>(nz) </a:t>
-            </a:r>
-            <a:r>
-              <a:rPr sz="1800">
+              <a:rPr sz="1800" dirty="0">
+                <a:latin typeface="Courier"/>
+              </a:rPr>
+              <a:t>(</a:t>
+            </a:r>
+            <a:r>
+              <a:rPr sz="1800" dirty="0" err="1">
+                <a:latin typeface="Courier"/>
+              </a:rPr>
+              <a:t>nz</a:t>
+            </a:r>
+            <a:r>
+              <a:rPr sz="1800" dirty="0">
+                <a:latin typeface="Courier"/>
+              </a:rPr>
+              <a:t>) </a:t>
+            </a:r>
+            <a:r>
+              <a:rPr sz="1800" dirty="0">
                 <a:solidFill>
                   <a:srgbClr val="666666"/>
                 </a:solidFill>
@@ -11192,7 +11378,7 @@
               <a:t>+</a:t>
             </a:r>
             <a:r>
-              <a:rPr sz="1800">
+              <a:rPr sz="1800" dirty="0">
                 <a:solidFill>
                   <a:srgbClr val="4070A0"/>
                 </a:solidFill>
@@ -11201,7 +11387,7 @@
               <a:t> </a:t>
             </a:r>
             <a:r>
-              <a:rPr sz="1800" b="1">
+              <a:rPr sz="1800" b="1" dirty="0" err="1">
                 <a:solidFill>
                   <a:srgbClr val="007020"/>
                 </a:solidFill>
@@ -11210,28 +11396,37 @@
               <a:t>tm_borders</a:t>
             </a:r>
             <a:r>
-              <a:rPr sz="1800">
+              <a:rPr sz="1800" dirty="0">
                 <a:latin typeface="Courier"/>
               </a:rPr>
               <a:t>(</a:t>
             </a:r>
             <a:r>
-              <a:rPr sz="1800">
+              <a:rPr sz="1800" dirty="0" err="1">
                 <a:solidFill>
                   <a:srgbClr val="902000"/>
                 </a:solidFill>
                 <a:latin typeface="Courier"/>
               </a:rPr>
-              <a:t>lwd =</a:t>
-            </a:r>
-            <a:r>
-              <a:rPr sz="1800">
-                <a:latin typeface="Courier"/>
-              </a:rPr>
-              <a:t> </a:t>
-            </a:r>
-            <a:r>
-              <a:rPr sz="1800">
+              <a:t>lwd</a:t>
+            </a:r>
+            <a:r>
+              <a:rPr sz="1800" dirty="0">
+                <a:solidFill>
+                  <a:srgbClr val="902000"/>
+                </a:solidFill>
+                <a:latin typeface="Courier"/>
+              </a:rPr>
+              <a:t> =</a:t>
+            </a:r>
+            <a:r>
+              <a:rPr sz="1800" dirty="0">
+                <a:latin typeface="Courier"/>
+              </a:rPr>
+              <a:t> </a:t>
+            </a:r>
+            <a:r>
+              <a:rPr sz="1800" dirty="0">
                 <a:solidFill>
                   <a:srgbClr val="40A070"/>
                 </a:solidFill>
@@ -11240,23 +11435,35 @@
               <a:t>3</a:t>
             </a:r>
             <a:r>
-              <a:rPr sz="1800">
+              <a:rPr sz="1800" dirty="0">
                 <a:latin typeface="Courier"/>
               </a:rPr>
               <a:t>)</a:t>
             </a:r>
             <a:r>
+              <a:rPr dirty="0"/>
               <a:t/>
             </a:r>
-            <a:br/>
-            <a:r>
-              <a:rPr sz="1800">
-                <a:latin typeface="Courier"/>
-              </a:rPr>
-              <a:t>ma5 =</a:t>
-            </a:r>
-            <a:r>
-              <a:rPr sz="1800">
+            <a:br>
+              <a:rPr dirty="0"/>
+            </a:br>
+            <a:r>
+              <a:rPr sz="1800" dirty="0">
+                <a:latin typeface="Courier"/>
+              </a:rPr>
+              <a:t>ma5 </a:t>
+            </a:r>
+            <a:r>
+              <a:rPr lang="pl-PL" sz="1800" spc="-1" dirty="0" smtClean="0">
+                <a:solidFill>
+                  <a:srgbClr val="000000"/>
+                </a:solidFill>
+                <a:latin typeface="Courier New"/>
+              </a:rPr>
+              <a:t>&lt;-</a:t>
+            </a:r>
+            <a:r>
+              <a:rPr sz="1800" dirty="0" smtClean="0">
                 <a:solidFill>
                   <a:srgbClr val="4070A0"/>
                 </a:solidFill>
@@ -11265,7 +11472,7 @@
               <a:t> </a:t>
             </a:r>
             <a:r>
-              <a:rPr sz="1800" b="1">
+              <a:rPr sz="1800" b="1" dirty="0" err="1">
                 <a:solidFill>
                   <a:srgbClr val="007020"/>
                 </a:solidFill>
@@ -11274,13 +11481,25 @@
               <a:t>tm_shape</a:t>
             </a:r>
             <a:r>
-              <a:rPr sz="1800">
-                <a:latin typeface="Courier"/>
-              </a:rPr>
-              <a:t>(nz) </a:t>
-            </a:r>
-            <a:r>
-              <a:rPr sz="1800">
+              <a:rPr sz="1800" dirty="0">
+                <a:latin typeface="Courier"/>
+              </a:rPr>
+              <a:t>(</a:t>
+            </a:r>
+            <a:r>
+              <a:rPr sz="1800" dirty="0" err="1">
+                <a:latin typeface="Courier"/>
+              </a:rPr>
+              <a:t>nz</a:t>
+            </a:r>
+            <a:r>
+              <a:rPr sz="1800" dirty="0">
+                <a:latin typeface="Courier"/>
+              </a:rPr>
+              <a:t>) </a:t>
+            </a:r>
+            <a:r>
+              <a:rPr sz="1800" dirty="0">
                 <a:solidFill>
                   <a:srgbClr val="666666"/>
                 </a:solidFill>
@@ -11289,7 +11508,7 @@
               <a:t>+</a:t>
             </a:r>
             <a:r>
-              <a:rPr sz="1800">
+              <a:rPr sz="1800" dirty="0">
                 <a:solidFill>
                   <a:srgbClr val="4070A0"/>
                 </a:solidFill>
@@ -11298,7 +11517,7 @@
               <a:t> </a:t>
             </a:r>
             <a:r>
-              <a:rPr sz="1800" b="1">
+              <a:rPr sz="1800" b="1" dirty="0" err="1">
                 <a:solidFill>
                   <a:srgbClr val="007020"/>
                 </a:solidFill>
@@ -11307,28 +11526,37 @@
               <a:t>tm_borders</a:t>
             </a:r>
             <a:r>
-              <a:rPr sz="1800">
+              <a:rPr sz="1800" dirty="0">
                 <a:latin typeface="Courier"/>
               </a:rPr>
               <a:t>(</a:t>
             </a:r>
             <a:r>
-              <a:rPr sz="1800">
+              <a:rPr sz="1800" dirty="0" err="1">
                 <a:solidFill>
                   <a:srgbClr val="902000"/>
                 </a:solidFill>
                 <a:latin typeface="Courier"/>
               </a:rPr>
-              <a:t>lty =</a:t>
-            </a:r>
-            <a:r>
-              <a:rPr sz="1800">
-                <a:latin typeface="Courier"/>
-              </a:rPr>
-              <a:t> </a:t>
-            </a:r>
-            <a:r>
-              <a:rPr sz="1800">
+              <a:t>lty</a:t>
+            </a:r>
+            <a:r>
+              <a:rPr sz="1800" dirty="0">
+                <a:solidFill>
+                  <a:srgbClr val="902000"/>
+                </a:solidFill>
+                <a:latin typeface="Courier"/>
+              </a:rPr>
+              <a:t> =</a:t>
+            </a:r>
+            <a:r>
+              <a:rPr sz="1800" dirty="0">
+                <a:latin typeface="Courier"/>
+              </a:rPr>
+              <a:t> </a:t>
+            </a:r>
+            <a:r>
+              <a:rPr sz="1800" dirty="0">
                 <a:solidFill>
                   <a:srgbClr val="40A070"/>
                 </a:solidFill>
@@ -11337,23 +11565,35 @@
               <a:t>2</a:t>
             </a:r>
             <a:r>
-              <a:rPr sz="1800">
+              <a:rPr sz="1800" dirty="0">
                 <a:latin typeface="Courier"/>
               </a:rPr>
               <a:t>)</a:t>
             </a:r>
             <a:r>
+              <a:rPr dirty="0"/>
               <a:t/>
             </a:r>
-            <a:br/>
-            <a:r>
-              <a:rPr sz="1800">
-                <a:latin typeface="Courier"/>
-              </a:rPr>
-              <a:t>ma6 =</a:t>
-            </a:r>
-            <a:r>
-              <a:rPr sz="1800">
+            <a:br>
+              <a:rPr dirty="0"/>
+            </a:br>
+            <a:r>
+              <a:rPr sz="1800" dirty="0">
+                <a:latin typeface="Courier"/>
+              </a:rPr>
+              <a:t>ma6 </a:t>
+            </a:r>
+            <a:r>
+              <a:rPr lang="pl-PL" sz="1800" spc="-1" dirty="0" smtClean="0">
+                <a:solidFill>
+                  <a:srgbClr val="000000"/>
+                </a:solidFill>
+                <a:latin typeface="Courier New"/>
+              </a:rPr>
+              <a:t>&lt;-</a:t>
+            </a:r>
+            <a:r>
+              <a:rPr sz="1800" dirty="0" smtClean="0">
                 <a:solidFill>
                   <a:srgbClr val="4070A0"/>
                 </a:solidFill>
@@ -11362,7 +11602,7 @@
               <a:t> </a:t>
             </a:r>
             <a:r>
-              <a:rPr sz="1800" b="1">
+              <a:rPr sz="1800" b="1" dirty="0" err="1">
                 <a:solidFill>
                   <a:srgbClr val="007020"/>
                 </a:solidFill>
@@ -11371,13 +11611,25 @@
               <a:t>tm_shape</a:t>
             </a:r>
             <a:r>
-              <a:rPr sz="1800">
-                <a:latin typeface="Courier"/>
-              </a:rPr>
-              <a:t>(nz) </a:t>
-            </a:r>
-            <a:r>
-              <a:rPr sz="1800">
+              <a:rPr sz="1800" dirty="0">
+                <a:latin typeface="Courier"/>
+              </a:rPr>
+              <a:t>(</a:t>
+            </a:r>
+            <a:r>
+              <a:rPr sz="1800" dirty="0" err="1">
+                <a:latin typeface="Courier"/>
+              </a:rPr>
+              <a:t>nz</a:t>
+            </a:r>
+            <a:r>
+              <a:rPr sz="1800" dirty="0">
+                <a:latin typeface="Courier"/>
+              </a:rPr>
+              <a:t>) </a:t>
+            </a:r>
+            <a:r>
+              <a:rPr sz="1800" dirty="0">
                 <a:solidFill>
                   <a:srgbClr val="666666"/>
                 </a:solidFill>
@@ -11386,7 +11638,7 @@
               <a:t>+</a:t>
             </a:r>
             <a:r>
-              <a:rPr sz="1800">
+              <a:rPr sz="1800" dirty="0">
                 <a:solidFill>
                   <a:srgbClr val="4070A0"/>
                 </a:solidFill>
@@ -11395,7 +11647,7 @@
               <a:t> </a:t>
             </a:r>
             <a:r>
-              <a:rPr sz="1800" b="1">
+              <a:rPr sz="1800" b="1" dirty="0" err="1">
                 <a:solidFill>
                   <a:srgbClr val="007020"/>
                 </a:solidFill>
@@ -11404,28 +11656,37 @@
               <a:t>tm_fill</a:t>
             </a:r>
             <a:r>
-              <a:rPr sz="1800">
+              <a:rPr sz="1800" dirty="0">
                 <a:latin typeface="Courier"/>
               </a:rPr>
               <a:t>(</a:t>
             </a:r>
             <a:r>
-              <a:rPr sz="1800">
+              <a:rPr sz="1800" dirty="0" err="1">
                 <a:solidFill>
                   <a:srgbClr val="902000"/>
                 </a:solidFill>
                 <a:latin typeface="Courier"/>
               </a:rPr>
-              <a:t>col =</a:t>
-            </a:r>
-            <a:r>
-              <a:rPr sz="1800">
-                <a:latin typeface="Courier"/>
-              </a:rPr>
-              <a:t> </a:t>
-            </a:r>
-            <a:r>
-              <a:rPr sz="1800">
+              <a:t>col</a:t>
+            </a:r>
+            <a:r>
+              <a:rPr sz="1800" dirty="0">
+                <a:solidFill>
+                  <a:srgbClr val="902000"/>
+                </a:solidFill>
+                <a:latin typeface="Courier"/>
+              </a:rPr>
+              <a:t> =</a:t>
+            </a:r>
+            <a:r>
+              <a:rPr sz="1800" dirty="0">
+                <a:latin typeface="Courier"/>
+              </a:rPr>
+              <a:t> </a:t>
+            </a:r>
+            <a:r>
+              <a:rPr sz="1800" dirty="0">
                 <a:solidFill>
                   <a:srgbClr val="4070A0"/>
                 </a:solidFill>
@@ -11434,13 +11695,13 @@
               <a:t>"red"</a:t>
             </a:r>
             <a:r>
-              <a:rPr sz="1800">
+              <a:rPr sz="1800" dirty="0">
                 <a:latin typeface="Courier"/>
               </a:rPr>
               <a:t>, </a:t>
             </a:r>
             <a:r>
-              <a:rPr sz="1800">
+              <a:rPr sz="1800" dirty="0">
                 <a:solidFill>
                   <a:srgbClr val="902000"/>
                 </a:solidFill>
@@ -11449,13 +11710,13 @@
               <a:t>alpha =</a:t>
             </a:r>
             <a:r>
-              <a:rPr sz="1800">
-                <a:latin typeface="Courier"/>
-              </a:rPr>
-              <a:t> </a:t>
-            </a:r>
-            <a:r>
-              <a:rPr sz="1800">
+              <a:rPr sz="1800" dirty="0">
+                <a:latin typeface="Courier"/>
+              </a:rPr>
+              <a:t> </a:t>
+            </a:r>
+            <a:r>
+              <a:rPr sz="1800" dirty="0">
                 <a:solidFill>
                   <a:srgbClr val="40A070"/>
                 </a:solidFill>
@@ -11464,13 +11725,13 @@
               <a:t>0.3</a:t>
             </a:r>
             <a:r>
-              <a:rPr sz="1800">
+              <a:rPr sz="1800" dirty="0">
                 <a:latin typeface="Courier"/>
               </a:rPr>
               <a:t>) </a:t>
             </a:r>
             <a:r>
-              <a:rPr sz="1800">
+              <a:rPr sz="1800" dirty="0">
                 <a:solidFill>
                   <a:srgbClr val="666666"/>
                 </a:solidFill>
@@ -11479,11 +11740,14 @@
               <a:t>+</a:t>
             </a:r>
             <a:r>
+              <a:rPr dirty="0"/>
               <a:t/>
             </a:r>
-            <a:br/>
-            <a:r>
-              <a:rPr sz="1800">
+            <a:br>
+              <a:rPr dirty="0"/>
+            </a:br>
+            <a:r>
+              <a:rPr sz="1800" dirty="0">
                 <a:solidFill>
                   <a:srgbClr val="4070A0"/>
                 </a:solidFill>
@@ -11492,7 +11756,7 @@
               <a:t>  </a:t>
             </a:r>
             <a:r>
-              <a:rPr sz="1800" b="1">
+              <a:rPr sz="1800" b="1" dirty="0" err="1">
                 <a:solidFill>
                   <a:srgbClr val="007020"/>
                 </a:solidFill>
@@ -11501,28 +11765,37 @@
               <a:t>tm_borders</a:t>
             </a:r>
             <a:r>
-              <a:rPr sz="1800">
+              <a:rPr sz="1800" dirty="0">
                 <a:latin typeface="Courier"/>
               </a:rPr>
               <a:t>(</a:t>
             </a:r>
             <a:r>
-              <a:rPr sz="1800">
+              <a:rPr sz="1800" dirty="0" err="1">
                 <a:solidFill>
                   <a:srgbClr val="902000"/>
                 </a:solidFill>
                 <a:latin typeface="Courier"/>
               </a:rPr>
-              <a:t>col =</a:t>
-            </a:r>
-            <a:r>
-              <a:rPr sz="1800">
-                <a:latin typeface="Courier"/>
-              </a:rPr>
-              <a:t> </a:t>
-            </a:r>
-            <a:r>
-              <a:rPr sz="1800">
+              <a:t>col</a:t>
+            </a:r>
+            <a:r>
+              <a:rPr sz="1800" dirty="0">
+                <a:solidFill>
+                  <a:srgbClr val="902000"/>
+                </a:solidFill>
+                <a:latin typeface="Courier"/>
+              </a:rPr>
+              <a:t> =</a:t>
+            </a:r>
+            <a:r>
+              <a:rPr sz="1800" dirty="0">
+                <a:latin typeface="Courier"/>
+              </a:rPr>
+              <a:t> </a:t>
+            </a:r>
+            <a:r>
+              <a:rPr sz="1800" dirty="0">
                 <a:solidFill>
                   <a:srgbClr val="4070A0"/>
                 </a:solidFill>
@@ -11531,28 +11804,37 @@
               <a:t>"blue"</a:t>
             </a:r>
             <a:r>
-              <a:rPr sz="1800">
+              <a:rPr sz="1800" dirty="0">
                 <a:latin typeface="Courier"/>
               </a:rPr>
               <a:t>, </a:t>
             </a:r>
             <a:r>
-              <a:rPr sz="1800">
+              <a:rPr sz="1800" dirty="0" err="1">
                 <a:solidFill>
                   <a:srgbClr val="902000"/>
                 </a:solidFill>
                 <a:latin typeface="Courier"/>
               </a:rPr>
-              <a:t>lwd =</a:t>
-            </a:r>
-            <a:r>
-              <a:rPr sz="1800">
-                <a:latin typeface="Courier"/>
-              </a:rPr>
-              <a:t> </a:t>
-            </a:r>
-            <a:r>
-              <a:rPr sz="1800">
+              <a:t>lwd</a:t>
+            </a:r>
+            <a:r>
+              <a:rPr sz="1800" dirty="0">
+                <a:solidFill>
+                  <a:srgbClr val="902000"/>
+                </a:solidFill>
+                <a:latin typeface="Courier"/>
+              </a:rPr>
+              <a:t> =</a:t>
+            </a:r>
+            <a:r>
+              <a:rPr sz="1800" dirty="0">
+                <a:latin typeface="Courier"/>
+              </a:rPr>
+              <a:t> </a:t>
+            </a:r>
+            <a:r>
+              <a:rPr sz="1800" dirty="0">
                 <a:solidFill>
                   <a:srgbClr val="40A070"/>
                 </a:solidFill>
@@ -11561,28 +11843,37 @@
               <a:t>3</a:t>
             </a:r>
             <a:r>
-              <a:rPr sz="1800">
+              <a:rPr sz="1800" dirty="0">
                 <a:latin typeface="Courier"/>
               </a:rPr>
               <a:t>, </a:t>
             </a:r>
             <a:r>
-              <a:rPr sz="1800">
+              <a:rPr sz="1800" dirty="0" err="1">
                 <a:solidFill>
                   <a:srgbClr val="902000"/>
                 </a:solidFill>
                 <a:latin typeface="Courier"/>
               </a:rPr>
-              <a:t>lty =</a:t>
-            </a:r>
-            <a:r>
-              <a:rPr sz="1800">
-                <a:latin typeface="Courier"/>
-              </a:rPr>
-              <a:t> </a:t>
-            </a:r>
-            <a:r>
-              <a:rPr sz="1800">
+              <a:t>lty</a:t>
+            </a:r>
+            <a:r>
+              <a:rPr sz="1800" dirty="0">
+                <a:solidFill>
+                  <a:srgbClr val="902000"/>
+                </a:solidFill>
+                <a:latin typeface="Courier"/>
+              </a:rPr>
+              <a:t> =</a:t>
+            </a:r>
+            <a:r>
+              <a:rPr sz="1800" dirty="0">
+                <a:latin typeface="Courier"/>
+              </a:rPr>
+              <a:t> </a:t>
+            </a:r>
+            <a:r>
+              <a:rPr sz="1800" dirty="0">
                 <a:solidFill>
                   <a:srgbClr val="40A070"/>
                 </a:solidFill>
@@ -11591,17 +11882,20 @@
               <a:t>2</a:t>
             </a:r>
             <a:r>
-              <a:rPr sz="1800">
+              <a:rPr sz="1800" dirty="0">
                 <a:latin typeface="Courier"/>
               </a:rPr>
               <a:t>)</a:t>
             </a:r>
             <a:r>
+              <a:rPr dirty="0"/>
               <a:t/>
             </a:r>
-            <a:br/>
-            <a:r>
-              <a:rPr sz="1800" b="1">
+            <a:br>
+              <a:rPr dirty="0"/>
+            </a:br>
+            <a:r>
+              <a:rPr sz="1800" b="1" dirty="0" err="1">
                 <a:solidFill>
                   <a:srgbClr val="007020"/>
                 </a:solidFill>
@@ -11610,7 +11904,7 @@
               <a:t>tmap_arrange</a:t>
             </a:r>
             <a:r>
-              <a:rPr sz="1800">
+              <a:rPr sz="1800" dirty="0">
                 <a:latin typeface="Courier"/>
               </a:rPr>
               <a:t>(ma1, ma2, ma3, ma4, ma5, ma6)</a:t>
@@ -11981,7 +12275,7 @@
     </p:spTree>
     <p:extLst>
       <p:ext uri="{BB962C8B-B14F-4D97-AF65-F5344CB8AC3E}">
-        <p14:creationId xmlns:p14="http://schemas.microsoft.com/office/powerpoint/2010/main" val="3034068616"/>
+        <p14:creationId xmlns:p14="http://schemas.microsoft.com/office/powerpoint/2010/main" xmlns="" val="3034068616"/>
       </p:ext>
     </p:extLst>
   </p:cSld>
@@ -12559,10 +12853,19 @@
               <a:rPr sz="1800" dirty="0">
                 <a:latin typeface="Courier"/>
               </a:rPr>
-              <a:t> =</a:t>
-            </a:r>
-            <a:r>
-              <a:rPr sz="1800" dirty="0">
+              <a:t> </a:t>
+            </a:r>
+            <a:r>
+              <a:rPr lang="pl-PL" sz="1800" spc="-1" dirty="0" smtClean="0">
+                <a:solidFill>
+                  <a:srgbClr val="000000"/>
+                </a:solidFill>
+                <a:latin typeface="Courier New"/>
+              </a:rPr>
+              <a:t>&lt;-</a:t>
+            </a:r>
+            <a:r>
+              <a:rPr sz="1800" dirty="0" smtClean="0">
                 <a:solidFill>
                   <a:srgbClr val="4070A0"/>
                 </a:solidFill>
@@ -12653,10 +12956,19 @@
               <a:rPr sz="1800" dirty="0">
                 <a:latin typeface="Courier"/>
               </a:rPr>
-              <a:t> =</a:t>
-            </a:r>
-            <a:r>
-              <a:rPr sz="1800" dirty="0">
+              <a:t> </a:t>
+            </a:r>
+            <a:r>
+              <a:rPr lang="pl-PL" sz="1800" spc="-1" dirty="0" smtClean="0">
+                <a:solidFill>
+                  <a:srgbClr val="000000"/>
+                </a:solidFill>
+                <a:latin typeface="Courier New"/>
+              </a:rPr>
+              <a:t>&lt;-</a:t>
+            </a:r>
+            <a:r>
+              <a:rPr sz="1800" dirty="0" smtClean="0">
                 <a:solidFill>
                   <a:srgbClr val="4070A0"/>
                 </a:solidFill>
@@ -13133,10 +13445,19 @@
               <a:rPr sz="1800" dirty="0">
                 <a:latin typeface="Courier"/>
               </a:rPr>
-              <a:t>breaks =</a:t>
-            </a:r>
-            <a:r>
-              <a:rPr sz="1800" dirty="0">
+              <a:t>breaks </a:t>
+            </a:r>
+            <a:r>
+              <a:rPr lang="pl-PL" sz="1800" spc="-1" dirty="0" smtClean="0">
+                <a:solidFill>
+                  <a:srgbClr val="000000"/>
+                </a:solidFill>
+                <a:latin typeface="Courier New"/>
+              </a:rPr>
+              <a:t>&lt;-</a:t>
+            </a:r>
+            <a:r>
+              <a:rPr sz="1800" dirty="0" smtClean="0">
                 <a:solidFill>
                   <a:srgbClr val="4070A0"/>
                 </a:solidFill>
@@ -13896,10 +14217,22 @@
               <a:rPr sz="1800" dirty="0">
                 <a:latin typeface="Courier"/>
               </a:rPr>
-              <a:t> &lt;-</a:t>
-            </a:r>
-            <a:r>
-              <a:rPr sz="1800" b="1" dirty="0" err="1">
+              <a:t> </a:t>
+            </a:r>
+            <a:r>
+              <a:rPr sz="1800" dirty="0" smtClean="0">
+                <a:latin typeface="Courier"/>
+              </a:rPr>
+              <a:t>&lt;-</a:t>
+            </a:r>
+            <a:r>
+              <a:rPr lang="pl-PL" sz="1800" dirty="0" smtClean="0">
+                <a:latin typeface="Courier"/>
+              </a:rPr>
+              <a:t> </a:t>
+            </a:r>
+            <a:r>
+              <a:rPr sz="1800" b="1" dirty="0" err="1" smtClean="0">
                 <a:solidFill>
                   <a:srgbClr val="007020"/>
                 </a:solidFill>
@@ -14003,7 +14336,19 @@
               <a:rPr lang="en-US" sz="1800" dirty="0" smtClean="0">
                 <a:latin typeface="Courier"/>
               </a:rPr>
-              <a:t> &lt;-</a:t>
+              <a:t> </a:t>
+            </a:r>
+            <a:r>
+              <a:rPr lang="en-US" sz="1800" dirty="0" smtClean="0">
+                <a:latin typeface="Courier"/>
+              </a:rPr>
+              <a:t>&lt;-</a:t>
+            </a:r>
+            <a:r>
+              <a:rPr lang="pl-PL" sz="1800" dirty="0" smtClean="0">
+                <a:latin typeface="Courier"/>
+              </a:rPr>
+              <a:t> </a:t>
             </a:r>
             <a:r>
               <a:rPr lang="pl-PL" sz="1800" b="1" dirty="0" smtClean="0">
@@ -14103,7 +14448,7 @@
     </p:spTree>
     <p:extLst>
       <p:ext uri="{BB962C8B-B14F-4D97-AF65-F5344CB8AC3E}">
-        <p14:creationId xmlns:p14="http://schemas.microsoft.com/office/powerpoint/2010/main" val="1919944383"/>
+        <p14:creationId xmlns:p14="http://schemas.microsoft.com/office/powerpoint/2010/main" xmlns="" val="1919944383"/>
       </p:ext>
     </p:extLst>
   </p:cSld>
@@ -16574,14 +16919,14 @@
           <a:effectLst/>
           <a:extLst>
             <a:ext uri="{909E8E84-426E-40DD-AFC4-6F175D3DCCD1}">
-              <a14:hiddenFill xmlns:a14="http://schemas.microsoft.com/office/drawing/2010/main">
+              <a14:hiddenFill xmlns:a14="http://schemas.microsoft.com/office/drawing/2010/main" xmlns="">
                 <a:solidFill>
                   <a:schemeClr val="accent1"/>
                 </a:solidFill>
               </a14:hiddenFill>
             </a:ext>
             <a:ext uri="{91240B29-F687-4F45-9708-019B960494DF}">
-              <a14:hiddenLine xmlns:a14="http://schemas.microsoft.com/office/drawing/2010/main" w="12700">
+              <a14:hiddenLine xmlns:a14="http://schemas.microsoft.com/office/drawing/2010/main" xmlns="" w="12700">
                 <a:solidFill>
                   <a:schemeClr val="tx1"/>
                 </a:solidFill>
@@ -16591,7 +16936,7 @@
               </a14:hiddenLine>
             </a:ext>
             <a:ext uri="{AF507438-7753-43E0-B8FC-AC1667EBCBE1}">
-              <a14:hiddenEffects xmlns:a14="http://schemas.microsoft.com/office/drawing/2010/main">
+              <a14:hiddenEffects xmlns:a14="http://schemas.microsoft.com/office/drawing/2010/main" xmlns="">
                 <a:effectLst>
                   <a:outerShdw dist="35921" dir="2700000" algn="ctr" rotWithShape="0">
                     <a:schemeClr val="bg2"/>
@@ -16910,7 +17255,7 @@
     </p:spTree>
     <p:extLst>
       <p:ext uri="{BB962C8B-B14F-4D97-AF65-F5344CB8AC3E}">
-        <p14:creationId xmlns:p14="http://schemas.microsoft.com/office/powerpoint/2010/main" val="3745657906"/>
+        <p14:creationId xmlns:p14="http://schemas.microsoft.com/office/powerpoint/2010/main" xmlns="" val="3745657906"/>
       </p:ext>
     </p:extLst>
   </p:cSld>
@@ -16988,13 +17333,13 @@
               <a:buNone/>
             </a:pPr>
             <a:r>
-              <a:rPr sz="1800">
+              <a:rPr sz="1800" dirty="0">
                 <a:latin typeface="Courier"/>
               </a:rPr>
               <a:t>urb_</a:t>
             </a:r>
             <a:r>
-              <a:rPr sz="1800">
+              <a:rPr sz="1800" dirty="0">
                 <a:solidFill>
                   <a:srgbClr val="40A070"/>
                 </a:solidFill>
@@ -17003,13 +17348,13 @@
               <a:t>1970</a:t>
             </a:r>
             <a:r>
-              <a:rPr sz="1800">
+              <a:rPr sz="1800" dirty="0">
                 <a:latin typeface="Courier"/>
               </a:rPr>
               <a:t>_</a:t>
             </a:r>
             <a:r>
-              <a:rPr sz="1800">
+              <a:rPr sz="1800" dirty="0">
                 <a:solidFill>
                   <a:srgbClr val="40A070"/>
                 </a:solidFill>
@@ -17018,549 +17363,630 @@
               <a:t>2030</a:t>
             </a:r>
             <a:r>
-              <a:rPr sz="1800">
+              <a:rPr sz="1800" dirty="0">
+                <a:latin typeface="Courier"/>
+              </a:rPr>
+              <a:t> </a:t>
+            </a:r>
+            <a:r>
+              <a:rPr lang="pl-PL" sz="1800" dirty="0" smtClean="0">
+                <a:latin typeface="Courier"/>
+              </a:rPr>
+              <a:t> </a:t>
+            </a:r>
+            <a:r>
+              <a:rPr lang="pl-PL" sz="1800" spc="-1" dirty="0" smtClean="0">
+                <a:solidFill>
+                  <a:srgbClr val="000000"/>
+                </a:solidFill>
+                <a:latin typeface="Courier New"/>
+              </a:rPr>
+              <a:t>&lt;-</a:t>
+            </a:r>
+            <a:r>
+              <a:rPr sz="1800" dirty="0" smtClean="0">
+                <a:solidFill>
+                  <a:srgbClr val="4070A0"/>
+                </a:solidFill>
+                <a:latin typeface="Courier"/>
+              </a:rPr>
+              <a:t> </a:t>
+            </a:r>
+            <a:r>
+              <a:rPr sz="1800" dirty="0" err="1">
+                <a:latin typeface="Courier"/>
+              </a:rPr>
+              <a:t>urban_agglomerations</a:t>
+            </a:r>
+            <a:r>
+              <a:rPr sz="1800" dirty="0">
+                <a:latin typeface="Courier"/>
+              </a:rPr>
+              <a:t> </a:t>
+            </a:r>
+            <a:r>
+              <a:rPr sz="1800" dirty="0">
+                <a:solidFill>
+                  <a:srgbClr val="666666"/>
+                </a:solidFill>
+                <a:latin typeface="Courier"/>
+              </a:rPr>
+              <a:t>%&gt;%</a:t>
+            </a:r>
+            <a:r>
+              <a:rPr sz="1800" dirty="0">
+                <a:solidFill>
+                  <a:srgbClr val="4070A0"/>
+                </a:solidFill>
+                <a:latin typeface="Courier"/>
+              </a:rPr>
+              <a:t> </a:t>
+            </a:r>
+            <a:r>
+              <a:rPr dirty="0"/>
+              <a:t/>
+            </a:r>
+            <a:br>
+              <a:rPr dirty="0"/>
+            </a:br>
+            <a:r>
+              <a:rPr sz="1800" dirty="0">
+                <a:solidFill>
+                  <a:srgbClr val="4070A0"/>
+                </a:solidFill>
+                <a:latin typeface="Courier"/>
+              </a:rPr>
+              <a:t>  </a:t>
+            </a:r>
+            <a:r>
+              <a:rPr sz="1800" b="1" dirty="0">
+                <a:solidFill>
+                  <a:srgbClr val="007020"/>
+                </a:solidFill>
+                <a:latin typeface="Courier"/>
+              </a:rPr>
+              <a:t>filter</a:t>
+            </a:r>
+            <a:r>
+              <a:rPr sz="1800" dirty="0">
+                <a:latin typeface="Courier"/>
+              </a:rPr>
+              <a:t>(year </a:t>
+            </a:r>
+            <a:r>
+              <a:rPr sz="1800" dirty="0">
+                <a:solidFill>
+                  <a:srgbClr val="666666"/>
+                </a:solidFill>
+                <a:latin typeface="Courier"/>
+              </a:rPr>
+              <a:t>%in%</a:t>
+            </a:r>
+            <a:r>
+              <a:rPr sz="1800" dirty="0">
+                <a:solidFill>
+                  <a:srgbClr val="4070A0"/>
+                </a:solidFill>
+                <a:latin typeface="Courier"/>
+              </a:rPr>
+              <a:t> </a:t>
+            </a:r>
+            <a:r>
+              <a:rPr sz="1800" b="1" dirty="0">
+                <a:solidFill>
+                  <a:srgbClr val="007020"/>
+                </a:solidFill>
+                <a:latin typeface="Courier"/>
+              </a:rPr>
+              <a:t>c</a:t>
+            </a:r>
+            <a:r>
+              <a:rPr sz="1800" dirty="0">
+                <a:latin typeface="Courier"/>
+              </a:rPr>
+              <a:t>(</a:t>
+            </a:r>
+            <a:r>
+              <a:rPr sz="1800" dirty="0">
+                <a:solidFill>
+                  <a:srgbClr val="40A070"/>
+                </a:solidFill>
+                <a:latin typeface="Courier"/>
+              </a:rPr>
+              <a:t>1970</a:t>
+            </a:r>
+            <a:r>
+              <a:rPr sz="1800" dirty="0">
+                <a:latin typeface="Courier"/>
+              </a:rPr>
+              <a:t>, </a:t>
+            </a:r>
+            <a:r>
+              <a:rPr sz="1800" dirty="0">
+                <a:solidFill>
+                  <a:srgbClr val="40A070"/>
+                </a:solidFill>
+                <a:latin typeface="Courier"/>
+              </a:rPr>
+              <a:t>1990</a:t>
+            </a:r>
+            <a:r>
+              <a:rPr sz="1800" dirty="0">
+                <a:latin typeface="Courier"/>
+              </a:rPr>
+              <a:t>, </a:t>
+            </a:r>
+            <a:r>
+              <a:rPr sz="1800" dirty="0">
+                <a:solidFill>
+                  <a:srgbClr val="40A070"/>
+                </a:solidFill>
+                <a:latin typeface="Courier"/>
+              </a:rPr>
+              <a:t>2010</a:t>
+            </a:r>
+            <a:r>
+              <a:rPr sz="1800" dirty="0">
+                <a:latin typeface="Courier"/>
+              </a:rPr>
+              <a:t>, </a:t>
+            </a:r>
+            <a:r>
+              <a:rPr sz="1800" dirty="0">
+                <a:solidFill>
+                  <a:srgbClr val="40A070"/>
+                </a:solidFill>
+                <a:latin typeface="Courier"/>
+              </a:rPr>
+              <a:t>2030</a:t>
+            </a:r>
+            <a:r>
+              <a:rPr sz="1800" dirty="0">
+                <a:latin typeface="Courier"/>
+              </a:rPr>
+              <a:t>))</a:t>
+            </a:r>
+            <a:r>
+              <a:rPr dirty="0"/>
+              <a:t/>
+            </a:r>
+            <a:br>
+              <a:rPr dirty="0"/>
+            </a:br>
+            <a:r>
+              <a:rPr sz="1800" b="1" dirty="0" err="1">
+                <a:solidFill>
+                  <a:srgbClr val="007020"/>
+                </a:solidFill>
+                <a:latin typeface="Courier"/>
+              </a:rPr>
+              <a:t>tm_shape</a:t>
+            </a:r>
+            <a:r>
+              <a:rPr sz="1800" dirty="0">
+                <a:latin typeface="Courier"/>
+              </a:rPr>
+              <a:t>(world) </a:t>
+            </a:r>
+            <a:r>
+              <a:rPr sz="1800" dirty="0">
+                <a:solidFill>
+                  <a:srgbClr val="666666"/>
+                </a:solidFill>
+                <a:latin typeface="Courier"/>
+              </a:rPr>
+              <a:t>+</a:t>
+            </a:r>
+            <a:r>
+              <a:rPr sz="1800" dirty="0">
+                <a:solidFill>
+                  <a:srgbClr val="4070A0"/>
+                </a:solidFill>
+                <a:latin typeface="Courier"/>
+              </a:rPr>
+              <a:t> </a:t>
+            </a:r>
+            <a:r>
+              <a:rPr sz="1800" b="1" dirty="0" err="1">
+                <a:solidFill>
+                  <a:srgbClr val="007020"/>
+                </a:solidFill>
+                <a:latin typeface="Courier"/>
+              </a:rPr>
+              <a:t>tm_polygons</a:t>
+            </a:r>
+            <a:r>
+              <a:rPr sz="1800" dirty="0">
+                <a:latin typeface="Courier"/>
+              </a:rPr>
+              <a:t>() </a:t>
+            </a:r>
+            <a:r>
+              <a:rPr sz="1800" dirty="0">
+                <a:solidFill>
+                  <a:srgbClr val="666666"/>
+                </a:solidFill>
+                <a:latin typeface="Courier"/>
+              </a:rPr>
+              <a:t>+</a:t>
+            </a:r>
+            <a:r>
+              <a:rPr sz="1800" dirty="0">
+                <a:solidFill>
+                  <a:srgbClr val="4070A0"/>
+                </a:solidFill>
+                <a:latin typeface="Courier"/>
+              </a:rPr>
+              <a:t> </a:t>
+            </a:r>
+            <a:r>
+              <a:rPr dirty="0"/>
+              <a:t/>
+            </a:r>
+            <a:br>
+              <a:rPr dirty="0"/>
+            </a:br>
+            <a:r>
+              <a:rPr sz="1800" dirty="0">
+                <a:solidFill>
+                  <a:srgbClr val="4070A0"/>
+                </a:solidFill>
+                <a:latin typeface="Courier"/>
+              </a:rPr>
+              <a:t>  </a:t>
+            </a:r>
+            <a:r>
+              <a:rPr sz="1800" b="1" dirty="0" err="1">
+                <a:solidFill>
+                  <a:srgbClr val="007020"/>
+                </a:solidFill>
+                <a:latin typeface="Courier"/>
+              </a:rPr>
+              <a:t>tm_shape</a:t>
+            </a:r>
+            <a:r>
+              <a:rPr sz="1800" dirty="0">
+                <a:latin typeface="Courier"/>
+              </a:rPr>
+              <a:t>(urb_</a:t>
+            </a:r>
+            <a:r>
+              <a:rPr sz="1800" dirty="0">
+                <a:solidFill>
+                  <a:srgbClr val="40A070"/>
+                </a:solidFill>
+                <a:latin typeface="Courier"/>
+              </a:rPr>
+              <a:t>1970</a:t>
+            </a:r>
+            <a:r>
+              <a:rPr sz="1800" dirty="0">
+                <a:latin typeface="Courier"/>
+              </a:rPr>
+              <a:t>_</a:t>
+            </a:r>
+            <a:r>
+              <a:rPr sz="1800" dirty="0">
+                <a:solidFill>
+                  <a:srgbClr val="40A070"/>
+                </a:solidFill>
+                <a:latin typeface="Courier"/>
+              </a:rPr>
+              <a:t>2030</a:t>
+            </a:r>
+            <a:r>
+              <a:rPr sz="1800" dirty="0">
+                <a:latin typeface="Courier"/>
+              </a:rPr>
+              <a:t>) </a:t>
+            </a:r>
+            <a:r>
+              <a:rPr sz="1800" dirty="0">
+                <a:solidFill>
+                  <a:srgbClr val="666666"/>
+                </a:solidFill>
+                <a:latin typeface="Courier"/>
+              </a:rPr>
+              <a:t>+</a:t>
+            </a:r>
+            <a:r>
+              <a:rPr sz="1800" dirty="0">
+                <a:solidFill>
+                  <a:srgbClr val="4070A0"/>
+                </a:solidFill>
+                <a:latin typeface="Courier"/>
+              </a:rPr>
+              <a:t> </a:t>
+            </a:r>
+            <a:r>
+              <a:rPr sz="1800" b="1" dirty="0" err="1">
+                <a:solidFill>
+                  <a:srgbClr val="007020"/>
+                </a:solidFill>
+                <a:latin typeface="Courier"/>
+              </a:rPr>
+              <a:t>tm_symbols</a:t>
+            </a:r>
+            <a:r>
+              <a:rPr sz="1800" dirty="0">
+                <a:latin typeface="Courier"/>
+              </a:rPr>
+              <a:t>(</a:t>
+            </a:r>
+            <a:r>
+              <a:rPr sz="1800" dirty="0" err="1">
+                <a:solidFill>
+                  <a:srgbClr val="902000"/>
+                </a:solidFill>
+                <a:latin typeface="Courier"/>
+              </a:rPr>
+              <a:t>col</a:t>
+            </a:r>
+            <a:r>
+              <a:rPr sz="1800" dirty="0">
+                <a:solidFill>
+                  <a:srgbClr val="902000"/>
+                </a:solidFill>
                 <a:latin typeface="Courier"/>
               </a:rPr>
               <a:t> =</a:t>
             </a:r>
             <a:r>
-              <a:rPr sz="1800">
+              <a:rPr sz="1800" dirty="0">
+                <a:latin typeface="Courier"/>
+              </a:rPr>
+              <a:t> </a:t>
+            </a:r>
+            <a:r>
+              <a:rPr sz="1800" dirty="0">
                 <a:solidFill>
                   <a:srgbClr val="4070A0"/>
                 </a:solidFill>
                 <a:latin typeface="Courier"/>
               </a:rPr>
-              <a:t> </a:t>
-            </a:r>
-            <a:r>
-              <a:rPr sz="1800">
-                <a:latin typeface="Courier"/>
-              </a:rPr>
-              <a:t>urban_agglomerations </a:t>
-            </a:r>
-            <a:r>
-              <a:rPr sz="1800">
+              <a:t>"black"</a:t>
+            </a:r>
+            <a:r>
+              <a:rPr sz="1800" dirty="0">
+                <a:latin typeface="Courier"/>
+              </a:rPr>
+              <a:t>, </a:t>
+            </a:r>
+            <a:r>
+              <a:rPr sz="1800" dirty="0">
+                <a:solidFill>
+                  <a:srgbClr val="902000"/>
+                </a:solidFill>
+                <a:latin typeface="Courier"/>
+              </a:rPr>
+              <a:t>border.col =</a:t>
+            </a:r>
+            <a:r>
+              <a:rPr sz="1800" dirty="0">
+                <a:latin typeface="Courier"/>
+              </a:rPr>
+              <a:t> </a:t>
+            </a:r>
+            <a:r>
+              <a:rPr sz="1800" dirty="0">
+                <a:solidFill>
+                  <a:srgbClr val="4070A0"/>
+                </a:solidFill>
+                <a:latin typeface="Courier"/>
+              </a:rPr>
+              <a:t>"white"</a:t>
+            </a:r>
+            <a:r>
+              <a:rPr sz="1800" dirty="0">
+                <a:latin typeface="Courier"/>
+              </a:rPr>
+              <a:t>,</a:t>
+            </a:r>
+            <a:r>
+              <a:rPr dirty="0"/>
+              <a:t/>
+            </a:r>
+            <a:br>
+              <a:rPr dirty="0"/>
+            </a:br>
+            <a:r>
+              <a:rPr sz="1800" dirty="0">
+                <a:latin typeface="Courier"/>
+              </a:rPr>
+              <a:t>                                       </a:t>
+            </a:r>
+            <a:r>
+              <a:rPr sz="1800" dirty="0">
+                <a:solidFill>
+                  <a:srgbClr val="902000"/>
+                </a:solidFill>
+                <a:latin typeface="Courier"/>
+              </a:rPr>
+              <a:t>size =</a:t>
+            </a:r>
+            <a:r>
+              <a:rPr sz="1800" dirty="0">
+                <a:latin typeface="Courier"/>
+              </a:rPr>
+              <a:t> </a:t>
+            </a:r>
+            <a:r>
+              <a:rPr sz="1800" dirty="0">
+                <a:solidFill>
+                  <a:srgbClr val="4070A0"/>
+                </a:solidFill>
+                <a:latin typeface="Courier"/>
+              </a:rPr>
+              <a:t>"</a:t>
+            </a:r>
+            <a:r>
+              <a:rPr sz="1800" dirty="0" err="1">
+                <a:solidFill>
+                  <a:srgbClr val="4070A0"/>
+                </a:solidFill>
+                <a:latin typeface="Courier"/>
+              </a:rPr>
+              <a:t>population_millions</a:t>
+            </a:r>
+            <a:r>
+              <a:rPr sz="1800" dirty="0">
+                <a:solidFill>
+                  <a:srgbClr val="4070A0"/>
+                </a:solidFill>
+                <a:latin typeface="Courier"/>
+              </a:rPr>
+              <a:t>"</a:t>
+            </a:r>
+            <a:r>
+              <a:rPr sz="1800" dirty="0">
+                <a:latin typeface="Courier"/>
+              </a:rPr>
+              <a:t>) </a:t>
+            </a:r>
+            <a:r>
+              <a:rPr sz="1800" dirty="0">
                 <a:solidFill>
                   <a:srgbClr val="666666"/>
                 </a:solidFill>
                 <a:latin typeface="Courier"/>
               </a:rPr>
-              <a:t>%&gt;%</a:t>
-            </a:r>
-            <a:r>
-              <a:rPr sz="1800">
+              <a:t>+</a:t>
+            </a:r>
+            <a:r>
+              <a:rPr dirty="0"/>
+              <a:t/>
+            </a:r>
+            <a:br>
+              <a:rPr dirty="0"/>
+            </a:br>
+            <a:r>
+              <a:rPr sz="1800" dirty="0">
                 <a:solidFill>
                   <a:srgbClr val="4070A0"/>
                 </a:solidFill>
                 <a:latin typeface="Courier"/>
               </a:rPr>
-              <a:t> </a:t>
-            </a:r>
-            <a:r>
-              <a:t/>
-            </a:r>
-            <a:br/>
-            <a:r>
-              <a:rPr sz="1800">
+              <a:t>  </a:t>
+            </a:r>
+            <a:r>
+              <a:rPr sz="1800" b="1" dirty="0" err="1">
+                <a:solidFill>
+                  <a:srgbClr val="007020"/>
+                </a:solidFill>
+                <a:latin typeface="Courier"/>
+              </a:rPr>
+              <a:t>tm_facets</a:t>
+            </a:r>
+            <a:r>
+              <a:rPr sz="1800" dirty="0">
+                <a:latin typeface="Courier"/>
+              </a:rPr>
+              <a:t>(</a:t>
+            </a:r>
+            <a:r>
+              <a:rPr sz="1800" dirty="0">
+                <a:solidFill>
+                  <a:srgbClr val="902000"/>
+                </a:solidFill>
+                <a:latin typeface="Courier"/>
+              </a:rPr>
+              <a:t>by =</a:t>
+            </a:r>
+            <a:r>
+              <a:rPr sz="1800" dirty="0">
+                <a:latin typeface="Courier"/>
+              </a:rPr>
+              <a:t> </a:t>
+            </a:r>
+            <a:r>
+              <a:rPr sz="1800" dirty="0">
                 <a:solidFill>
                   <a:srgbClr val="4070A0"/>
                 </a:solidFill>
                 <a:latin typeface="Courier"/>
               </a:rPr>
-              <a:t>  </a:t>
-            </a:r>
-            <a:r>
-              <a:rPr sz="1800" b="1">
+              <a:t>"year"</a:t>
+            </a:r>
+            <a:r>
+              <a:rPr sz="1800" dirty="0">
+                <a:latin typeface="Courier"/>
+              </a:rPr>
+              <a:t>, </a:t>
+            </a:r>
+            <a:r>
+              <a:rPr sz="1800" dirty="0" err="1">
+                <a:solidFill>
+                  <a:srgbClr val="902000"/>
+                </a:solidFill>
+                <a:latin typeface="Courier"/>
+              </a:rPr>
+              <a:t>nrow</a:t>
+            </a:r>
+            <a:r>
+              <a:rPr sz="1800" dirty="0">
+                <a:solidFill>
+                  <a:srgbClr val="902000"/>
+                </a:solidFill>
+                <a:latin typeface="Courier"/>
+              </a:rPr>
+              <a:t> =</a:t>
+            </a:r>
+            <a:r>
+              <a:rPr sz="1800" dirty="0">
+                <a:latin typeface="Courier"/>
+              </a:rPr>
+              <a:t> </a:t>
+            </a:r>
+            <a:r>
+              <a:rPr sz="1800" dirty="0">
+                <a:solidFill>
+                  <a:srgbClr val="40A070"/>
+                </a:solidFill>
+                <a:latin typeface="Courier"/>
+              </a:rPr>
+              <a:t>2</a:t>
+            </a:r>
+            <a:r>
+              <a:rPr sz="1800" dirty="0">
+                <a:latin typeface="Courier"/>
+              </a:rPr>
+              <a:t>, </a:t>
+            </a:r>
+            <a:r>
+              <a:rPr sz="1800" dirty="0" err="1">
+                <a:solidFill>
+                  <a:srgbClr val="902000"/>
+                </a:solidFill>
+                <a:latin typeface="Courier"/>
+              </a:rPr>
+              <a:t>free.coords</a:t>
+            </a:r>
+            <a:r>
+              <a:rPr sz="1800" dirty="0">
+                <a:solidFill>
+                  <a:srgbClr val="902000"/>
+                </a:solidFill>
+                <a:latin typeface="Courier"/>
+              </a:rPr>
+              <a:t> =</a:t>
+            </a:r>
+            <a:r>
+              <a:rPr sz="1800" dirty="0">
+                <a:latin typeface="Courier"/>
+              </a:rPr>
+              <a:t> </a:t>
+            </a:r>
+            <a:r>
+              <a:rPr sz="1800" dirty="0">
                 <a:solidFill>
                   <a:srgbClr val="007020"/>
                 </a:solidFill>
                 <a:latin typeface="Courier"/>
               </a:rPr>
-              <a:t>filter</a:t>
-            </a:r>
-            <a:r>
-              <a:rPr sz="1800">
-                <a:latin typeface="Courier"/>
-              </a:rPr>
-              <a:t>(year </a:t>
-            </a:r>
-            <a:r>
-              <a:rPr sz="1800">
-                <a:solidFill>
-                  <a:srgbClr val="666666"/>
-                </a:solidFill>
-                <a:latin typeface="Courier"/>
-              </a:rPr>
-              <a:t>%in%</a:t>
-            </a:r>
-            <a:r>
-              <a:rPr sz="1800">
-                <a:solidFill>
-                  <a:srgbClr val="4070A0"/>
-                </a:solidFill>
-                <a:latin typeface="Courier"/>
-              </a:rPr>
-              <a:t> </a:t>
-            </a:r>
-            <a:r>
-              <a:rPr sz="1800" b="1">
-                <a:solidFill>
-                  <a:srgbClr val="007020"/>
-                </a:solidFill>
-                <a:latin typeface="Courier"/>
-              </a:rPr>
-              <a:t>c</a:t>
-            </a:r>
-            <a:r>
-              <a:rPr sz="1800">
-                <a:latin typeface="Courier"/>
-              </a:rPr>
-              <a:t>(</a:t>
-            </a:r>
-            <a:r>
-              <a:rPr sz="1800">
-                <a:solidFill>
-                  <a:srgbClr val="40A070"/>
-                </a:solidFill>
-                <a:latin typeface="Courier"/>
-              </a:rPr>
-              <a:t>1970</a:t>
-            </a:r>
-            <a:r>
-              <a:rPr sz="1800">
-                <a:latin typeface="Courier"/>
-              </a:rPr>
-              <a:t>, </a:t>
-            </a:r>
-            <a:r>
-              <a:rPr sz="1800">
-                <a:solidFill>
-                  <a:srgbClr val="40A070"/>
-                </a:solidFill>
-                <a:latin typeface="Courier"/>
-              </a:rPr>
-              <a:t>1990</a:t>
-            </a:r>
-            <a:r>
-              <a:rPr sz="1800">
-                <a:latin typeface="Courier"/>
-              </a:rPr>
-              <a:t>, </a:t>
-            </a:r>
-            <a:r>
-              <a:rPr sz="1800">
-                <a:solidFill>
-                  <a:srgbClr val="40A070"/>
-                </a:solidFill>
-                <a:latin typeface="Courier"/>
-              </a:rPr>
-              <a:t>2010</a:t>
-            </a:r>
-            <a:r>
-              <a:rPr sz="1800">
-                <a:latin typeface="Courier"/>
-              </a:rPr>
-              <a:t>, </a:t>
-            </a:r>
-            <a:r>
-              <a:rPr sz="1800">
-                <a:solidFill>
-                  <a:srgbClr val="40A070"/>
-                </a:solidFill>
-                <a:latin typeface="Courier"/>
-              </a:rPr>
-              <a:t>2030</a:t>
-            </a:r>
-            <a:r>
-              <a:rPr sz="1800">
-                <a:latin typeface="Courier"/>
-              </a:rPr>
-              <a:t>))</a:t>
-            </a:r>
-            <a:r>
-              <a:t/>
-            </a:r>
-            <a:br/>
-            <a:r>
-              <a:rPr sz="1800" b="1">
-                <a:solidFill>
-                  <a:srgbClr val="007020"/>
-                </a:solidFill>
-                <a:latin typeface="Courier"/>
-              </a:rPr>
-              <a:t>tm_shape</a:t>
-            </a:r>
-            <a:r>
-              <a:rPr sz="1800">
-                <a:latin typeface="Courier"/>
-              </a:rPr>
-              <a:t>(world) </a:t>
-            </a:r>
-            <a:r>
-              <a:rPr sz="1800">
-                <a:solidFill>
-                  <a:srgbClr val="666666"/>
-                </a:solidFill>
-                <a:latin typeface="Courier"/>
-              </a:rPr>
-              <a:t>+</a:t>
-            </a:r>
-            <a:r>
-              <a:rPr sz="1800">
-                <a:solidFill>
-                  <a:srgbClr val="4070A0"/>
-                </a:solidFill>
-                <a:latin typeface="Courier"/>
-              </a:rPr>
-              <a:t> </a:t>
-            </a:r>
-            <a:r>
-              <a:rPr sz="1800" b="1">
-                <a:solidFill>
-                  <a:srgbClr val="007020"/>
-                </a:solidFill>
-                <a:latin typeface="Courier"/>
-              </a:rPr>
-              <a:t>tm_polygons</a:t>
-            </a:r>
-            <a:r>
-              <a:rPr sz="1800">
-                <a:latin typeface="Courier"/>
-              </a:rPr>
-              <a:t>() </a:t>
-            </a:r>
-            <a:r>
-              <a:rPr sz="1800">
-                <a:solidFill>
-                  <a:srgbClr val="666666"/>
-                </a:solidFill>
-                <a:latin typeface="Courier"/>
-              </a:rPr>
-              <a:t>+</a:t>
-            </a:r>
-            <a:r>
-              <a:rPr sz="1800">
-                <a:solidFill>
-                  <a:srgbClr val="4070A0"/>
-                </a:solidFill>
-                <a:latin typeface="Courier"/>
-              </a:rPr>
-              <a:t> </a:t>
-            </a:r>
-            <a:r>
-              <a:t/>
-            </a:r>
-            <a:br/>
-            <a:r>
-              <a:rPr sz="1800">
-                <a:solidFill>
-                  <a:srgbClr val="4070A0"/>
-                </a:solidFill>
-                <a:latin typeface="Courier"/>
-              </a:rPr>
-              <a:t>  </a:t>
-            </a:r>
-            <a:r>
-              <a:rPr sz="1800" b="1">
-                <a:solidFill>
-                  <a:srgbClr val="007020"/>
-                </a:solidFill>
-                <a:latin typeface="Courier"/>
-              </a:rPr>
-              <a:t>tm_shape</a:t>
-            </a:r>
-            <a:r>
-              <a:rPr sz="1800">
-                <a:latin typeface="Courier"/>
-              </a:rPr>
-              <a:t>(urb_</a:t>
-            </a:r>
-            <a:r>
-              <a:rPr sz="1800">
-                <a:solidFill>
-                  <a:srgbClr val="40A070"/>
-                </a:solidFill>
-                <a:latin typeface="Courier"/>
-              </a:rPr>
-              <a:t>1970</a:t>
-            </a:r>
-            <a:r>
-              <a:rPr sz="1800">
-                <a:latin typeface="Courier"/>
-              </a:rPr>
-              <a:t>_</a:t>
-            </a:r>
-            <a:r>
-              <a:rPr sz="1800">
-                <a:solidFill>
-                  <a:srgbClr val="40A070"/>
-                </a:solidFill>
-                <a:latin typeface="Courier"/>
-              </a:rPr>
-              <a:t>2030</a:t>
-            </a:r>
-            <a:r>
-              <a:rPr sz="1800">
-                <a:latin typeface="Courier"/>
-              </a:rPr>
-              <a:t>) </a:t>
-            </a:r>
-            <a:r>
-              <a:rPr sz="1800">
-                <a:solidFill>
-                  <a:srgbClr val="666666"/>
-                </a:solidFill>
-                <a:latin typeface="Courier"/>
-              </a:rPr>
-              <a:t>+</a:t>
-            </a:r>
-            <a:r>
-              <a:rPr sz="1800">
-                <a:solidFill>
-                  <a:srgbClr val="4070A0"/>
-                </a:solidFill>
-                <a:latin typeface="Courier"/>
-              </a:rPr>
-              <a:t> </a:t>
-            </a:r>
-            <a:r>
-              <a:rPr sz="1800" b="1">
-                <a:solidFill>
-                  <a:srgbClr val="007020"/>
-                </a:solidFill>
-                <a:latin typeface="Courier"/>
-              </a:rPr>
-              <a:t>tm_symbols</a:t>
-            </a:r>
-            <a:r>
-              <a:rPr sz="1800">
-                <a:latin typeface="Courier"/>
-              </a:rPr>
-              <a:t>(</a:t>
-            </a:r>
-            <a:r>
-              <a:rPr sz="1800">
-                <a:solidFill>
-                  <a:srgbClr val="902000"/>
-                </a:solidFill>
-                <a:latin typeface="Courier"/>
-              </a:rPr>
-              <a:t>col =</a:t>
-            </a:r>
-            <a:r>
-              <a:rPr sz="1800">
-                <a:latin typeface="Courier"/>
-              </a:rPr>
-              <a:t> </a:t>
-            </a:r>
-            <a:r>
-              <a:rPr sz="1800">
-                <a:solidFill>
-                  <a:srgbClr val="4070A0"/>
-                </a:solidFill>
-                <a:latin typeface="Courier"/>
-              </a:rPr>
-              <a:t>"black"</a:t>
-            </a:r>
-            <a:r>
-              <a:rPr sz="1800">
-                <a:latin typeface="Courier"/>
-              </a:rPr>
-              <a:t>, </a:t>
-            </a:r>
-            <a:r>
-              <a:rPr sz="1800">
-                <a:solidFill>
-                  <a:srgbClr val="902000"/>
-                </a:solidFill>
-                <a:latin typeface="Courier"/>
-              </a:rPr>
-              <a:t>border.col =</a:t>
-            </a:r>
-            <a:r>
-              <a:rPr sz="1800">
-                <a:latin typeface="Courier"/>
-              </a:rPr>
-              <a:t> </a:t>
-            </a:r>
-            <a:r>
-              <a:rPr sz="1800">
-                <a:solidFill>
-                  <a:srgbClr val="4070A0"/>
-                </a:solidFill>
-                <a:latin typeface="Courier"/>
-              </a:rPr>
-              <a:t>"white"</a:t>
-            </a:r>
-            <a:r>
-              <a:rPr sz="1800">
-                <a:latin typeface="Courier"/>
-              </a:rPr>
-              <a:t>,</a:t>
-            </a:r>
-            <a:r>
-              <a:t/>
-            </a:r>
-            <a:br/>
-            <a:r>
-              <a:rPr sz="1800">
-                <a:latin typeface="Courier"/>
-              </a:rPr>
-              <a:t>                                       </a:t>
-            </a:r>
-            <a:r>
-              <a:rPr sz="1800">
-                <a:solidFill>
-                  <a:srgbClr val="902000"/>
-                </a:solidFill>
-                <a:latin typeface="Courier"/>
-              </a:rPr>
-              <a:t>size =</a:t>
-            </a:r>
-            <a:r>
-              <a:rPr sz="1800">
-                <a:latin typeface="Courier"/>
-              </a:rPr>
-              <a:t> </a:t>
-            </a:r>
-            <a:r>
-              <a:rPr sz="1800">
-                <a:solidFill>
-                  <a:srgbClr val="4070A0"/>
-                </a:solidFill>
-                <a:latin typeface="Courier"/>
-              </a:rPr>
-              <a:t>"population_millions"</a:t>
-            </a:r>
-            <a:r>
-              <a:rPr sz="1800">
-                <a:latin typeface="Courier"/>
-              </a:rPr>
-              <a:t>) </a:t>
-            </a:r>
-            <a:r>
-              <a:rPr sz="1800">
-                <a:solidFill>
-                  <a:srgbClr val="666666"/>
-                </a:solidFill>
-                <a:latin typeface="Courier"/>
-              </a:rPr>
-              <a:t>+</a:t>
-            </a:r>
-            <a:r>
-              <a:t/>
-            </a:r>
-            <a:br/>
-            <a:r>
-              <a:rPr sz="1800">
-                <a:solidFill>
-                  <a:srgbClr val="4070A0"/>
-                </a:solidFill>
-                <a:latin typeface="Courier"/>
-              </a:rPr>
-              <a:t>  </a:t>
-            </a:r>
-            <a:r>
-              <a:rPr sz="1800" b="1">
-                <a:solidFill>
-                  <a:srgbClr val="007020"/>
-                </a:solidFill>
-                <a:latin typeface="Courier"/>
-              </a:rPr>
-              <a:t>tm_facets</a:t>
-            </a:r>
-            <a:r>
-              <a:rPr sz="1800">
-                <a:latin typeface="Courier"/>
-              </a:rPr>
-              <a:t>(</a:t>
-            </a:r>
-            <a:r>
-              <a:rPr sz="1800">
-                <a:solidFill>
-                  <a:srgbClr val="902000"/>
-                </a:solidFill>
-                <a:latin typeface="Courier"/>
-              </a:rPr>
-              <a:t>by =</a:t>
-            </a:r>
-            <a:r>
-              <a:rPr sz="1800">
-                <a:latin typeface="Courier"/>
-              </a:rPr>
-              <a:t> </a:t>
-            </a:r>
-            <a:r>
-              <a:rPr sz="1800">
-                <a:solidFill>
-                  <a:srgbClr val="4070A0"/>
-                </a:solidFill>
-                <a:latin typeface="Courier"/>
-              </a:rPr>
-              <a:t>"year"</a:t>
-            </a:r>
-            <a:r>
-              <a:rPr sz="1800">
-                <a:latin typeface="Courier"/>
-              </a:rPr>
-              <a:t>, </a:t>
-            </a:r>
-            <a:r>
-              <a:rPr sz="1800">
-                <a:solidFill>
-                  <a:srgbClr val="902000"/>
-                </a:solidFill>
-                <a:latin typeface="Courier"/>
-              </a:rPr>
-              <a:t>nrow =</a:t>
-            </a:r>
-            <a:r>
-              <a:rPr sz="1800">
-                <a:latin typeface="Courier"/>
-              </a:rPr>
-              <a:t> </a:t>
-            </a:r>
-            <a:r>
-              <a:rPr sz="1800">
-                <a:solidFill>
-                  <a:srgbClr val="40A070"/>
-                </a:solidFill>
-                <a:latin typeface="Courier"/>
-              </a:rPr>
-              <a:t>2</a:t>
-            </a:r>
-            <a:r>
-              <a:rPr sz="1800">
-                <a:latin typeface="Courier"/>
-              </a:rPr>
-              <a:t>, </a:t>
-            </a:r>
-            <a:r>
-              <a:rPr sz="1800">
-                <a:solidFill>
-                  <a:srgbClr val="902000"/>
-                </a:solidFill>
-                <a:latin typeface="Courier"/>
-              </a:rPr>
-              <a:t>free.coords =</a:t>
-            </a:r>
-            <a:r>
-              <a:rPr sz="1800">
-                <a:latin typeface="Courier"/>
-              </a:rPr>
-              <a:t> </a:t>
-            </a:r>
-            <a:r>
-              <a:rPr sz="1800">
-                <a:solidFill>
-                  <a:srgbClr val="007020"/>
-                </a:solidFill>
-                <a:latin typeface="Courier"/>
-              </a:rPr>
               <a:t>FALSE</a:t>
             </a:r>
             <a:r>
-              <a:rPr sz="1800">
+              <a:rPr sz="1800" dirty="0">
                 <a:latin typeface="Courier"/>
               </a:rPr>
               <a:t>)</a:t>
@@ -17692,28 +18118,216 @@
               <a:buNone/>
             </a:pPr>
             <a:r>
-              <a:rPr/>
-              <a:t>Wyświetlenie dwóch map na raz wymaga użycia pakietu </a:t>
-            </a:r>
-            <a:r>
-              <a:rPr sz="1800">
+              <a:rPr dirty="0" err="1"/>
+              <a:t>Wyświetlenie</a:t>
+            </a:r>
+            <a:r>
+              <a:rPr dirty="0"/>
+              <a:t> </a:t>
+            </a:r>
+            <a:r>
+              <a:rPr dirty="0" err="1"/>
+              <a:t>dwóch</a:t>
+            </a:r>
+            <a:r>
+              <a:rPr dirty="0"/>
+              <a:t> map </a:t>
+            </a:r>
+            <a:r>
+              <a:rPr dirty="0" err="1"/>
+              <a:t>na</a:t>
+            </a:r>
+            <a:r>
+              <a:rPr dirty="0"/>
+              <a:t> </a:t>
+            </a:r>
+            <a:r>
+              <a:rPr dirty="0" err="1"/>
+              <a:t>raz</a:t>
+            </a:r>
+            <a:r>
+              <a:rPr dirty="0"/>
+              <a:t> </a:t>
+            </a:r>
+            <a:r>
+              <a:rPr dirty="0" err="1"/>
+              <a:t>wymaga</a:t>
+            </a:r>
+            <a:r>
+              <a:rPr dirty="0"/>
+              <a:t> </a:t>
+            </a:r>
+            <a:r>
+              <a:rPr dirty="0" err="1"/>
+              <a:t>użycia</a:t>
+            </a:r>
+            <a:r>
+              <a:rPr dirty="0"/>
+              <a:t> </a:t>
+            </a:r>
+            <a:r>
+              <a:rPr dirty="0" err="1"/>
+              <a:t>pakietu</a:t>
+            </a:r>
+            <a:r>
+              <a:rPr dirty="0"/>
+              <a:t> </a:t>
+            </a:r>
+            <a:r>
+              <a:rPr sz="1800" dirty="0">
                 <a:latin typeface="Courier"/>
               </a:rPr>
               <a:t>grid</a:t>
             </a:r>
             <a:r>
-              <a:rPr/>
-              <a:t> i polega na utworzeniu osobno dwóch map, a następnie za pomocą funkcji </a:t>
-            </a:r>
-            <a:r>
-              <a:rPr sz="1800">
+              <a:rPr dirty="0"/>
+              <a:t> </a:t>
+            </a:r>
+            <a:r>
+              <a:rPr dirty="0" err="1"/>
+              <a:t>i</a:t>
+            </a:r>
+            <a:r>
+              <a:rPr dirty="0"/>
+              <a:t> </a:t>
+            </a:r>
+            <a:r>
+              <a:rPr dirty="0" err="1"/>
+              <a:t>polega</a:t>
+            </a:r>
+            <a:r>
+              <a:rPr dirty="0"/>
+              <a:t> </a:t>
+            </a:r>
+            <a:r>
+              <a:rPr dirty="0" err="1"/>
+              <a:t>na</a:t>
+            </a:r>
+            <a:r>
+              <a:rPr dirty="0"/>
+              <a:t> </a:t>
+            </a:r>
+            <a:r>
+              <a:rPr dirty="0" err="1"/>
+              <a:t>utworzeniu</a:t>
+            </a:r>
+            <a:r>
+              <a:rPr dirty="0"/>
+              <a:t> </a:t>
+            </a:r>
+            <a:r>
+              <a:rPr dirty="0" err="1"/>
+              <a:t>osobno</a:t>
+            </a:r>
+            <a:r>
+              <a:rPr dirty="0"/>
+              <a:t> </a:t>
+            </a:r>
+            <a:r>
+              <a:rPr dirty="0" err="1"/>
+              <a:t>dwóch</a:t>
+            </a:r>
+            <a:r>
+              <a:rPr dirty="0"/>
+              <a:t> map, a </a:t>
+            </a:r>
+            <a:r>
+              <a:rPr dirty="0" err="1"/>
+              <a:t>następnie</a:t>
+            </a:r>
+            <a:r>
+              <a:rPr dirty="0"/>
+              <a:t> </a:t>
+            </a:r>
+            <a:r>
+              <a:rPr dirty="0" err="1"/>
+              <a:t>za</a:t>
+            </a:r>
+            <a:r>
+              <a:rPr dirty="0"/>
+              <a:t> </a:t>
+            </a:r>
+            <a:r>
+              <a:rPr dirty="0" err="1"/>
+              <a:t>pomocą</a:t>
+            </a:r>
+            <a:r>
+              <a:rPr dirty="0"/>
+              <a:t> </a:t>
+            </a:r>
+            <a:r>
+              <a:rPr dirty="0" err="1"/>
+              <a:t>funkcji</a:t>
+            </a:r>
+            <a:r>
+              <a:rPr dirty="0"/>
+              <a:t> </a:t>
+            </a:r>
+            <a:r>
+              <a:rPr sz="1800" dirty="0">
                 <a:latin typeface="Courier"/>
               </a:rPr>
               <a:t>print()</a:t>
             </a:r>
             <a:r>
-              <a:rPr/>
-              <a:t>. Stwórzcie najpierw prostokąd, do którego będziemy przybliżać mapę:</a:t>
+              <a:rPr dirty="0"/>
+              <a:t>. </a:t>
+            </a:r>
+            <a:r>
+              <a:rPr dirty="0" err="1"/>
+              <a:t>Stwórzcie</a:t>
+            </a:r>
+            <a:r>
+              <a:rPr dirty="0"/>
+              <a:t> </a:t>
+            </a:r>
+            <a:r>
+              <a:rPr dirty="0" err="1"/>
+              <a:t>najpierw</a:t>
+            </a:r>
+            <a:r>
+              <a:rPr dirty="0"/>
+              <a:t> </a:t>
+            </a:r>
+            <a:r>
+              <a:rPr dirty="0" err="1"/>
+              <a:t>prostokąd</a:t>
+            </a:r>
+            <a:r>
+              <a:rPr dirty="0"/>
+              <a:t>, do </a:t>
+            </a:r>
+            <a:r>
+              <a:rPr dirty="0" err="1"/>
+              <a:t>którego</a:t>
+            </a:r>
+            <a:r>
+              <a:rPr dirty="0"/>
+              <a:t> </a:t>
+            </a:r>
+            <a:r>
+              <a:rPr dirty="0" err="1"/>
+              <a:t>będziemy</a:t>
+            </a:r>
+            <a:r>
+              <a:rPr dirty="0"/>
+              <a:t> </a:t>
+            </a:r>
+            <a:r>
+              <a:rPr dirty="0" err="1"/>
+              <a:t>przybliżać</a:t>
+            </a:r>
+            <a:r>
+              <a:rPr dirty="0"/>
+              <a:t> </a:t>
+            </a:r>
+            <a:r>
+              <a:rPr dirty="0" err="1"/>
+              <a:t>mapę</a:t>
+            </a:r>
+            <a:r>
+              <a:rPr dirty="0"/>
+              <a:t>:</a:t>
             </a:r>
           </a:p>
           <a:p>
@@ -17721,13 +18335,28 @@
               <a:buNone/>
             </a:pPr>
             <a:r>
-              <a:rPr sz="1800">
-                <a:latin typeface="Courier"/>
-              </a:rPr>
-              <a:t>nz_region =</a:t>
-            </a:r>
-            <a:r>
-              <a:rPr sz="1800">
+              <a:rPr sz="1800" dirty="0" err="1">
+                <a:latin typeface="Courier"/>
+              </a:rPr>
+              <a:t>nz_region</a:t>
+            </a:r>
+            <a:r>
+              <a:rPr sz="1800" dirty="0">
+                <a:latin typeface="Courier"/>
+              </a:rPr>
+              <a:t> </a:t>
+            </a:r>
+            <a:r>
+              <a:rPr lang="pl-PL" sz="1800" spc="-1" dirty="0" smtClean="0">
+                <a:solidFill>
+                  <a:srgbClr val="000000"/>
+                </a:solidFill>
+                <a:latin typeface="Courier New"/>
+              </a:rPr>
+              <a:t>&lt;-</a:t>
+            </a:r>
+            <a:r>
+              <a:rPr sz="1800" dirty="0" smtClean="0">
                 <a:solidFill>
                   <a:srgbClr val="4070A0"/>
                 </a:solidFill>
@@ -17736,7 +18365,7 @@
               <a:t> </a:t>
             </a:r>
             <a:r>
-              <a:rPr sz="1800" b="1">
+              <a:rPr sz="1800" b="1" dirty="0" err="1">
                 <a:solidFill>
                   <a:srgbClr val="007020"/>
                 </a:solidFill>
@@ -17745,13 +18374,13 @@
               <a:t>st_bbox</a:t>
             </a:r>
             <a:r>
-              <a:rPr sz="1800">
+              <a:rPr sz="1800" dirty="0">
                 <a:latin typeface="Courier"/>
               </a:rPr>
               <a:t>(</a:t>
             </a:r>
             <a:r>
-              <a:rPr sz="1800" b="1">
+              <a:rPr sz="1800" b="1" dirty="0">
                 <a:solidFill>
                   <a:srgbClr val="007020"/>
                 </a:solidFill>
@@ -17760,28 +18389,37 @@
               <a:t>c</a:t>
             </a:r>
             <a:r>
-              <a:rPr sz="1800">
+              <a:rPr sz="1800" dirty="0">
                 <a:latin typeface="Courier"/>
               </a:rPr>
               <a:t>(</a:t>
             </a:r>
             <a:r>
-              <a:rPr sz="1800">
+              <a:rPr sz="1800" dirty="0" err="1">
                 <a:solidFill>
                   <a:srgbClr val="902000"/>
                 </a:solidFill>
                 <a:latin typeface="Courier"/>
               </a:rPr>
-              <a:t>xmin =</a:t>
-            </a:r>
-            <a:r>
-              <a:rPr sz="1800">
-                <a:latin typeface="Courier"/>
-              </a:rPr>
-              <a:t> </a:t>
-            </a:r>
-            <a:r>
-              <a:rPr sz="1800">
+              <a:t>xmin</a:t>
+            </a:r>
+            <a:r>
+              <a:rPr sz="1800" dirty="0">
+                <a:solidFill>
+                  <a:srgbClr val="902000"/>
+                </a:solidFill>
+                <a:latin typeface="Courier"/>
+              </a:rPr>
+              <a:t> =</a:t>
+            </a:r>
+            <a:r>
+              <a:rPr sz="1800" dirty="0">
+                <a:latin typeface="Courier"/>
+              </a:rPr>
+              <a:t> </a:t>
+            </a:r>
+            <a:r>
+              <a:rPr sz="1800" dirty="0">
                 <a:solidFill>
                   <a:srgbClr val="40A070"/>
                 </a:solidFill>
@@ -17790,28 +18428,37 @@
               <a:t>1340000</a:t>
             </a:r>
             <a:r>
-              <a:rPr sz="1800">
+              <a:rPr sz="1800" dirty="0">
                 <a:latin typeface="Courier"/>
               </a:rPr>
               <a:t>, </a:t>
             </a:r>
             <a:r>
-              <a:rPr sz="1800">
+              <a:rPr sz="1800" dirty="0" err="1">
                 <a:solidFill>
                   <a:srgbClr val="902000"/>
                 </a:solidFill>
                 <a:latin typeface="Courier"/>
               </a:rPr>
-              <a:t>xmax =</a:t>
-            </a:r>
-            <a:r>
-              <a:rPr sz="1800">
-                <a:latin typeface="Courier"/>
-              </a:rPr>
-              <a:t> </a:t>
-            </a:r>
-            <a:r>
-              <a:rPr sz="1800">
+              <a:t>xmax</a:t>
+            </a:r>
+            <a:r>
+              <a:rPr sz="1800" dirty="0">
+                <a:solidFill>
+                  <a:srgbClr val="902000"/>
+                </a:solidFill>
+                <a:latin typeface="Courier"/>
+              </a:rPr>
+              <a:t> =</a:t>
+            </a:r>
+            <a:r>
+              <a:rPr sz="1800" dirty="0">
+                <a:latin typeface="Courier"/>
+              </a:rPr>
+              <a:t> </a:t>
+            </a:r>
+            <a:r>
+              <a:rPr sz="1800" dirty="0">
                 <a:solidFill>
                   <a:srgbClr val="40A070"/>
                 </a:solidFill>
@@ -17820,38 +18467,50 @@
               <a:t>1450000</a:t>
             </a:r>
             <a:r>
-              <a:rPr sz="1800">
+              <a:rPr sz="1800" dirty="0">
                 <a:latin typeface="Courier"/>
               </a:rPr>
               <a:t>,</a:t>
             </a:r>
             <a:r>
+              <a:rPr dirty="0"/>
               <a:t/>
             </a:r>
-            <a:br/>
-            <a:r>
-              <a:rPr sz="1800">
+            <a:br>
+              <a:rPr dirty="0"/>
+            </a:br>
+            <a:r>
+              <a:rPr sz="1800" dirty="0">
                 <a:latin typeface="Courier"/>
               </a:rPr>
               <a:t>                      </a:t>
             </a:r>
             <a:r>
-              <a:rPr sz="1800">
+              <a:rPr sz="1800" dirty="0" err="1">
                 <a:solidFill>
                   <a:srgbClr val="902000"/>
                 </a:solidFill>
                 <a:latin typeface="Courier"/>
               </a:rPr>
-              <a:t>ymin =</a:t>
-            </a:r>
-            <a:r>
-              <a:rPr sz="1800">
-                <a:latin typeface="Courier"/>
-              </a:rPr>
-              <a:t> </a:t>
-            </a:r>
-            <a:r>
-              <a:rPr sz="1800">
+              <a:t>ymin</a:t>
+            </a:r>
+            <a:r>
+              <a:rPr sz="1800" dirty="0">
+                <a:solidFill>
+                  <a:srgbClr val="902000"/>
+                </a:solidFill>
+                <a:latin typeface="Courier"/>
+              </a:rPr>
+              <a:t> =</a:t>
+            </a:r>
+            <a:r>
+              <a:rPr sz="1800" dirty="0">
+                <a:latin typeface="Courier"/>
+              </a:rPr>
+              <a:t> </a:t>
+            </a:r>
+            <a:r>
+              <a:rPr sz="1800" dirty="0">
                 <a:solidFill>
                   <a:srgbClr val="40A070"/>
                 </a:solidFill>
@@ -17860,28 +18519,37 @@
               <a:t>5130000</a:t>
             </a:r>
             <a:r>
-              <a:rPr sz="1800">
+              <a:rPr sz="1800" dirty="0">
                 <a:latin typeface="Courier"/>
               </a:rPr>
               <a:t>, </a:t>
             </a:r>
             <a:r>
-              <a:rPr sz="1800">
+              <a:rPr sz="1800" dirty="0" err="1">
                 <a:solidFill>
                   <a:srgbClr val="902000"/>
                 </a:solidFill>
                 <a:latin typeface="Courier"/>
               </a:rPr>
-              <a:t>ymax =</a:t>
-            </a:r>
-            <a:r>
-              <a:rPr sz="1800">
-                <a:latin typeface="Courier"/>
-              </a:rPr>
-              <a:t> </a:t>
-            </a:r>
-            <a:r>
-              <a:rPr sz="1800">
+              <a:t>ymax</a:t>
+            </a:r>
+            <a:r>
+              <a:rPr sz="1800" dirty="0">
+                <a:solidFill>
+                  <a:srgbClr val="902000"/>
+                </a:solidFill>
+                <a:latin typeface="Courier"/>
+              </a:rPr>
+              <a:t> =</a:t>
+            </a:r>
+            <a:r>
+              <a:rPr sz="1800" dirty="0">
+                <a:latin typeface="Courier"/>
+              </a:rPr>
+              <a:t> </a:t>
+            </a:r>
+            <a:r>
+              <a:rPr sz="1800" dirty="0">
                 <a:solidFill>
                   <a:srgbClr val="40A070"/>
                 </a:solidFill>
@@ -17890,38 +18558,50 @@
               <a:t>5210000</a:t>
             </a:r>
             <a:r>
-              <a:rPr sz="1800">
+              <a:rPr sz="1800" dirty="0">
                 <a:latin typeface="Courier"/>
               </a:rPr>
               <a:t>),</a:t>
             </a:r>
             <a:r>
+              <a:rPr dirty="0"/>
               <a:t/>
             </a:r>
-            <a:br/>
-            <a:r>
-              <a:rPr sz="1800">
+            <a:br>
+              <a:rPr dirty="0"/>
+            </a:br>
+            <a:r>
+              <a:rPr sz="1800" dirty="0">
                 <a:latin typeface="Courier"/>
               </a:rPr>
               <a:t>                    </a:t>
             </a:r>
             <a:r>
-              <a:rPr sz="1800">
+              <a:rPr sz="1800" dirty="0" err="1">
                 <a:solidFill>
                   <a:srgbClr val="902000"/>
                 </a:solidFill>
                 <a:latin typeface="Courier"/>
               </a:rPr>
-              <a:t>crs =</a:t>
-            </a:r>
-            <a:r>
-              <a:rPr sz="1800">
-                <a:latin typeface="Courier"/>
-              </a:rPr>
-              <a:t> </a:t>
-            </a:r>
-            <a:r>
-              <a:rPr sz="1800" b="1">
+              <a:t>crs</a:t>
+            </a:r>
+            <a:r>
+              <a:rPr sz="1800" dirty="0">
+                <a:solidFill>
+                  <a:srgbClr val="902000"/>
+                </a:solidFill>
+                <a:latin typeface="Courier"/>
+              </a:rPr>
+              <a:t> =</a:t>
+            </a:r>
+            <a:r>
+              <a:rPr sz="1800" dirty="0">
+                <a:latin typeface="Courier"/>
+              </a:rPr>
+              <a:t> </a:t>
+            </a:r>
+            <a:r>
+              <a:rPr sz="1800" b="1" dirty="0" err="1">
                 <a:solidFill>
                   <a:srgbClr val="007020"/>
                 </a:solidFill>
@@ -17930,13 +18610,25 @@
               <a:t>st_crs</a:t>
             </a:r>
             <a:r>
-              <a:rPr sz="1800">
-                <a:latin typeface="Courier"/>
-              </a:rPr>
-              <a:t>(nz_height)) </a:t>
-            </a:r>
-            <a:r>
-              <a:rPr sz="1800">
+              <a:rPr sz="1800" dirty="0">
+                <a:latin typeface="Courier"/>
+              </a:rPr>
+              <a:t>(</a:t>
+            </a:r>
+            <a:r>
+              <a:rPr sz="1800" dirty="0" err="1">
+                <a:latin typeface="Courier"/>
+              </a:rPr>
+              <a:t>nz_height</a:t>
+            </a:r>
+            <a:r>
+              <a:rPr sz="1800" dirty="0">
+                <a:latin typeface="Courier"/>
+              </a:rPr>
+              <a:t>)) </a:t>
+            </a:r>
+            <a:r>
+              <a:rPr sz="1800" dirty="0">
                 <a:solidFill>
                   <a:srgbClr val="666666"/>
                 </a:solidFill>
@@ -17945,7 +18637,7 @@
               <a:t>%&gt;%</a:t>
             </a:r>
             <a:r>
-              <a:rPr sz="1800">
+              <a:rPr sz="1800" dirty="0">
                 <a:solidFill>
                   <a:srgbClr val="4070A0"/>
                 </a:solidFill>
@@ -17954,11 +18646,14 @@
               <a:t> </a:t>
             </a:r>
             <a:r>
+              <a:rPr dirty="0"/>
               <a:t/>
             </a:r>
-            <a:br/>
-            <a:r>
-              <a:rPr sz="1800">
+            <a:br>
+              <a:rPr dirty="0"/>
+            </a:br>
+            <a:r>
+              <a:rPr sz="1800" dirty="0">
                 <a:solidFill>
                   <a:srgbClr val="4070A0"/>
                 </a:solidFill>
@@ -17967,7 +18662,7 @@
               <a:t>  </a:t>
             </a:r>
             <a:r>
-              <a:rPr sz="1800" b="1">
+              <a:rPr sz="1800" b="1" dirty="0" err="1">
                 <a:solidFill>
                   <a:srgbClr val="007020"/>
                 </a:solidFill>
@@ -17976,7 +18671,7 @@
               <a:t>st_as_sfc</a:t>
             </a:r>
             <a:r>
-              <a:rPr sz="1800">
+              <a:rPr sz="1800" dirty="0">
                 <a:latin typeface="Courier"/>
               </a:rPr>
               <a:t>()</a:t>
@@ -17987,8 +18682,60 @@
               <a:buNone/>
             </a:pPr>
             <a:r>
-              <a:rPr/>
-              <a:t>Następnie stwórzcie mapę podstawową, którą będziemy wyświetlać:</a:t>
+              <a:rPr dirty="0" err="1"/>
+              <a:t>Następnie</a:t>
+            </a:r>
+            <a:r>
+              <a:rPr dirty="0"/>
+              <a:t> </a:t>
+            </a:r>
+            <a:r>
+              <a:rPr dirty="0" err="1"/>
+              <a:t>stwórzcie</a:t>
+            </a:r>
+            <a:r>
+              <a:rPr dirty="0"/>
+              <a:t> </a:t>
+            </a:r>
+            <a:r>
+              <a:rPr dirty="0" err="1"/>
+              <a:t>mapę</a:t>
+            </a:r>
+            <a:r>
+              <a:rPr dirty="0"/>
+              <a:t> </a:t>
+            </a:r>
+            <a:r>
+              <a:rPr dirty="0" err="1"/>
+              <a:t>podstawową</a:t>
+            </a:r>
+            <a:r>
+              <a:rPr dirty="0"/>
+              <a:t>, </a:t>
+            </a:r>
+            <a:r>
+              <a:rPr dirty="0" err="1"/>
+              <a:t>którą</a:t>
+            </a:r>
+            <a:r>
+              <a:rPr dirty="0"/>
+              <a:t> </a:t>
+            </a:r>
+            <a:r>
+              <a:rPr dirty="0" err="1"/>
+              <a:t>będziemy</a:t>
+            </a:r>
+            <a:r>
+              <a:rPr dirty="0"/>
+              <a:t> </a:t>
+            </a:r>
+            <a:r>
+              <a:rPr dirty="0" err="1"/>
+              <a:t>wyświetlać</a:t>
+            </a:r>
+            <a:r>
+              <a:rPr dirty="0"/>
+              <a:t>:</a:t>
             </a:r>
           </a:p>
           <a:p>
@@ -17996,13 +18743,28 @@
               <a:buNone/>
             </a:pPr>
             <a:r>
-              <a:rPr sz="1800">
-                <a:latin typeface="Courier"/>
-              </a:rPr>
-              <a:t>nz_height_map =</a:t>
-            </a:r>
-            <a:r>
-              <a:rPr sz="1800">
+              <a:rPr sz="1800" dirty="0" err="1">
+                <a:latin typeface="Courier"/>
+              </a:rPr>
+              <a:t>nz_height_map</a:t>
+            </a:r>
+            <a:r>
+              <a:rPr sz="1800" dirty="0">
+                <a:latin typeface="Courier"/>
+              </a:rPr>
+              <a:t> </a:t>
+            </a:r>
+            <a:r>
+              <a:rPr lang="pl-PL" sz="1800" spc="-1" dirty="0" smtClean="0">
+                <a:solidFill>
+                  <a:srgbClr val="000000"/>
+                </a:solidFill>
+                <a:latin typeface="Courier New"/>
+              </a:rPr>
+              <a:t>&lt;-</a:t>
+            </a:r>
+            <a:r>
+              <a:rPr sz="1800" dirty="0" smtClean="0">
                 <a:solidFill>
                   <a:srgbClr val="4070A0"/>
                 </a:solidFill>
@@ -18011,7 +18773,7 @@
               <a:t> </a:t>
             </a:r>
             <a:r>
-              <a:rPr sz="1800" b="1">
+              <a:rPr sz="1800" b="1" dirty="0" err="1">
                 <a:solidFill>
                   <a:srgbClr val="007020"/>
                 </a:solidFill>
@@ -18020,28 +18782,61 @@
               <a:t>tm_shape</a:t>
             </a:r>
             <a:r>
-              <a:rPr sz="1800">
-                <a:latin typeface="Courier"/>
-              </a:rPr>
-              <a:t>(nz_elev, </a:t>
-            </a:r>
-            <a:r>
-              <a:rPr sz="1800">
+              <a:rPr sz="1800" dirty="0">
+                <a:latin typeface="Courier"/>
+              </a:rPr>
+              <a:t>(</a:t>
+            </a:r>
+            <a:r>
+              <a:rPr sz="1800" dirty="0" err="1">
+                <a:latin typeface="Courier"/>
+              </a:rPr>
+              <a:t>nz_elev</a:t>
+            </a:r>
+            <a:r>
+              <a:rPr sz="1800" dirty="0">
+                <a:latin typeface="Courier"/>
+              </a:rPr>
+              <a:t>, </a:t>
+            </a:r>
+            <a:r>
+              <a:rPr sz="1800" dirty="0" err="1">
                 <a:solidFill>
                   <a:srgbClr val="902000"/>
                 </a:solidFill>
                 <a:latin typeface="Courier"/>
               </a:rPr>
-              <a:t>bbox =</a:t>
-            </a:r>
-            <a:r>
-              <a:rPr sz="1800">
-                <a:latin typeface="Courier"/>
-              </a:rPr>
-              <a:t> nz_region) </a:t>
-            </a:r>
-            <a:r>
-              <a:rPr sz="1800">
+              <a:t>bbox</a:t>
+            </a:r>
+            <a:r>
+              <a:rPr sz="1800" dirty="0">
+                <a:solidFill>
+                  <a:srgbClr val="902000"/>
+                </a:solidFill>
+                <a:latin typeface="Courier"/>
+              </a:rPr>
+              <a:t> =</a:t>
+            </a:r>
+            <a:r>
+              <a:rPr sz="1800" dirty="0">
+                <a:latin typeface="Courier"/>
+              </a:rPr>
+              <a:t> </a:t>
+            </a:r>
+            <a:r>
+              <a:rPr sz="1800" dirty="0" err="1">
+                <a:latin typeface="Courier"/>
+              </a:rPr>
+              <a:t>nz_region</a:t>
+            </a:r>
+            <a:r>
+              <a:rPr sz="1800" dirty="0">
+                <a:latin typeface="Courier"/>
+              </a:rPr>
+              <a:t>) </a:t>
+            </a:r>
+            <a:r>
+              <a:rPr sz="1800" dirty="0">
                 <a:solidFill>
                   <a:srgbClr val="666666"/>
                 </a:solidFill>
@@ -18050,11 +18845,14 @@
               <a:t>+</a:t>
             </a:r>
             <a:r>
+              <a:rPr dirty="0"/>
               <a:t/>
             </a:r>
-            <a:br/>
-            <a:r>
-              <a:rPr sz="1800">
+            <a:br>
+              <a:rPr dirty="0"/>
+            </a:br>
+            <a:r>
+              <a:rPr sz="1800" dirty="0">
                 <a:solidFill>
                   <a:srgbClr val="4070A0"/>
                 </a:solidFill>
@@ -18063,7 +18861,7 @@
               <a:t>  </a:t>
             </a:r>
             <a:r>
-              <a:rPr sz="1800" b="1">
+              <a:rPr sz="1800" b="1" dirty="0" err="1">
                 <a:solidFill>
                   <a:srgbClr val="007020"/>
                 </a:solidFill>
@@ -18072,13 +18870,13 @@
               <a:t>tm_raster</a:t>
             </a:r>
             <a:r>
-              <a:rPr sz="1800">
+              <a:rPr sz="1800" dirty="0">
                 <a:latin typeface="Courier"/>
               </a:rPr>
               <a:t>(</a:t>
             </a:r>
             <a:r>
-              <a:rPr sz="1800">
+              <a:rPr sz="1800" dirty="0">
                 <a:solidFill>
                   <a:srgbClr val="902000"/>
                 </a:solidFill>
@@ -18087,13 +18885,13 @@
               <a:t>style =</a:t>
             </a:r>
             <a:r>
-              <a:rPr sz="1800">
-                <a:latin typeface="Courier"/>
-              </a:rPr>
-              <a:t> </a:t>
-            </a:r>
-            <a:r>
-              <a:rPr sz="1800">
+              <a:rPr sz="1800" dirty="0">
+                <a:latin typeface="Courier"/>
+              </a:rPr>
+              <a:t> </a:t>
+            </a:r>
+            <a:r>
+              <a:rPr sz="1800" dirty="0">
                 <a:solidFill>
                   <a:srgbClr val="4070A0"/>
                 </a:solidFill>
@@ -18102,13 +18900,13 @@
               <a:t>"cont"</a:t>
             </a:r>
             <a:r>
-              <a:rPr sz="1800">
+              <a:rPr sz="1800" dirty="0">
                 <a:latin typeface="Courier"/>
               </a:rPr>
               <a:t>, </a:t>
             </a:r>
             <a:r>
-              <a:rPr sz="1800">
+              <a:rPr sz="1800" dirty="0">
                 <a:solidFill>
                   <a:srgbClr val="902000"/>
                 </a:solidFill>
@@ -18117,43 +18915,70 @@
               <a:t>palette =</a:t>
             </a:r>
             <a:r>
-              <a:rPr sz="1800">
-                <a:latin typeface="Courier"/>
-              </a:rPr>
-              <a:t> </a:t>
-            </a:r>
-            <a:r>
-              <a:rPr sz="1800">
+              <a:rPr sz="1800" dirty="0">
+                <a:latin typeface="Courier"/>
+              </a:rPr>
+              <a:t> </a:t>
+            </a:r>
+            <a:r>
+              <a:rPr sz="1800" dirty="0">
                 <a:solidFill>
                   <a:srgbClr val="4070A0"/>
                 </a:solidFill>
                 <a:latin typeface="Courier"/>
               </a:rPr>
-              <a:t>"YlGn"</a:t>
-            </a:r>
-            <a:r>
-              <a:rPr sz="1800">
+              <a:t>"</a:t>
+            </a:r>
+            <a:r>
+              <a:rPr sz="1800" dirty="0" err="1">
+                <a:solidFill>
+                  <a:srgbClr val="4070A0"/>
+                </a:solidFill>
+                <a:latin typeface="Courier"/>
+              </a:rPr>
+              <a:t>YlGn</a:t>
+            </a:r>
+            <a:r>
+              <a:rPr sz="1800" dirty="0">
+                <a:solidFill>
+                  <a:srgbClr val="4070A0"/>
+                </a:solidFill>
+                <a:latin typeface="Courier"/>
+              </a:rPr>
+              <a:t>"</a:t>
+            </a:r>
+            <a:r>
+              <a:rPr sz="1800" dirty="0">
                 <a:latin typeface="Courier"/>
               </a:rPr>
               <a:t>, </a:t>
             </a:r>
             <a:r>
-              <a:rPr sz="1800">
+              <a:rPr sz="1800" dirty="0" err="1">
                 <a:solidFill>
                   <a:srgbClr val="902000"/>
                 </a:solidFill>
                 <a:latin typeface="Courier"/>
               </a:rPr>
-              <a:t>legend.show =</a:t>
-            </a:r>
-            <a:r>
-              <a:rPr sz="1800">
-                <a:latin typeface="Courier"/>
-              </a:rPr>
-              <a:t> </a:t>
-            </a:r>
-            <a:r>
-              <a:rPr sz="1800">
+              <a:t>legend.show</a:t>
+            </a:r>
+            <a:r>
+              <a:rPr sz="1800" dirty="0">
+                <a:solidFill>
+                  <a:srgbClr val="902000"/>
+                </a:solidFill>
+                <a:latin typeface="Courier"/>
+              </a:rPr>
+              <a:t> =</a:t>
+            </a:r>
+            <a:r>
+              <a:rPr sz="1800" dirty="0">
+                <a:latin typeface="Courier"/>
+              </a:rPr>
+              <a:t> </a:t>
+            </a:r>
+            <a:r>
+              <a:rPr sz="1800" dirty="0">
                 <a:solidFill>
                   <a:srgbClr val="007020"/>
                 </a:solidFill>
@@ -18162,13 +18987,13 @@
               <a:t>TRUE</a:t>
             </a:r>
             <a:r>
-              <a:rPr sz="1800">
+              <a:rPr sz="1800" dirty="0">
                 <a:latin typeface="Courier"/>
               </a:rPr>
               <a:t>) </a:t>
             </a:r>
             <a:r>
-              <a:rPr sz="1800">
+              <a:rPr sz="1800" dirty="0">
                 <a:solidFill>
                   <a:srgbClr val="666666"/>
                 </a:solidFill>
@@ -18177,11 +19002,14 @@
               <a:t>+</a:t>
             </a:r>
             <a:r>
+              <a:rPr dirty="0"/>
               <a:t/>
             </a:r>
-            <a:br/>
-            <a:r>
-              <a:rPr sz="1800">
+            <a:br>
+              <a:rPr dirty="0"/>
+            </a:br>
+            <a:r>
+              <a:rPr sz="1800" dirty="0">
                 <a:solidFill>
                   <a:srgbClr val="4070A0"/>
                 </a:solidFill>
@@ -18190,7 +19018,7 @@
               <a:t>  </a:t>
             </a:r>
             <a:r>
-              <a:rPr sz="1800" b="1">
+              <a:rPr sz="1800" b="1" dirty="0" err="1">
                 <a:solidFill>
                   <a:srgbClr val="007020"/>
                 </a:solidFill>
@@ -18199,13 +19027,25 @@
               <a:t>tm_shape</a:t>
             </a:r>
             <a:r>
-              <a:rPr sz="1800">
-                <a:latin typeface="Courier"/>
-              </a:rPr>
-              <a:t>(nz_height) </a:t>
-            </a:r>
-            <a:r>
-              <a:rPr sz="1800">
+              <a:rPr sz="1800" dirty="0">
+                <a:latin typeface="Courier"/>
+              </a:rPr>
+              <a:t>(</a:t>
+            </a:r>
+            <a:r>
+              <a:rPr sz="1800" dirty="0" err="1">
+                <a:latin typeface="Courier"/>
+              </a:rPr>
+              <a:t>nz_height</a:t>
+            </a:r>
+            <a:r>
+              <a:rPr sz="1800" dirty="0">
+                <a:latin typeface="Courier"/>
+              </a:rPr>
+              <a:t>) </a:t>
+            </a:r>
+            <a:r>
+              <a:rPr sz="1800" dirty="0">
                 <a:solidFill>
                   <a:srgbClr val="666666"/>
                 </a:solidFill>
@@ -18214,7 +19054,7 @@
               <a:t>+</a:t>
             </a:r>
             <a:r>
-              <a:rPr sz="1800">
+              <a:rPr sz="1800" dirty="0">
                 <a:solidFill>
                   <a:srgbClr val="4070A0"/>
                 </a:solidFill>
@@ -18223,7 +19063,7 @@
               <a:t> </a:t>
             </a:r>
             <a:r>
-              <a:rPr sz="1800" b="1">
+              <a:rPr sz="1800" b="1" dirty="0" err="1">
                 <a:solidFill>
                   <a:srgbClr val="007020"/>
                 </a:solidFill>
@@ -18232,13 +19072,13 @@
               <a:t>tm_symbols</a:t>
             </a:r>
             <a:r>
-              <a:rPr sz="1800">
+              <a:rPr sz="1800" dirty="0">
                 <a:latin typeface="Courier"/>
               </a:rPr>
               <a:t>(</a:t>
             </a:r>
             <a:r>
-              <a:rPr sz="1800">
+              <a:rPr sz="1800" dirty="0">
                 <a:solidFill>
                   <a:srgbClr val="902000"/>
                 </a:solidFill>
@@ -18247,13 +19087,13 @@
               <a:t>shape =</a:t>
             </a:r>
             <a:r>
-              <a:rPr sz="1800">
-                <a:latin typeface="Courier"/>
-              </a:rPr>
-              <a:t> </a:t>
-            </a:r>
-            <a:r>
-              <a:rPr sz="1800">
+              <a:rPr sz="1800" dirty="0">
+                <a:latin typeface="Courier"/>
+              </a:rPr>
+              <a:t> </a:t>
+            </a:r>
+            <a:r>
+              <a:rPr sz="1800" dirty="0">
                 <a:solidFill>
                   <a:srgbClr val="40A070"/>
                 </a:solidFill>
@@ -18262,28 +19102,37 @@
               <a:t>2</a:t>
             </a:r>
             <a:r>
-              <a:rPr sz="1800">
+              <a:rPr sz="1800" dirty="0">
                 <a:latin typeface="Courier"/>
               </a:rPr>
               <a:t>, </a:t>
             </a:r>
             <a:r>
-              <a:rPr sz="1800">
+              <a:rPr sz="1800" dirty="0" err="1">
                 <a:solidFill>
                   <a:srgbClr val="902000"/>
                 </a:solidFill>
                 <a:latin typeface="Courier"/>
               </a:rPr>
-              <a:t>col =</a:t>
-            </a:r>
-            <a:r>
-              <a:rPr sz="1800">
-                <a:latin typeface="Courier"/>
-              </a:rPr>
-              <a:t> </a:t>
-            </a:r>
-            <a:r>
-              <a:rPr sz="1800">
+              <a:t>col</a:t>
+            </a:r>
+            <a:r>
+              <a:rPr sz="1800" dirty="0">
+                <a:solidFill>
+                  <a:srgbClr val="902000"/>
+                </a:solidFill>
+                <a:latin typeface="Courier"/>
+              </a:rPr>
+              <a:t> =</a:t>
+            </a:r>
+            <a:r>
+              <a:rPr sz="1800" dirty="0">
+                <a:latin typeface="Courier"/>
+              </a:rPr>
+              <a:t> </a:t>
+            </a:r>
+            <a:r>
+              <a:rPr sz="1800" dirty="0">
                 <a:solidFill>
                   <a:srgbClr val="4070A0"/>
                 </a:solidFill>
@@ -18292,13 +19141,13 @@
               <a:t>"red"</a:t>
             </a:r>
             <a:r>
-              <a:rPr sz="1800">
+              <a:rPr sz="1800" dirty="0">
                 <a:latin typeface="Courier"/>
               </a:rPr>
               <a:t>, </a:t>
             </a:r>
             <a:r>
-              <a:rPr sz="1800">
+              <a:rPr sz="1800" dirty="0">
                 <a:solidFill>
                   <a:srgbClr val="902000"/>
                 </a:solidFill>
@@ -18307,13 +19156,13 @@
               <a:t>size =</a:t>
             </a:r>
             <a:r>
-              <a:rPr sz="1800">
-                <a:latin typeface="Courier"/>
-              </a:rPr>
-              <a:t> </a:t>
-            </a:r>
-            <a:r>
-              <a:rPr sz="1800">
+              <a:rPr sz="1800" dirty="0">
+                <a:latin typeface="Courier"/>
+              </a:rPr>
+              <a:t> </a:t>
+            </a:r>
+            <a:r>
+              <a:rPr sz="1800" dirty="0">
                 <a:solidFill>
                   <a:srgbClr val="40A070"/>
                 </a:solidFill>
@@ -18322,13 +19171,13 @@
               <a:t>1</a:t>
             </a:r>
             <a:r>
-              <a:rPr sz="1800">
+              <a:rPr sz="1800" dirty="0">
                 <a:latin typeface="Courier"/>
               </a:rPr>
               <a:t>) </a:t>
             </a:r>
             <a:r>
-              <a:rPr sz="1800">
+              <a:rPr sz="1800" dirty="0">
                 <a:solidFill>
                   <a:srgbClr val="666666"/>
                 </a:solidFill>
@@ -18337,11 +19186,14 @@
               <a:t>+</a:t>
             </a:r>
             <a:r>
+              <a:rPr dirty="0"/>
               <a:t/>
             </a:r>
-            <a:br/>
-            <a:r>
-              <a:rPr sz="1800">
+            <a:br>
+              <a:rPr dirty="0"/>
+            </a:br>
+            <a:r>
+              <a:rPr sz="1800" dirty="0">
                 <a:solidFill>
                   <a:srgbClr val="4070A0"/>
                 </a:solidFill>
@@ -18350,7 +19202,7 @@
               <a:t>  </a:t>
             </a:r>
             <a:r>
-              <a:rPr sz="1800" b="1">
+              <a:rPr sz="1800" b="1" dirty="0" err="1">
                 <a:solidFill>
                   <a:srgbClr val="007020"/>
                 </a:solidFill>
@@ -18359,13 +19211,13 @@
               <a:t>tm_scale_bar</a:t>
             </a:r>
             <a:r>
-              <a:rPr sz="1800">
+              <a:rPr sz="1800" dirty="0">
                 <a:latin typeface="Courier"/>
               </a:rPr>
               <a:t>(</a:t>
             </a:r>
             <a:r>
-              <a:rPr sz="1800">
+              <a:rPr sz="1800" dirty="0">
                 <a:solidFill>
                   <a:srgbClr val="902000"/>
                 </a:solidFill>
@@ -18374,13 +19226,13 @@
               <a:t>position =</a:t>
             </a:r>
             <a:r>
-              <a:rPr sz="1800">
-                <a:latin typeface="Courier"/>
-              </a:rPr>
-              <a:t> </a:t>
-            </a:r>
-            <a:r>
-              <a:rPr sz="1800" b="1">
+              <a:rPr sz="1800" dirty="0">
+                <a:latin typeface="Courier"/>
+              </a:rPr>
+              <a:t> </a:t>
+            </a:r>
+            <a:r>
+              <a:rPr sz="1800" b="1" dirty="0">
                 <a:solidFill>
                   <a:srgbClr val="007020"/>
                 </a:solidFill>
@@ -18389,13 +19241,13 @@
               <a:t>c</a:t>
             </a:r>
             <a:r>
-              <a:rPr sz="1800">
+              <a:rPr sz="1800" dirty="0">
                 <a:latin typeface="Courier"/>
               </a:rPr>
               <a:t>(</a:t>
             </a:r>
             <a:r>
-              <a:rPr sz="1800">
+              <a:rPr sz="1800" dirty="0">
                 <a:solidFill>
                   <a:srgbClr val="4070A0"/>
                 </a:solidFill>
@@ -18404,13 +19256,13 @@
               <a:t>"left"</a:t>
             </a:r>
             <a:r>
-              <a:rPr sz="1800">
+              <a:rPr sz="1800" dirty="0">
                 <a:latin typeface="Courier"/>
               </a:rPr>
               <a:t>, </a:t>
             </a:r>
             <a:r>
-              <a:rPr sz="1800">
+              <a:rPr sz="1800" dirty="0">
                 <a:solidFill>
                   <a:srgbClr val="4070A0"/>
                 </a:solidFill>
@@ -18419,7 +19271,7 @@
               <a:t>"bottom"</a:t>
             </a:r>
             <a:r>
-              <a:rPr sz="1800">
+              <a:rPr sz="1800" dirty="0">
                 <a:latin typeface="Courier"/>
               </a:rPr>
               <a:t>))</a:t>
@@ -18496,22 +19348,70 @@
               <a:buNone/>
             </a:pPr>
             <a:r>
-              <a:rPr/>
-              <a:t>Trzecim krokiem jest utworzenie mapy referencyjnej</a:t>
-            </a:r>
+              <a:rPr dirty="0" err="1"/>
+              <a:t>Trzecim</a:t>
+            </a:r>
+            <a:r>
+              <a:rPr dirty="0"/>
+              <a:t> </a:t>
+            </a:r>
+            <a:r>
+              <a:rPr dirty="0" err="1"/>
+              <a:t>krokiem</a:t>
+            </a:r>
+            <a:r>
+              <a:rPr dirty="0"/>
+              <a:t> jest </a:t>
+            </a:r>
+            <a:r>
+              <a:rPr dirty="0" err="1"/>
+              <a:t>utworzenie</a:t>
+            </a:r>
+            <a:r>
+              <a:rPr dirty="0"/>
+              <a:t> </a:t>
+            </a:r>
+            <a:r>
+              <a:rPr dirty="0" err="1"/>
+              <a:t>mapy</a:t>
+            </a:r>
+            <a:r>
+              <a:rPr dirty="0"/>
+              <a:t> </a:t>
+            </a:r>
+            <a:r>
+              <a:rPr dirty="0" err="1"/>
+              <a:t>referencyjnej</a:t>
+            </a:r>
+            <a:endParaRPr dirty="0"/>
           </a:p>
           <a:p>
             <a:pPr marL="1270000" lvl="0" indent="0">
               <a:buNone/>
             </a:pPr>
             <a:r>
-              <a:rPr sz="1800">
-                <a:latin typeface="Courier"/>
-              </a:rPr>
-              <a:t>nz_map =</a:t>
-            </a:r>
-            <a:r>
-              <a:rPr sz="1800">
+              <a:rPr sz="1800" dirty="0" err="1">
+                <a:latin typeface="Courier"/>
+              </a:rPr>
+              <a:t>nz_map</a:t>
+            </a:r>
+            <a:r>
+              <a:rPr sz="1800" dirty="0">
+                <a:latin typeface="Courier"/>
+              </a:rPr>
+              <a:t> </a:t>
+            </a:r>
+            <a:r>
+              <a:rPr lang="pl-PL" sz="1800" spc="-1" dirty="0" smtClean="0">
+                <a:solidFill>
+                  <a:srgbClr val="000000"/>
+                </a:solidFill>
+                <a:latin typeface="Courier New"/>
+              </a:rPr>
+              <a:t>&lt;-</a:t>
+            </a:r>
+            <a:r>
+              <a:rPr sz="1800" dirty="0" smtClean="0">
                 <a:solidFill>
                   <a:srgbClr val="4070A0"/>
                 </a:solidFill>
@@ -18520,7 +19420,7 @@
               <a:t> </a:t>
             </a:r>
             <a:r>
-              <a:rPr sz="1800" b="1">
+              <a:rPr sz="1800" b="1" dirty="0" err="1">
                 <a:solidFill>
                   <a:srgbClr val="007020"/>
                 </a:solidFill>
@@ -18529,13 +19429,25 @@
               <a:t>tm_shape</a:t>
             </a:r>
             <a:r>
-              <a:rPr sz="1800">
-                <a:latin typeface="Courier"/>
-              </a:rPr>
-              <a:t>(nz) </a:t>
-            </a:r>
-            <a:r>
-              <a:rPr sz="1800">
+              <a:rPr sz="1800" dirty="0">
+                <a:latin typeface="Courier"/>
+              </a:rPr>
+              <a:t>(</a:t>
+            </a:r>
+            <a:r>
+              <a:rPr sz="1800" dirty="0" err="1">
+                <a:latin typeface="Courier"/>
+              </a:rPr>
+              <a:t>nz</a:t>
+            </a:r>
+            <a:r>
+              <a:rPr sz="1800" dirty="0">
+                <a:latin typeface="Courier"/>
+              </a:rPr>
+              <a:t>) </a:t>
+            </a:r>
+            <a:r>
+              <a:rPr sz="1800" dirty="0">
                 <a:solidFill>
                   <a:srgbClr val="666666"/>
                 </a:solidFill>
@@ -18544,7 +19456,7 @@
               <a:t>+</a:t>
             </a:r>
             <a:r>
-              <a:rPr sz="1800">
+              <a:rPr sz="1800" dirty="0">
                 <a:solidFill>
                   <a:srgbClr val="4070A0"/>
                 </a:solidFill>
@@ -18553,7 +19465,7 @@
               <a:t> </a:t>
             </a:r>
             <a:r>
-              <a:rPr sz="1800" b="1">
+              <a:rPr sz="1800" b="1" dirty="0" err="1">
                 <a:solidFill>
                   <a:srgbClr val="007020"/>
                 </a:solidFill>
@@ -18562,13 +19474,13 @@
               <a:t>tm_polygons</a:t>
             </a:r>
             <a:r>
-              <a:rPr sz="1800">
+              <a:rPr sz="1800" dirty="0">
                 <a:latin typeface="Courier"/>
               </a:rPr>
               <a:t>() </a:t>
             </a:r>
             <a:r>
-              <a:rPr sz="1800">
+              <a:rPr sz="1800" dirty="0">
                 <a:solidFill>
                   <a:srgbClr val="666666"/>
                 </a:solidFill>
@@ -18577,11 +19489,14 @@
               <a:t>+</a:t>
             </a:r>
             <a:r>
+              <a:rPr dirty="0"/>
               <a:t/>
             </a:r>
-            <a:br/>
-            <a:r>
-              <a:rPr sz="1800">
+            <a:br>
+              <a:rPr dirty="0"/>
+            </a:br>
+            <a:r>
+              <a:rPr sz="1800" dirty="0">
                 <a:solidFill>
                   <a:srgbClr val="4070A0"/>
                 </a:solidFill>
@@ -18590,7 +19505,7 @@
               <a:t>  </a:t>
             </a:r>
             <a:r>
-              <a:rPr sz="1800" b="1">
+              <a:rPr sz="1800" b="1" dirty="0" err="1">
                 <a:solidFill>
                   <a:srgbClr val="007020"/>
                 </a:solidFill>
@@ -18599,13 +19514,25 @@
               <a:t>tm_shape</a:t>
             </a:r>
             <a:r>
-              <a:rPr sz="1800">
-                <a:latin typeface="Courier"/>
-              </a:rPr>
-              <a:t>(nz_height) </a:t>
-            </a:r>
-            <a:r>
-              <a:rPr sz="1800">
+              <a:rPr sz="1800" dirty="0">
+                <a:latin typeface="Courier"/>
+              </a:rPr>
+              <a:t>(</a:t>
+            </a:r>
+            <a:r>
+              <a:rPr sz="1800" dirty="0" err="1">
+                <a:latin typeface="Courier"/>
+              </a:rPr>
+              <a:t>nz_height</a:t>
+            </a:r>
+            <a:r>
+              <a:rPr sz="1800" dirty="0">
+                <a:latin typeface="Courier"/>
+              </a:rPr>
+              <a:t>) </a:t>
+            </a:r>
+            <a:r>
+              <a:rPr sz="1800" dirty="0">
                 <a:solidFill>
                   <a:srgbClr val="666666"/>
                 </a:solidFill>
@@ -18614,7 +19541,7 @@
               <a:t>+</a:t>
             </a:r>
             <a:r>
-              <a:rPr sz="1800">
+              <a:rPr sz="1800" dirty="0">
                 <a:solidFill>
                   <a:srgbClr val="4070A0"/>
                 </a:solidFill>
@@ -18623,7 +19550,7 @@
               <a:t> </a:t>
             </a:r>
             <a:r>
-              <a:rPr sz="1800" b="1">
+              <a:rPr sz="1800" b="1" dirty="0" err="1">
                 <a:solidFill>
                   <a:srgbClr val="007020"/>
                 </a:solidFill>
@@ -18632,13 +19559,13 @@
               <a:t>tm_symbols</a:t>
             </a:r>
             <a:r>
-              <a:rPr sz="1800">
+              <a:rPr sz="1800" dirty="0">
                 <a:latin typeface="Courier"/>
               </a:rPr>
               <a:t>(</a:t>
             </a:r>
             <a:r>
-              <a:rPr sz="1800">
+              <a:rPr sz="1800" dirty="0">
                 <a:solidFill>
                   <a:srgbClr val="902000"/>
                 </a:solidFill>
@@ -18647,13 +19574,13 @@
               <a:t>shape =</a:t>
             </a:r>
             <a:r>
-              <a:rPr sz="1800">
-                <a:latin typeface="Courier"/>
-              </a:rPr>
-              <a:t> </a:t>
-            </a:r>
-            <a:r>
-              <a:rPr sz="1800">
+              <a:rPr sz="1800" dirty="0">
+                <a:latin typeface="Courier"/>
+              </a:rPr>
+              <a:t> </a:t>
+            </a:r>
+            <a:r>
+              <a:rPr sz="1800" dirty="0">
                 <a:solidFill>
                   <a:srgbClr val="40A070"/>
                 </a:solidFill>
@@ -18662,28 +19589,37 @@
               <a:t>2</a:t>
             </a:r>
             <a:r>
-              <a:rPr sz="1800">
+              <a:rPr sz="1800" dirty="0">
                 <a:latin typeface="Courier"/>
               </a:rPr>
               <a:t>, </a:t>
             </a:r>
             <a:r>
-              <a:rPr sz="1800">
+              <a:rPr sz="1800" dirty="0" err="1">
                 <a:solidFill>
                   <a:srgbClr val="902000"/>
                 </a:solidFill>
                 <a:latin typeface="Courier"/>
               </a:rPr>
-              <a:t>col =</a:t>
-            </a:r>
-            <a:r>
-              <a:rPr sz="1800">
-                <a:latin typeface="Courier"/>
-              </a:rPr>
-              <a:t> </a:t>
-            </a:r>
-            <a:r>
-              <a:rPr sz="1800">
+              <a:t>col</a:t>
+            </a:r>
+            <a:r>
+              <a:rPr sz="1800" dirty="0">
+                <a:solidFill>
+                  <a:srgbClr val="902000"/>
+                </a:solidFill>
+                <a:latin typeface="Courier"/>
+              </a:rPr>
+              <a:t> =</a:t>
+            </a:r>
+            <a:r>
+              <a:rPr sz="1800" dirty="0">
+                <a:latin typeface="Courier"/>
+              </a:rPr>
+              <a:t> </a:t>
+            </a:r>
+            <a:r>
+              <a:rPr sz="1800" dirty="0">
                 <a:solidFill>
                   <a:srgbClr val="4070A0"/>
                 </a:solidFill>
@@ -18692,13 +19628,13 @@
               <a:t>"red"</a:t>
             </a:r>
             <a:r>
-              <a:rPr sz="1800">
+              <a:rPr sz="1800" dirty="0">
                 <a:latin typeface="Courier"/>
               </a:rPr>
               <a:t>, </a:t>
             </a:r>
             <a:r>
-              <a:rPr sz="1800">
+              <a:rPr sz="1800" dirty="0">
                 <a:solidFill>
                   <a:srgbClr val="902000"/>
                 </a:solidFill>
@@ -18707,13 +19643,13 @@
               <a:t>size =</a:t>
             </a:r>
             <a:r>
-              <a:rPr sz="1800">
-                <a:latin typeface="Courier"/>
-              </a:rPr>
-              <a:t> </a:t>
-            </a:r>
-            <a:r>
-              <a:rPr sz="1800">
+              <a:rPr sz="1800" dirty="0">
+                <a:latin typeface="Courier"/>
+              </a:rPr>
+              <a:t> </a:t>
+            </a:r>
+            <a:r>
+              <a:rPr sz="1800" dirty="0">
                 <a:solidFill>
                   <a:srgbClr val="40A070"/>
                 </a:solidFill>
@@ -18722,13 +19658,13 @@
               <a:t>0.1</a:t>
             </a:r>
             <a:r>
-              <a:rPr sz="1800">
+              <a:rPr sz="1800" dirty="0">
                 <a:latin typeface="Courier"/>
               </a:rPr>
               <a:t>) </a:t>
             </a:r>
             <a:r>
-              <a:rPr sz="1800">
+              <a:rPr sz="1800" dirty="0">
                 <a:solidFill>
                   <a:srgbClr val="666666"/>
                 </a:solidFill>
@@ -18737,7 +19673,7 @@
               <a:t>+</a:t>
             </a:r>
             <a:r>
-              <a:rPr sz="1800">
+              <a:rPr sz="1800" dirty="0">
                 <a:solidFill>
                   <a:srgbClr val="4070A0"/>
                 </a:solidFill>
@@ -18746,11 +19682,14 @@
               <a:t> </a:t>
             </a:r>
             <a:r>
+              <a:rPr dirty="0"/>
               <a:t/>
             </a:r>
-            <a:br/>
-            <a:r>
-              <a:rPr sz="1800">
+            <a:br>
+              <a:rPr dirty="0"/>
+            </a:br>
+            <a:r>
+              <a:rPr sz="1800" dirty="0">
                 <a:solidFill>
                   <a:srgbClr val="4070A0"/>
                 </a:solidFill>
@@ -18759,7 +19698,7 @@
               <a:t>  </a:t>
             </a:r>
             <a:r>
-              <a:rPr sz="1800" b="1">
+              <a:rPr sz="1800" b="1" dirty="0" err="1">
                 <a:solidFill>
                   <a:srgbClr val="007020"/>
                 </a:solidFill>
@@ -18768,13 +19707,25 @@
               <a:t>tm_shape</a:t>
             </a:r>
             <a:r>
-              <a:rPr sz="1800">
-                <a:latin typeface="Courier"/>
-              </a:rPr>
-              <a:t>(nz_region) </a:t>
-            </a:r>
-            <a:r>
-              <a:rPr sz="1800">
+              <a:rPr sz="1800" dirty="0">
+                <a:latin typeface="Courier"/>
+              </a:rPr>
+              <a:t>(</a:t>
+            </a:r>
+            <a:r>
+              <a:rPr sz="1800" dirty="0" err="1">
+                <a:latin typeface="Courier"/>
+              </a:rPr>
+              <a:t>nz_region</a:t>
+            </a:r>
+            <a:r>
+              <a:rPr sz="1800" dirty="0">
+                <a:latin typeface="Courier"/>
+              </a:rPr>
+              <a:t>) </a:t>
+            </a:r>
+            <a:r>
+              <a:rPr sz="1800" dirty="0">
                 <a:solidFill>
                   <a:srgbClr val="666666"/>
                 </a:solidFill>
@@ -18783,7 +19734,7 @@
               <a:t>+</a:t>
             </a:r>
             <a:r>
-              <a:rPr sz="1800">
+              <a:rPr sz="1800" dirty="0">
                 <a:solidFill>
                   <a:srgbClr val="4070A0"/>
                 </a:solidFill>
@@ -18792,7 +19743,7 @@
               <a:t> </a:t>
             </a:r>
             <a:r>
-              <a:rPr sz="1800" b="1">
+              <a:rPr sz="1800" b="1" dirty="0" err="1">
                 <a:solidFill>
                   <a:srgbClr val="007020"/>
                 </a:solidFill>
@@ -18801,28 +19752,37 @@
               <a:t>tm_borders</a:t>
             </a:r>
             <a:r>
-              <a:rPr sz="1800">
+              <a:rPr sz="1800" dirty="0">
                 <a:latin typeface="Courier"/>
               </a:rPr>
               <a:t>(</a:t>
             </a:r>
             <a:r>
-              <a:rPr sz="1800">
+              <a:rPr sz="1800" dirty="0" err="1">
                 <a:solidFill>
                   <a:srgbClr val="902000"/>
                 </a:solidFill>
                 <a:latin typeface="Courier"/>
               </a:rPr>
-              <a:t>lwd =</a:t>
-            </a:r>
-            <a:r>
-              <a:rPr sz="1800">
-                <a:latin typeface="Courier"/>
-              </a:rPr>
-              <a:t> </a:t>
-            </a:r>
-            <a:r>
-              <a:rPr sz="1800">
+              <a:t>lwd</a:t>
+            </a:r>
+            <a:r>
+              <a:rPr sz="1800" dirty="0">
+                <a:solidFill>
+                  <a:srgbClr val="902000"/>
+                </a:solidFill>
+                <a:latin typeface="Courier"/>
+              </a:rPr>
+              <a:t> =</a:t>
+            </a:r>
+            <a:r>
+              <a:rPr sz="1800" dirty="0">
+                <a:latin typeface="Courier"/>
+              </a:rPr>
+              <a:t> </a:t>
+            </a:r>
+            <a:r>
+              <a:rPr sz="1800" dirty="0">
                 <a:solidFill>
                   <a:srgbClr val="40A070"/>
                 </a:solidFill>
@@ -18831,7 +19791,7 @@
               <a:t>3</a:t>
             </a:r>
             <a:r>
-              <a:rPr sz="1800">
+              <a:rPr sz="1800" dirty="0">
                 <a:latin typeface="Courier"/>
               </a:rPr>
               <a:t>) </a:t>
@@ -19626,7 +20586,7 @@
               <a:buNone/>
             </a:pPr>
             <a:r>
-              <a:rPr sz="1800" b="1">
+              <a:rPr sz="1800" b="1" dirty="0" err="1">
                 <a:solidFill>
                   <a:srgbClr val="007020"/>
                 </a:solidFill>
@@ -19635,13 +20595,13 @@
               <a:t>tmap_mode</a:t>
             </a:r>
             <a:r>
-              <a:rPr sz="1800">
+              <a:rPr sz="1800" dirty="0">
                 <a:latin typeface="Courier"/>
               </a:rPr>
               <a:t>(</a:t>
             </a:r>
             <a:r>
-              <a:rPr sz="1800">
+              <a:rPr sz="1800" dirty="0">
                 <a:solidFill>
                   <a:srgbClr val="4070A0"/>
                 </a:solidFill>
@@ -19650,23 +20610,41 @@
               <a:t>'view'</a:t>
             </a:r>
             <a:r>
-              <a:rPr sz="1800">
+              <a:rPr sz="1800" dirty="0">
                 <a:latin typeface="Courier"/>
               </a:rPr>
               <a:t>)</a:t>
             </a:r>
             <a:r>
+              <a:rPr dirty="0"/>
               <a:t/>
             </a:r>
-            <a:br/>
-            <a:r>
-              <a:rPr sz="1800">
-                <a:latin typeface="Courier"/>
-              </a:rPr>
-              <a:t>world_coffee =</a:t>
-            </a:r>
-            <a:r>
-              <a:rPr sz="1800">
+            <a:br>
+              <a:rPr dirty="0"/>
+            </a:br>
+            <a:r>
+              <a:rPr sz="1800" dirty="0" err="1">
+                <a:latin typeface="Courier"/>
+              </a:rPr>
+              <a:t>world_coffee</a:t>
+            </a:r>
+            <a:r>
+              <a:rPr sz="1800" dirty="0">
+                <a:latin typeface="Courier"/>
+              </a:rPr>
+              <a:t> </a:t>
+            </a:r>
+            <a:r>
+              <a:rPr lang="pl-PL" sz="1800" spc="-1" dirty="0" smtClean="0">
+                <a:solidFill>
+                  <a:srgbClr val="000000"/>
+                </a:solidFill>
+                <a:latin typeface="Courier New"/>
+              </a:rPr>
+              <a:t>&lt;-</a:t>
+            </a:r>
+            <a:r>
+              <a:rPr sz="1800" dirty="0" smtClean="0">
                 <a:solidFill>
                   <a:srgbClr val="4070A0"/>
                 </a:solidFill>
@@ -19675,7 +20653,7 @@
               <a:t> </a:t>
             </a:r>
             <a:r>
-              <a:rPr sz="1800" b="1">
+              <a:rPr sz="1800" b="1" dirty="0" err="1">
                 <a:solidFill>
                   <a:srgbClr val="007020"/>
                 </a:solidFill>
@@ -19684,13 +20662,25 @@
               <a:t>left_join</a:t>
             </a:r>
             <a:r>
-              <a:rPr sz="1800">
-                <a:latin typeface="Courier"/>
-              </a:rPr>
-              <a:t>(world, coffee_data, </a:t>
-            </a:r>
-            <a:r>
-              <a:rPr sz="1800">
+              <a:rPr sz="1800" dirty="0">
+                <a:latin typeface="Courier"/>
+              </a:rPr>
+              <a:t>(world, </a:t>
+            </a:r>
+            <a:r>
+              <a:rPr sz="1800" dirty="0" err="1">
+                <a:latin typeface="Courier"/>
+              </a:rPr>
+              <a:t>coffee_data</a:t>
+            </a:r>
+            <a:r>
+              <a:rPr sz="1800" dirty="0">
+                <a:latin typeface="Courier"/>
+              </a:rPr>
+              <a:t>, </a:t>
+            </a:r>
+            <a:r>
+              <a:rPr sz="1800" dirty="0">
                 <a:solidFill>
                   <a:srgbClr val="902000"/>
                 </a:solidFill>
@@ -19699,38 +20689,68 @@
               <a:t>by =</a:t>
             </a:r>
             <a:r>
-              <a:rPr sz="1800">
-                <a:latin typeface="Courier"/>
-              </a:rPr>
-              <a:t> </a:t>
-            </a:r>
-            <a:r>
-              <a:rPr sz="1800">
+              <a:rPr sz="1800" dirty="0">
+                <a:latin typeface="Courier"/>
+              </a:rPr>
+              <a:t> </a:t>
+            </a:r>
+            <a:r>
+              <a:rPr sz="1800" dirty="0">
                 <a:solidFill>
                   <a:srgbClr val="4070A0"/>
                 </a:solidFill>
                 <a:latin typeface="Courier"/>
               </a:rPr>
-              <a:t>"name_long"</a:t>
-            </a:r>
-            <a:r>
-              <a:rPr sz="1800">
+              <a:t>"</a:t>
+            </a:r>
+            <a:r>
+              <a:rPr sz="1800" dirty="0" err="1">
+                <a:solidFill>
+                  <a:srgbClr val="4070A0"/>
+                </a:solidFill>
+                <a:latin typeface="Courier"/>
+              </a:rPr>
+              <a:t>name_long</a:t>
+            </a:r>
+            <a:r>
+              <a:rPr sz="1800" dirty="0">
+                <a:solidFill>
+                  <a:srgbClr val="4070A0"/>
+                </a:solidFill>
+                <a:latin typeface="Courier"/>
+              </a:rPr>
+              <a:t>"</a:t>
+            </a:r>
+            <a:r>
+              <a:rPr sz="1800" dirty="0">
                 <a:latin typeface="Courier"/>
               </a:rPr>
               <a:t>)</a:t>
             </a:r>
             <a:r>
+              <a:rPr dirty="0"/>
               <a:t/>
             </a:r>
-            <a:br/>
-            <a:r>
-              <a:rPr sz="1800">
-                <a:latin typeface="Courier"/>
-              </a:rPr>
-              <a:t>facets =</a:t>
-            </a:r>
-            <a:r>
-              <a:rPr sz="1800">
+            <a:br>
+              <a:rPr dirty="0"/>
+            </a:br>
+            <a:r>
+              <a:rPr sz="1800" dirty="0">
+                <a:latin typeface="Courier"/>
+              </a:rPr>
+              <a:t>facets </a:t>
+            </a:r>
+            <a:r>
+              <a:rPr lang="pl-PL" sz="1800" spc="-1" dirty="0" smtClean="0">
+                <a:solidFill>
+                  <a:srgbClr val="000000"/>
+                </a:solidFill>
+                <a:latin typeface="Courier New"/>
+              </a:rPr>
+              <a:t>&lt;-</a:t>
+            </a:r>
+            <a:r>
+              <a:rPr sz="1800" dirty="0" smtClean="0">
                 <a:solidFill>
                   <a:srgbClr val="4070A0"/>
                 </a:solidFill>
@@ -19739,7 +20759,7 @@
               <a:t> </a:t>
             </a:r>
             <a:r>
-              <a:rPr sz="1800" b="1">
+              <a:rPr sz="1800" b="1" dirty="0">
                 <a:solidFill>
                   <a:srgbClr val="007020"/>
                 </a:solidFill>
@@ -19748,13 +20768,13 @@
               <a:t>c</a:t>
             </a:r>
             <a:r>
-              <a:rPr sz="1800">
+              <a:rPr sz="1800" dirty="0">
                 <a:latin typeface="Courier"/>
               </a:rPr>
               <a:t>(</a:t>
             </a:r>
             <a:r>
-              <a:rPr sz="1800">
+              <a:rPr sz="1800" dirty="0">
                 <a:solidFill>
                   <a:srgbClr val="4070A0"/>
                 </a:solidFill>
@@ -19763,13 +20783,13 @@
               <a:t>"coffee_production_2016"</a:t>
             </a:r>
             <a:r>
-              <a:rPr sz="1800">
+              <a:rPr sz="1800" dirty="0">
                 <a:latin typeface="Courier"/>
               </a:rPr>
               <a:t>, </a:t>
             </a:r>
             <a:r>
-              <a:rPr sz="1800">
+              <a:rPr sz="1800" dirty="0">
                 <a:solidFill>
                   <a:srgbClr val="4070A0"/>
                 </a:solidFill>
@@ -19778,17 +20798,20 @@
               <a:t>"coffee_production_2017"</a:t>
             </a:r>
             <a:r>
-              <a:rPr sz="1800">
+              <a:rPr sz="1800" dirty="0">
                 <a:latin typeface="Courier"/>
               </a:rPr>
               <a:t>)</a:t>
             </a:r>
             <a:r>
+              <a:rPr dirty="0"/>
               <a:t/>
             </a:r>
-            <a:br/>
-            <a:r>
-              <a:rPr sz="1800" b="1">
+            <a:br>
+              <a:rPr dirty="0"/>
+            </a:br>
+            <a:r>
+              <a:rPr sz="1800" b="1" dirty="0" err="1">
                 <a:solidFill>
                   <a:srgbClr val="007020"/>
                 </a:solidFill>
@@ -19797,13 +20820,25 @@
               <a:t>tm_shape</a:t>
             </a:r>
             <a:r>
-              <a:rPr sz="1800">
-                <a:latin typeface="Courier"/>
-              </a:rPr>
-              <a:t>(world_coffee) </a:t>
-            </a:r>
-            <a:r>
-              <a:rPr sz="1800">
+              <a:rPr sz="1800" dirty="0">
+                <a:latin typeface="Courier"/>
+              </a:rPr>
+              <a:t>(</a:t>
+            </a:r>
+            <a:r>
+              <a:rPr sz="1800" dirty="0" err="1">
+                <a:latin typeface="Courier"/>
+              </a:rPr>
+              <a:t>world_coffee</a:t>
+            </a:r>
+            <a:r>
+              <a:rPr sz="1800" dirty="0">
+                <a:latin typeface="Courier"/>
+              </a:rPr>
+              <a:t>) </a:t>
+            </a:r>
+            <a:r>
+              <a:rPr sz="1800" dirty="0">
                 <a:solidFill>
                   <a:srgbClr val="666666"/>
                 </a:solidFill>
@@ -19812,7 +20847,7 @@
               <a:t>+</a:t>
             </a:r>
             <a:r>
-              <a:rPr sz="1800">
+              <a:rPr sz="1800" dirty="0">
                 <a:solidFill>
                   <a:srgbClr val="4070A0"/>
                 </a:solidFill>
@@ -19821,7 +20856,7 @@
               <a:t> </a:t>
             </a:r>
             <a:r>
-              <a:rPr sz="1800" b="1">
+              <a:rPr sz="1800" b="1" dirty="0" err="1">
                 <a:solidFill>
                   <a:srgbClr val="007020"/>
                 </a:solidFill>
@@ -19830,13 +20865,13 @@
               <a:t>tm_polygons</a:t>
             </a:r>
             <a:r>
-              <a:rPr sz="1800">
+              <a:rPr sz="1800" dirty="0">
                 <a:latin typeface="Courier"/>
               </a:rPr>
               <a:t>(facets) </a:t>
             </a:r>
             <a:r>
-              <a:rPr sz="1800">
+              <a:rPr sz="1800" dirty="0">
                 <a:solidFill>
                   <a:srgbClr val="666666"/>
                 </a:solidFill>
@@ -19845,7 +20880,7 @@
               <a:t>+</a:t>
             </a:r>
             <a:r>
-              <a:rPr sz="1800">
+              <a:rPr sz="1800" dirty="0">
                 <a:solidFill>
                   <a:srgbClr val="4070A0"/>
                 </a:solidFill>
@@ -19854,11 +20889,14 @@
               <a:t> </a:t>
             </a:r>
             <a:r>
+              <a:rPr dirty="0"/>
               <a:t/>
             </a:r>
-            <a:br/>
-            <a:r>
-              <a:rPr sz="1800">
+            <a:br>
+              <a:rPr dirty="0"/>
+            </a:br>
+            <a:r>
+              <a:rPr sz="1800" dirty="0">
                 <a:solidFill>
                   <a:srgbClr val="4070A0"/>
                 </a:solidFill>
@@ -19867,7 +20905,7 @@
               <a:t>  </a:t>
             </a:r>
             <a:r>
-              <a:rPr sz="1800" b="1">
+              <a:rPr sz="1800" b="1" dirty="0" err="1">
                 <a:solidFill>
                   <a:srgbClr val="007020"/>
                 </a:solidFill>
@@ -19876,28 +20914,37 @@
               <a:t>tm_facets</a:t>
             </a:r>
             <a:r>
-              <a:rPr sz="1800">
+              <a:rPr sz="1800" dirty="0">
                 <a:latin typeface="Courier"/>
               </a:rPr>
               <a:t>(</a:t>
             </a:r>
             <a:r>
-              <a:rPr sz="1800">
+              <a:rPr sz="1800" dirty="0" err="1">
                 <a:solidFill>
                   <a:srgbClr val="902000"/>
                 </a:solidFill>
                 <a:latin typeface="Courier"/>
               </a:rPr>
-              <a:t>nrow =</a:t>
-            </a:r>
-            <a:r>
-              <a:rPr sz="1800">
-                <a:latin typeface="Courier"/>
-              </a:rPr>
-              <a:t> </a:t>
-            </a:r>
-            <a:r>
-              <a:rPr sz="1800">
+              <a:t>nrow</a:t>
+            </a:r>
+            <a:r>
+              <a:rPr sz="1800" dirty="0">
+                <a:solidFill>
+                  <a:srgbClr val="902000"/>
+                </a:solidFill>
+                <a:latin typeface="Courier"/>
+              </a:rPr>
+              <a:t> =</a:t>
+            </a:r>
+            <a:r>
+              <a:rPr sz="1800" dirty="0">
+                <a:latin typeface="Courier"/>
+              </a:rPr>
+              <a:t> </a:t>
+            </a:r>
+            <a:r>
+              <a:rPr sz="1800" dirty="0">
                 <a:solidFill>
                   <a:srgbClr val="40A070"/>
                 </a:solidFill>
@@ -19906,13 +20953,13 @@
               <a:t>1</a:t>
             </a:r>
             <a:r>
-              <a:rPr sz="1800">
+              <a:rPr sz="1800" dirty="0">
                 <a:latin typeface="Courier"/>
               </a:rPr>
               <a:t>, </a:t>
             </a:r>
             <a:r>
-              <a:rPr sz="1800">
+              <a:rPr sz="1800" dirty="0">
                 <a:solidFill>
                   <a:srgbClr val="902000"/>
                 </a:solidFill>
@@ -19921,13 +20968,13 @@
               <a:t>sync =</a:t>
             </a:r>
             <a:r>
-              <a:rPr sz="1800">
-                <a:latin typeface="Courier"/>
-              </a:rPr>
-              <a:t> </a:t>
-            </a:r>
-            <a:r>
-              <a:rPr sz="1800">
+              <a:rPr sz="1800" dirty="0">
+                <a:latin typeface="Courier"/>
+              </a:rPr>
+              <a:t> </a:t>
+            </a:r>
+            <a:r>
+              <a:rPr sz="1800" dirty="0">
                 <a:solidFill>
                   <a:srgbClr val="007020"/>
                 </a:solidFill>
@@ -19936,7 +20983,7 @@
               <a:t>TRUE</a:t>
             </a:r>
             <a:r>
-              <a:rPr sz="1800">
+              <a:rPr sz="1800" dirty="0">
                 <a:latin typeface="Courier"/>
               </a:rPr>
               <a:t>)</a:t>
@@ -20301,7 +21348,7 @@
     </p:spTree>
     <p:extLst>
       <p:ext uri="{BB962C8B-B14F-4D97-AF65-F5344CB8AC3E}">
-        <p14:creationId xmlns:p14="http://schemas.microsoft.com/office/powerpoint/2010/main" val="3745657906"/>
+        <p14:creationId xmlns:p14="http://schemas.microsoft.com/office/powerpoint/2010/main" xmlns="" val="3745657906"/>
       </p:ext>
     </p:extLst>
   </p:cSld>
@@ -20586,7 +21633,20 @@
             </a:r>
             <a:r>
               <a:rPr lang="pl-PL" dirty="0" smtClean="0"/>
-              <a:t> = </a:t>
+              <a:t> </a:t>
+            </a:r>
+            <a:r>
+              <a:rPr lang="pl-PL" spc="-1" dirty="0" smtClean="0">
+                <a:solidFill>
+                  <a:srgbClr val="000000"/>
+                </a:solidFill>
+                <a:latin typeface="Courier New"/>
+              </a:rPr>
+              <a:t>&lt;-</a:t>
+            </a:r>
+            <a:r>
+              <a:rPr lang="pl-PL" dirty="0" smtClean="0"/>
+              <a:t> </a:t>
             </a:r>
             <a:r>
               <a:rPr lang="pl-PL" b="1" dirty="0" err="1" smtClean="0"/>
@@ -20612,7 +21672,20 @@
             </a:r>
             <a:r>
               <a:rPr lang="pl-PL" dirty="0" smtClean="0"/>
-              <a:t> = </a:t>
+              <a:t> </a:t>
+            </a:r>
+            <a:r>
+              <a:rPr lang="pl-PL" spc="-1" dirty="0" smtClean="0">
+                <a:solidFill>
+                  <a:srgbClr val="000000"/>
+                </a:solidFill>
+                <a:latin typeface="Courier New"/>
+              </a:rPr>
+              <a:t>&lt;-</a:t>
+            </a:r>
+            <a:r>
+              <a:rPr lang="pl-PL" dirty="0" smtClean="0"/>
+              <a:t> </a:t>
             </a:r>
             <a:r>
               <a:rPr lang="pl-PL" b="1" dirty="0" err="1" smtClean="0"/>
@@ -20837,7 +21910,24 @@
             </a:r>
             <a:r>
               <a:rPr lang="en-US" dirty="0" smtClean="0"/>
-              <a:t> = world[</a:t>
+              <a:t> </a:t>
+            </a:r>
+            <a:r>
+              <a:rPr lang="pl-PL" spc="-1" dirty="0" smtClean="0">
+                <a:solidFill>
+                  <a:srgbClr val="000000"/>
+                </a:solidFill>
+                <a:latin typeface="Courier New"/>
+              </a:rPr>
+              <a:t>&lt;-</a:t>
+            </a:r>
+            <a:r>
+              <a:rPr lang="en-US" dirty="0" smtClean="0"/>
+              <a:t> </a:t>
+            </a:r>
+            <a:r>
+              <a:rPr lang="en-US" dirty="0" smtClean="0"/>
+              <a:t>world[</a:t>
             </a:r>
             <a:r>
               <a:rPr lang="en-US" dirty="0" err="1" smtClean="0"/>
@@ -20879,7 +21969,20 @@
             </a:r>
             <a:r>
               <a:rPr lang="en-US" dirty="0" smtClean="0"/>
-              <a:t> = </a:t>
+              <a:t> </a:t>
+            </a:r>
+            <a:r>
+              <a:rPr lang="pl-PL" spc="-1" dirty="0" smtClean="0">
+                <a:solidFill>
+                  <a:srgbClr val="000000"/>
+                </a:solidFill>
+                <a:latin typeface="Courier New"/>
+              </a:rPr>
+              <a:t>&lt;-</a:t>
+            </a:r>
+            <a:r>
+              <a:rPr lang="en-US" dirty="0" smtClean="0"/>
+              <a:t> </a:t>
             </a:r>
             <a:r>
               <a:rPr lang="en-US" b="1" dirty="0" err="1" smtClean="0"/>
@@ -21102,7 +22205,20 @@
             </a:r>
             <a:r>
               <a:rPr lang="pl-PL" dirty="0" smtClean="0"/>
-              <a:t> = </a:t>
+              <a:t> </a:t>
+            </a:r>
+            <a:r>
+              <a:rPr lang="pl-PL" spc="-1" dirty="0" smtClean="0">
+                <a:solidFill>
+                  <a:srgbClr val="000000"/>
+                </a:solidFill>
+                <a:latin typeface="Courier New"/>
+              </a:rPr>
+              <a:t>&lt;-</a:t>
+            </a:r>
+            <a:r>
+              <a:rPr lang="pl-PL" dirty="0" smtClean="0"/>
+              <a:t> </a:t>
             </a:r>
             <a:r>
               <a:rPr lang="pl-PL" b="1" dirty="0" err="1" smtClean="0"/>
@@ -21128,7 +22244,20 @@
             </a:r>
             <a:r>
               <a:rPr lang="pl-PL" dirty="0" smtClean="0"/>
-              <a:t> = </a:t>
+              <a:t> </a:t>
+            </a:r>
+            <a:r>
+              <a:rPr lang="pl-PL" spc="-1" dirty="0" smtClean="0">
+                <a:solidFill>
+                  <a:srgbClr val="000000"/>
+                </a:solidFill>
+                <a:latin typeface="Courier New"/>
+              </a:rPr>
+              <a:t>&lt;-</a:t>
+            </a:r>
+            <a:r>
+              <a:rPr lang="pl-PL" dirty="0" smtClean="0"/>
+              <a:t> </a:t>
             </a:r>
             <a:r>
               <a:rPr lang="pl-PL" b="1" dirty="0" err="1" smtClean="0"/>
@@ -21154,7 +22283,20 @@
             </a:r>
             <a:r>
               <a:rPr lang="pl-PL" dirty="0" smtClean="0"/>
-              <a:t> = </a:t>
+              <a:t> </a:t>
+            </a:r>
+            <a:r>
+              <a:rPr lang="pl-PL" spc="-1" dirty="0" smtClean="0">
+                <a:solidFill>
+                  <a:srgbClr val="000000"/>
+                </a:solidFill>
+                <a:latin typeface="Courier New"/>
+              </a:rPr>
+              <a:t>&lt;-</a:t>
+            </a:r>
+            <a:r>
+              <a:rPr lang="pl-PL" dirty="0" smtClean="0"/>
+              <a:t> </a:t>
             </a:r>
             <a:r>
               <a:rPr lang="pl-PL" b="1" dirty="0" err="1" smtClean="0"/>
@@ -21218,7 +22360,20 @@
           <a:p>
             <a:r>
               <a:rPr lang="en-US" dirty="0" smtClean="0"/>
-              <a:t>z = </a:t>
+              <a:t>z </a:t>
+            </a:r>
+            <a:r>
+              <a:rPr lang="pl-PL" spc="-1" smtClean="0">
+                <a:solidFill>
+                  <a:srgbClr val="000000"/>
+                </a:solidFill>
+                <a:latin typeface="Courier New"/>
+              </a:rPr>
+              <a:t>&lt;-</a:t>
+            </a:r>
+            <a:r>
+              <a:rPr lang="en-US" smtClean="0"/>
+              <a:t> </a:t>
             </a:r>
             <a:r>
               <a:rPr lang="en-US" b="1" dirty="0" err="1" smtClean="0"/>
@@ -21309,7 +22464,7 @@
           <a:effectLst/>
           <a:extLst>
             <a:ext uri="{91240B29-F687-4F45-9708-019B960494DF}">
-              <a14:hiddenLine xmlns:a14="http://schemas.microsoft.com/office/drawing/2010/main" w="12700">
+              <a14:hiddenLine xmlns:a14="http://schemas.microsoft.com/office/drawing/2010/main" xmlns="" w="12700">
                 <a:solidFill>
                   <a:schemeClr val="tx1"/>
                 </a:solidFill>
@@ -21319,7 +22474,7 @@
               </a14:hiddenLine>
             </a:ext>
             <a:ext uri="{AF507438-7753-43E0-B8FC-AC1667EBCBE1}">
-              <a14:hiddenEffects xmlns:a14="http://schemas.microsoft.com/office/drawing/2010/main">
+              <a14:hiddenEffects xmlns:a14="http://schemas.microsoft.com/office/drawing/2010/main" xmlns="">
                 <a:effectLst>
                   <a:outerShdw dist="35921" dir="2700000" algn="ctr" rotWithShape="0">
                     <a:schemeClr val="bg2"/>
@@ -21534,14 +22689,14 @@
           </a:ln>
           <a:extLst>
             <a:ext uri="{909E8E84-426E-40DD-AFC4-6F175D3DCCD1}">
-              <a14:hiddenFill xmlns:a14="http://schemas.microsoft.com/office/drawing/2010/main">
+              <a14:hiddenFill xmlns:a14="http://schemas.microsoft.com/office/drawing/2010/main" xmlns="">
                 <a:solidFill>
                   <a:srgbClr val="FFFFFF"/>
                 </a:solidFill>
               </a14:hiddenFill>
             </a:ext>
             <a:ext uri="{91240B29-F687-4F45-9708-019B960494DF}">
-              <a14:hiddenLine xmlns:a14="http://schemas.microsoft.com/office/drawing/2010/main" w="9525">
+              <a14:hiddenLine xmlns:a14="http://schemas.microsoft.com/office/drawing/2010/main" xmlns="" w="9525">
                 <a:solidFill>
                   <a:srgbClr val="000000"/>
                 </a:solidFill>
@@ -21909,7 +23064,7 @@
     </p:spTree>
     <p:extLst>
       <p:ext uri="{BB962C8B-B14F-4D97-AF65-F5344CB8AC3E}">
-        <p14:creationId xmlns:p14="http://schemas.microsoft.com/office/powerpoint/2010/main" val="3745657906"/>
+        <p14:creationId xmlns:p14="http://schemas.microsoft.com/office/powerpoint/2010/main" xmlns="" val="3745657906"/>
       </p:ext>
     </p:extLst>
   </p:cSld>
@@ -22062,7 +23217,7 @@
     </p:spTree>
     <p:extLst>
       <p:ext uri="{BB962C8B-B14F-4D97-AF65-F5344CB8AC3E}">
-        <p14:creationId xmlns:p14="http://schemas.microsoft.com/office/powerpoint/2010/main" val="847686864"/>
+        <p14:creationId xmlns:p14="http://schemas.microsoft.com/office/powerpoint/2010/main" xmlns="" val="847686864"/>
       </p:ext>
     </p:extLst>
   </p:cSld>
@@ -22198,7 +23353,7 @@
     </p:spTree>
     <p:extLst>
       <p:ext uri="{BB962C8B-B14F-4D97-AF65-F5344CB8AC3E}">
-        <p14:creationId xmlns:p14="http://schemas.microsoft.com/office/powerpoint/2010/main" val="1789732374"/>
+        <p14:creationId xmlns:p14="http://schemas.microsoft.com/office/powerpoint/2010/main" xmlns="" val="1789732374"/>
       </p:ext>
     </p:extLst>
   </p:cSld>
@@ -22542,14 +23697,14 @@
         <a:effectLst/>
         <a:extLst>
           <a:ext uri="{909E8E84-426E-40DD-AFC4-6F175D3DCCD1}">
-            <a14:hiddenFill xmlns:a14="http://schemas.microsoft.com/office/drawing/2010/main">
+            <a14:hiddenFill xmlns:a14="http://schemas.microsoft.com/office/drawing/2010/main" xmlns="">
               <a:solidFill>
                 <a:schemeClr val="accent1"/>
               </a:solidFill>
             </a14:hiddenFill>
           </a:ext>
           <a:ext uri="{AF507438-7753-43E0-B8FC-AC1667EBCBE1}">
-            <a14:hiddenEffects xmlns:a14="http://schemas.microsoft.com/office/drawing/2010/main">
+            <a14:hiddenEffects xmlns:a14="http://schemas.microsoft.com/office/drawing/2010/main" xmlns="">
               <a:effectLst>
                 <a:outerShdw dist="35921" dir="2700000" algn="ctr" rotWithShape="0">
                   <a:schemeClr val="bg2"/>
